--- a/computerSystem/9조 시스템 분석설계 수정(12월 2일).pptx
+++ b/computerSystem/9조 시스템 분석설계 수정(12월 2일).pptx
@@ -5,7 +5,7 @@
     <p:sldMasterId id="2147483698" r:id="rId1"/>
   </p:sldMasterIdLst>
   <p:notesMasterIdLst>
-    <p:notesMasterId r:id="rId18"/>
+    <p:notesMasterId r:id="rId20"/>
   </p:notesMasterIdLst>
   <p:sldIdLst>
     <p:sldId id="256" r:id="rId2"/>
@@ -17,25 +17,19 @@
     <p:sldId id="262" r:id="rId8"/>
     <p:sldId id="263" r:id="rId9"/>
     <p:sldId id="264" r:id="rId10"/>
-    <p:sldId id="270" r:id="rId11"/>
-    <p:sldId id="271" r:id="rId12"/>
-    <p:sldId id="266" r:id="rId13"/>
-    <p:sldId id="265" r:id="rId14"/>
-    <p:sldId id="267" r:id="rId15"/>
-    <p:sldId id="268" r:id="rId16"/>
-    <p:sldId id="269" r:id="rId17"/>
+    <p:sldId id="272" r:id="rId11"/>
+    <p:sldId id="273" r:id="rId12"/>
+    <p:sldId id="270" r:id="rId13"/>
+    <p:sldId id="271" r:id="rId14"/>
+    <p:sldId id="266" r:id="rId15"/>
+    <p:sldId id="265" r:id="rId16"/>
+    <p:sldId id="267" r:id="rId17"/>
+    <p:sldId id="268" r:id="rId18"/>
+    <p:sldId id="269" r:id="rId19"/>
   </p:sldIdLst>
   <p:sldSz cx="9906000" cy="6858000" type="A4"/>
   <p:notesSz cx="6735763" cy="9799638"/>
   <p:embeddedFontLst>
-    <p:embeddedFont>
-      <p:font typeface="HY헤드라인M" panose="02030600000101010101" pitchFamily="18" charset="-127"/>
-      <p:regular r:id="rId19"/>
-    </p:embeddedFont>
-    <p:embeddedFont>
-      <p:font typeface="휴먼편지체" panose="02030504000101010101" pitchFamily="18" charset="-127"/>
-      <p:regular r:id="rId20"/>
-    </p:embeddedFont>
     <p:embeddedFont>
       <p:font typeface="Calibri" panose="020F0502020204030204" pitchFamily="34" charset="0"/>
       <p:regular r:id="rId21"/>
@@ -44,22 +38,35 @@
       <p:boldItalic r:id="rId24"/>
     </p:embeddedFont>
     <p:embeddedFont>
-      <p:font typeface="HY견고딕" panose="02030600000101010101" pitchFamily="18" charset="-127"/>
+      <p:font typeface="HY엽서M" panose="02030600000101010101" pitchFamily="18" charset="-127"/>
       <p:regular r:id="rId25"/>
     </p:embeddedFont>
     <p:embeddedFont>
-      <p:font typeface="HY엽서M" panose="02030600000101010101" pitchFamily="18" charset="-127"/>
+      <p:font typeface="HY헤드라인M" panose="02030600000101010101" pitchFamily="18" charset="-127"/>
       <p:regular r:id="rId26"/>
     </p:embeddedFont>
     <p:embeddedFont>
+      <p:font typeface="Tahoma" panose="020B0604030504040204" pitchFamily="34" charset="0"/>
+      <p:regular r:id="rId27"/>
+      <p:bold r:id="rId28"/>
+    </p:embeddedFont>
+    <p:embeddedFont>
+      <p:font typeface="휴먼편지체" panose="02030504000101010101" pitchFamily="18" charset="-127"/>
+      <p:regular r:id="rId29"/>
+    </p:embeddedFont>
+    <p:embeddedFont>
+      <p:font typeface="HY견고딕" panose="02030600000101010101" pitchFamily="18" charset="-127"/>
+      <p:regular r:id="rId30"/>
+    </p:embeddedFont>
+    <p:embeddedFont>
       <p:font typeface="Calibri Light" panose="020F0302020204030204" pitchFamily="34" charset="0"/>
-      <p:regular r:id="rId27"/>
-      <p:italic r:id="rId28"/>
+      <p:regular r:id="rId31"/>
+      <p:italic r:id="rId32"/>
     </p:embeddedFont>
     <p:embeddedFont>
       <p:font typeface="맑은 고딕" panose="020B0503020000020004" pitchFamily="50" charset="-127"/>
-      <p:regular r:id="rId29"/>
-      <p:bold r:id="rId30"/>
+      <p:regular r:id="rId33"/>
+      <p:bold r:id="rId34"/>
     </p:embeddedFont>
   </p:embeddedFontLst>
   <p:defaultTextStyle>
@@ -157,6 +164,22 @@
       </a:defRPr>
     </a:lvl9pPr>
   </p:defaultTextStyle>
+  <p:extLst>
+    <p:ext uri="{EFAFB233-063F-42B5-8137-9DF3F51BA10A}">
+      <p15:sldGuideLst xmlns:p15="http://schemas.microsoft.com/office/powerpoint/2012/main">
+        <p15:guide id="1" orient="horz" pos="2159">
+          <p15:clr>
+            <a:srgbClr val="A4A3A4"/>
+          </p15:clr>
+        </p15:guide>
+        <p15:guide id="2" pos="3118">
+          <p15:clr>
+            <a:srgbClr val="A4A3A4"/>
+          </p15:clr>
+        </p15:guide>
+      </p15:sldGuideLst>
+    </p:ext>
+  </p:extLst>
 </p:presentation>
 </file>
 
@@ -394,8 +417,8 @@
           <c:showBubbleSize val="0"/>
         </c:dLbls>
         <c:gapWidth val="150"/>
-        <c:axId val="102217984"/>
-        <c:axId val="118686080"/>
+        <c:axId val="339860784"/>
+        <c:axId val="339863136"/>
       </c:barChart>
       <c:lineChart>
         <c:grouping val="standard"/>
@@ -479,16 +502,17 @@
         </c:dLbls>
         <c:marker val="1"/>
         <c:smooth val="0"/>
-        <c:axId val="118690176"/>
-        <c:axId val="118688000"/>
+        <c:axId val="339864704"/>
+        <c:axId val="339865880"/>
       </c:lineChart>
       <c:catAx>
-        <c:axId val="102217984"/>
+        <c:axId val="339860784"/>
         <c:scaling>
           <c:orientation val="minMax"/>
         </c:scaling>
         <c:delete val="0"/>
         <c:axPos val="b"/>
+        <c:numFmt formatCode="General" sourceLinked="0"/>
         <c:majorTickMark val="none"/>
         <c:minorTickMark val="none"/>
         <c:tickLblPos val="nextTo"/>
@@ -500,7 +524,7 @@
             </a:schemeClr>
           </a:solidFill>
         </c:spPr>
-        <c:crossAx val="118686080"/>
+        <c:crossAx val="339863136"/>
         <c:crosses val="autoZero"/>
         <c:auto val="1"/>
         <c:lblAlgn val="ctr"/>
@@ -508,7 +532,7 @@
         <c:noMultiLvlLbl val="0"/>
       </c:catAx>
       <c:valAx>
-        <c:axId val="118686080"/>
+        <c:axId val="339863136"/>
         <c:scaling>
           <c:orientation val="minMax"/>
         </c:scaling>
@@ -519,7 +543,7 @@
         <c:majorTickMark val="none"/>
         <c:minorTickMark val="none"/>
         <c:tickLblPos val="nextTo"/>
-        <c:crossAx val="102217984"/>
+        <c:crossAx val="339860784"/>
         <c:crosses val="autoZero"/>
         <c:crossBetween val="between"/>
         <c:dispUnits>
@@ -527,7 +551,7 @@
         </c:dispUnits>
       </c:valAx>
       <c:valAx>
-        <c:axId val="118688000"/>
+        <c:axId val="339865880"/>
         <c:scaling>
           <c:orientation val="minMax"/>
           <c:max val="10"/>
@@ -562,21 +586,22 @@
         <c:majorTickMark val="out"/>
         <c:minorTickMark val="none"/>
         <c:tickLblPos val="nextTo"/>
-        <c:crossAx val="118690176"/>
+        <c:crossAx val="339864704"/>
         <c:crosses val="max"/>
         <c:crossBetween val="between"/>
       </c:valAx>
       <c:catAx>
-        <c:axId val="118690176"/>
+        <c:axId val="339864704"/>
         <c:scaling>
           <c:orientation val="minMax"/>
         </c:scaling>
         <c:delete val="1"/>
         <c:axPos val="b"/>
+        <c:numFmt formatCode="General" sourceLinked="1"/>
         <c:majorTickMark val="out"/>
         <c:minorTickMark val="none"/>
         <c:tickLblPos val="nextTo"/>
-        <c:crossAx val="118688000"/>
+        <c:crossAx val="339865880"/>
         <c:crosses val="autoZero"/>
         <c:auto val="1"/>
         <c:lblAlgn val="ctr"/>
@@ -770,7 +795,7 @@
               <a:pPr lvl="0">
                 <a:defRPr lang="ko-KR" altLang="en-US"/>
               </a:pPr>
-              <a:t>2015-12-02</a:t>
+              <a:t>2015-12-04</a:t>
             </a:fld>
             <a:endParaRPr lang="ko-KR" altLang="en-US"/>
           </a:p>
@@ -1365,6 +1390,11 @@
         </p:txBody>
       </p:sp>
     </p:spTree>
+    <p:extLst>
+      <p:ext uri="{BB962C8B-B14F-4D97-AF65-F5344CB8AC3E}">
+        <p14:creationId xmlns:p14="http://schemas.microsoft.com/office/powerpoint/2010/main" val="2202289187"/>
+      </p:ext>
+    </p:extLst>
   </p:cSld>
   <p:clrMapOvr>
     <a:masterClrMapping/>
@@ -1453,6 +1483,11 @@
         </p:txBody>
       </p:sp>
     </p:spTree>
+    <p:extLst>
+      <p:ext uri="{BB962C8B-B14F-4D97-AF65-F5344CB8AC3E}">
+        <p14:creationId xmlns:p14="http://schemas.microsoft.com/office/powerpoint/2010/main" val="1812850006"/>
+      </p:ext>
+    </p:extLst>
   </p:cSld>
   <p:clrMapOvr>
     <a:masterClrMapping/>
@@ -1541,6 +1576,11 @@
         </p:txBody>
       </p:sp>
     </p:spTree>
+    <p:extLst>
+      <p:ext uri="{BB962C8B-B14F-4D97-AF65-F5344CB8AC3E}">
+        <p14:creationId xmlns:p14="http://schemas.microsoft.com/office/powerpoint/2010/main" val="1675660481"/>
+      </p:ext>
+    </p:extLst>
   </p:cSld>
   <p:clrMapOvr>
     <a:masterClrMapping/>
@@ -1664,6 +1704,11 @@
         </p:txBody>
       </p:sp>
     </p:spTree>
+    <p:extLst>
+      <p:ext uri="{BB962C8B-B14F-4D97-AF65-F5344CB8AC3E}">
+        <p14:creationId xmlns:p14="http://schemas.microsoft.com/office/powerpoint/2010/main" val="1446035541"/>
+      </p:ext>
+    </p:extLst>
   </p:cSld>
   <p:clrMapOvr>
     <a:masterClrMapping/>
@@ -1755,13 +1800,18 @@
               <a:pPr lvl="0">
                 <a:defRPr lang="ko-KR" altLang="en-US"/>
               </a:pPr>
-              <a:t>13</a:t>
+              <a:t>15</a:t>
             </a:fld>
             <a:endParaRPr lang="en-US" altLang="en-US"/>
           </a:p>
         </p:txBody>
       </p:sp>
     </p:spTree>
+    <p:extLst>
+      <p:ext uri="{BB962C8B-B14F-4D97-AF65-F5344CB8AC3E}">
+        <p14:creationId xmlns:p14="http://schemas.microsoft.com/office/powerpoint/2010/main" val="1758772235"/>
+      </p:ext>
+    </p:extLst>
   </p:cSld>
   <p:clrMapOvr>
     <a:masterClrMapping/>
@@ -1901,7 +1951,7 @@
             <a:fld id="{39163829-0111-4952-BDB5-00FCD226491D}" type="datetimeFigureOut">
               <a:rPr lang="ko-KR" altLang="en-US" smtClean="0"/>
               <a:pPr/>
-              <a:t>2015-12-02</a:t>
+              <a:t>2015-12-04</a:t>
             </a:fld>
             <a:endParaRPr lang="ko-KR" altLang="en-US"/>
           </a:p>
@@ -2073,7 +2123,7 @@
             <a:fld id="{39163829-0111-4952-BDB5-00FCD226491D}" type="datetimeFigureOut">
               <a:rPr lang="ko-KR" altLang="en-US" smtClean="0"/>
               <a:pPr/>
-              <a:t>2015-12-02</a:t>
+              <a:t>2015-12-04</a:t>
             </a:fld>
             <a:endParaRPr lang="ko-KR" altLang="en-US"/>
           </a:p>
@@ -2255,7 +2305,7 @@
             <a:fld id="{39163829-0111-4952-BDB5-00FCD226491D}" type="datetimeFigureOut">
               <a:rPr lang="ko-KR" altLang="en-US" smtClean="0"/>
               <a:pPr/>
-              <a:t>2015-12-02</a:t>
+              <a:t>2015-12-04</a:t>
             </a:fld>
             <a:endParaRPr lang="ko-KR" altLang="en-US"/>
           </a:p>
@@ -2427,7 +2477,7 @@
             <a:fld id="{39163829-0111-4952-BDB5-00FCD226491D}" type="datetimeFigureOut">
               <a:rPr lang="ko-KR" altLang="en-US" smtClean="0"/>
               <a:pPr/>
-              <a:t>2015-12-02</a:t>
+              <a:t>2015-12-04</a:t>
             </a:fld>
             <a:endParaRPr lang="ko-KR" altLang="en-US"/>
           </a:p>
@@ -2673,7 +2723,7 @@
             <a:fld id="{39163829-0111-4952-BDB5-00FCD226491D}" type="datetimeFigureOut">
               <a:rPr lang="ko-KR" altLang="en-US" smtClean="0"/>
               <a:pPr/>
-              <a:t>2015-12-02</a:t>
+              <a:t>2015-12-04</a:t>
             </a:fld>
             <a:endParaRPr lang="ko-KR" altLang="en-US"/>
           </a:p>
@@ -2907,7 +2957,7 @@
             <a:fld id="{39163829-0111-4952-BDB5-00FCD226491D}" type="datetimeFigureOut">
               <a:rPr lang="ko-KR" altLang="en-US" smtClean="0"/>
               <a:pPr/>
-              <a:t>2015-12-02</a:t>
+              <a:t>2015-12-04</a:t>
             </a:fld>
             <a:endParaRPr lang="ko-KR" altLang="en-US"/>
           </a:p>
@@ -3276,7 +3326,7 @@
             <a:fld id="{39163829-0111-4952-BDB5-00FCD226491D}" type="datetimeFigureOut">
               <a:rPr lang="ko-KR" altLang="en-US" smtClean="0"/>
               <a:pPr/>
-              <a:t>2015-12-02</a:t>
+              <a:t>2015-12-04</a:t>
             </a:fld>
             <a:endParaRPr lang="ko-KR" altLang="en-US"/>
           </a:p>
@@ -3396,7 +3446,7 @@
             <a:fld id="{39163829-0111-4952-BDB5-00FCD226491D}" type="datetimeFigureOut">
               <a:rPr lang="ko-KR" altLang="en-US" smtClean="0"/>
               <a:pPr/>
-              <a:t>2015-12-02</a:t>
+              <a:t>2015-12-04</a:t>
             </a:fld>
             <a:endParaRPr lang="ko-KR" altLang="en-US"/>
           </a:p>
@@ -3493,7 +3543,7 @@
             <a:fld id="{39163829-0111-4952-BDB5-00FCD226491D}" type="datetimeFigureOut">
               <a:rPr lang="ko-KR" altLang="en-US" smtClean="0"/>
               <a:pPr/>
-              <a:t>2015-12-02</a:t>
+              <a:t>2015-12-04</a:t>
             </a:fld>
             <a:endParaRPr lang="ko-KR" altLang="en-US"/>
           </a:p>
@@ -3772,7 +3822,7 @@
             <a:fld id="{39163829-0111-4952-BDB5-00FCD226491D}" type="datetimeFigureOut">
               <a:rPr lang="ko-KR" altLang="en-US" smtClean="0"/>
               <a:pPr/>
-              <a:t>2015-12-02</a:t>
+              <a:t>2015-12-04</a:t>
             </a:fld>
             <a:endParaRPr lang="ko-KR" altLang="en-US"/>
           </a:p>
@@ -4031,7 +4081,7 @@
             <a:fld id="{39163829-0111-4952-BDB5-00FCD226491D}" type="datetimeFigureOut">
               <a:rPr lang="ko-KR" altLang="en-US" smtClean="0"/>
               <a:pPr/>
-              <a:t>2015-12-02</a:t>
+              <a:t>2015-12-04</a:t>
             </a:fld>
             <a:endParaRPr lang="ko-KR" altLang="en-US"/>
           </a:p>
@@ -4246,7 +4296,7 @@
             <a:fld id="{39163829-0111-4952-BDB5-00FCD226491D}" type="datetimeFigureOut">
               <a:rPr lang="ko-KR" altLang="en-US" smtClean="0"/>
               <a:pPr/>
-              <a:t>2015-12-02</a:t>
+              <a:t>2015-12-04</a:t>
             </a:fld>
             <a:endParaRPr lang="ko-KR" altLang="en-US"/>
           </a:p>
@@ -5190,66 +5240,6 @@
           <a:chExt cx="0" cy="0"/>
         </a:xfrm>
       </p:grpSpPr>
-      <p:pic>
-        <p:nvPicPr>
-          <p:cNvPr id="1029" name="Picture 5"/>
-          <p:cNvPicPr>
-            <a:picLocks noChangeAspect="1" noChangeArrowheads="1"/>
-          </p:cNvPicPr>
-          <p:nvPr/>
-        </p:nvPicPr>
-        <p:blipFill>
-          <a:blip r:embed="rId2">
-            <a:extLst>
-              <a:ext uri="{28A0092B-C50C-407E-A947-70E740481C1C}">
-                <a14:useLocalDpi xmlns:a14="http://schemas.microsoft.com/office/drawing/2010/main" val="0"/>
-              </a:ext>
-            </a:extLst>
-          </a:blip>
-          <a:srcRect/>
-          <a:stretch>
-            <a:fillRect/>
-          </a:stretch>
-        </p:blipFill>
-        <p:spPr bwMode="auto">
-          <a:xfrm>
-            <a:off x="461745" y="970317"/>
-            <a:ext cx="3676366" cy="2186549"/>
-          </a:xfrm>
-          <a:prstGeom prst="rect">
-            <a:avLst/>
-          </a:prstGeom>
-          <a:ln>
-            <a:noFill/>
-          </a:ln>
-          <a:effectLst>
-            <a:outerShdw blurRad="190500" algn="tl" rotWithShape="0">
-              <a:srgbClr val="000000">
-                <a:alpha val="70000"/>
-              </a:srgbClr>
-            </a:outerShdw>
-          </a:effectLst>
-          <a:extLst>
-            <a:ext uri="{909E8E84-426E-40DD-AFC4-6F175D3DCCD1}">
-              <a14:hiddenFill xmlns:a14="http://schemas.microsoft.com/office/drawing/2010/main">
-                <a:solidFill>
-                  <a:schemeClr val="accent1"/>
-                </a:solidFill>
-              </a14:hiddenFill>
-            </a:ext>
-            <a:ext uri="{91240B29-F687-4F45-9708-019B960494DF}">
-              <a14:hiddenLine xmlns:a14="http://schemas.microsoft.com/office/drawing/2010/main" w="9525">
-                <a:solidFill>
-                  <a:schemeClr val="tx1"/>
-                </a:solidFill>
-                <a:miter lim="800000"/>
-                <a:headEnd/>
-                <a:tailEnd/>
-              </a14:hiddenLine>
-            </a:ext>
-          </a:extLst>
-        </p:spPr>
-      </p:pic>
       <p:sp>
         <p:nvSpPr>
           <p:cNvPr id="10" name="모서리가 둥근 직사각형 9"/>
@@ -5352,8 +5342,8 @@
         </p:nvSpPr>
         <p:spPr>
           <a:xfrm>
-            <a:off x="3806006" y="15990"/>
-            <a:ext cx="2380780" cy="584775"/>
+            <a:off x="4011190" y="15990"/>
+            <a:ext cx="1970411" cy="584775"/>
           </a:xfrm>
           <a:prstGeom prst="rect">
             <a:avLst/>
@@ -5377,7 +5367,7 @@
                 </a:solidFill>
                 <a:latin typeface="+mn-ea"/>
               </a:rPr>
-              <a:t>클래스 구조</a:t>
+              <a:t>상세 설계</a:t>
             </a:r>
             <a:endParaRPr lang="ko-KR" altLang="en-US" sz="3200" b="1" dirty="0">
               <a:solidFill>
@@ -5391,16 +5381,1218 @@
           </a:p>
         </p:txBody>
       </p:sp>
+      <p:grpSp>
+        <p:nvGrpSpPr>
+          <p:cNvPr id="30" name="그룹 29"/>
+          <p:cNvGrpSpPr/>
+          <p:nvPr/>
+        </p:nvGrpSpPr>
+        <p:grpSpPr>
+          <a:xfrm>
+            <a:off x="271394" y="1377951"/>
+            <a:ext cx="1337273" cy="3185582"/>
+            <a:chOff x="237527" y="3867150"/>
+            <a:chExt cx="2037160" cy="2873021"/>
+          </a:xfrm>
+        </p:grpSpPr>
+        <p:pic>
+          <p:nvPicPr>
+            <p:cNvPr id="12" name="Picture 5"/>
+            <p:cNvPicPr>
+              <a:picLocks noChangeAspect="1" noChangeArrowheads="1"/>
+            </p:cNvPicPr>
+            <p:nvPr/>
+          </p:nvPicPr>
+          <p:blipFill>
+            <a:blip r:embed="rId2" cstate="print">
+              <a:extLst>
+                <a:ext uri="{28A0092B-C50C-407E-A947-70E740481C1C}">
+                  <a14:useLocalDpi xmlns:a14="http://schemas.microsoft.com/office/drawing/2010/main" val="0"/>
+                </a:ext>
+              </a:extLst>
+            </a:blip>
+            <a:srcRect/>
+            <a:stretch>
+              <a:fillRect/>
+            </a:stretch>
+          </p:blipFill>
+          <p:spPr bwMode="auto">
+            <a:xfrm>
+              <a:off x="1686476" y="6168671"/>
+              <a:ext cx="588211" cy="571500"/>
+            </a:xfrm>
+            <a:prstGeom prst="rect">
+              <a:avLst/>
+            </a:prstGeom>
+            <a:noFill/>
+            <a:ln>
+              <a:noFill/>
+            </a:ln>
+            <a:extLst>
+              <a:ext uri="{909E8E84-426E-40DD-AFC4-6F175D3DCCD1}">
+                <a14:hiddenFill xmlns:a14="http://schemas.microsoft.com/office/drawing/2010/main">
+                  <a:solidFill>
+                    <a:schemeClr val="accent1"/>
+                  </a:solidFill>
+                </a14:hiddenFill>
+              </a:ext>
+              <a:ext uri="{91240B29-F687-4F45-9708-019B960494DF}">
+                <a14:hiddenLine xmlns:a14="http://schemas.microsoft.com/office/drawing/2010/main" w="9525">
+                  <a:solidFill>
+                    <a:schemeClr val="tx1"/>
+                  </a:solidFill>
+                  <a:miter lim="800000"/>
+                  <a:headEnd/>
+                  <a:tailEnd/>
+                </a14:hiddenLine>
+              </a:ext>
+            </a:extLst>
+          </p:spPr>
+        </p:pic>
+        <p:pic>
+          <p:nvPicPr>
+            <p:cNvPr id="13" name="Picture 3"/>
+            <p:cNvPicPr>
+              <a:picLocks noChangeAspect="1" noChangeArrowheads="1"/>
+            </p:cNvPicPr>
+            <p:nvPr/>
+          </p:nvPicPr>
+          <p:blipFill>
+            <a:blip r:embed="rId3">
+              <a:extLst>
+                <a:ext uri="{BEBA8EAE-BF5A-486C-A8C5-ECC9F3942E4B}">
+                  <a14:imgProps xmlns:a14="http://schemas.microsoft.com/office/drawing/2010/main">
+                    <a14:imgLayer r:embed="rId4">
+                      <a14:imgEffect>
+                        <a14:artisticBlur radius="3"/>
+                      </a14:imgEffect>
+                      <a14:imgEffect>
+                        <a14:sharpenSoften amount="50000"/>
+                      </a14:imgEffect>
+                    </a14:imgLayer>
+                  </a14:imgProps>
+                </a:ext>
+                <a:ext uri="{28A0092B-C50C-407E-A947-70E740481C1C}">
+                  <a14:useLocalDpi xmlns:a14="http://schemas.microsoft.com/office/drawing/2010/main" val="0"/>
+                </a:ext>
+              </a:extLst>
+            </a:blip>
+            <a:srcRect/>
+            <a:stretch>
+              <a:fillRect/>
+            </a:stretch>
+          </p:blipFill>
+          <p:spPr bwMode="auto">
+            <a:xfrm>
+              <a:off x="237527" y="3867150"/>
+              <a:ext cx="1622594" cy="2301521"/>
+            </a:xfrm>
+            <a:prstGeom prst="rect">
+              <a:avLst/>
+            </a:prstGeom>
+            <a:noFill/>
+            <a:ln>
+              <a:noFill/>
+            </a:ln>
+            <a:effectLst/>
+            <a:extLst>
+              <a:ext uri="{909E8E84-426E-40DD-AFC4-6F175D3DCCD1}">
+                <a14:hiddenFill xmlns:a14="http://schemas.microsoft.com/office/drawing/2010/main">
+                  <a:solidFill>
+                    <a:schemeClr val="accent1"/>
+                  </a:solidFill>
+                </a14:hiddenFill>
+              </a:ext>
+              <a:ext uri="{91240B29-F687-4F45-9708-019B960494DF}">
+                <a14:hiddenLine xmlns:a14="http://schemas.microsoft.com/office/drawing/2010/main" w="9525">
+                  <a:solidFill>
+                    <a:schemeClr val="tx1"/>
+                  </a:solidFill>
+                  <a:miter lim="800000"/>
+                  <a:headEnd/>
+                  <a:tailEnd/>
+                </a14:hiddenLine>
+              </a:ext>
+              <a:ext uri="{AF507438-7753-43E0-B8FC-AC1667EBCBE1}">
+                <a14:hiddenEffects xmlns:a14="http://schemas.microsoft.com/office/drawing/2010/main">
+                  <a:effectLst>
+                    <a:outerShdw dist="35921" dir="2700000" algn="ctr" rotWithShape="0">
+                      <a:schemeClr val="bg2"/>
+                    </a:outerShdw>
+                  </a:effectLst>
+                </a14:hiddenEffects>
+              </a:ext>
+            </a:extLst>
+          </p:spPr>
+        </p:pic>
+        <p:cxnSp>
+          <p:nvCxnSpPr>
+            <p:cNvPr id="14" name="꺾인 연결선 13"/>
+            <p:cNvCxnSpPr>
+              <a:endCxn id="12" idx="1"/>
+            </p:cNvCxnSpPr>
+            <p:nvPr/>
+          </p:nvCxnSpPr>
+          <p:spPr>
+            <a:xfrm>
+              <a:off x="775692" y="6064030"/>
+              <a:ext cx="910784" cy="390391"/>
+            </a:xfrm>
+            <a:prstGeom prst="bentConnector3">
+              <a:avLst>
+                <a:gd name="adj1" fmla="val 4450"/>
+              </a:avLst>
+            </a:prstGeom>
+            <a:ln w="19050">
+              <a:solidFill>
+                <a:schemeClr val="accent1"/>
+              </a:solidFill>
+              <a:prstDash val="dash"/>
+              <a:headEnd type="oval"/>
+              <a:tailEnd type="oval"/>
+            </a:ln>
+          </p:spPr>
+          <p:style>
+            <a:lnRef idx="1">
+              <a:schemeClr val="accent1"/>
+            </a:lnRef>
+            <a:fillRef idx="0">
+              <a:schemeClr val="accent1"/>
+            </a:fillRef>
+            <a:effectRef idx="0">
+              <a:schemeClr val="accent1"/>
+            </a:effectRef>
+            <a:fontRef idx="minor">
+              <a:schemeClr val="tx1"/>
+            </a:fontRef>
+          </p:style>
+        </p:cxnSp>
+        <p:sp>
+          <p:nvSpPr>
+            <p:cNvPr id="18" name="직사각형 17"/>
+            <p:cNvSpPr/>
+            <p:nvPr/>
+          </p:nvSpPr>
+          <p:spPr>
+            <a:xfrm>
+              <a:off x="605817" y="5963973"/>
+              <a:ext cx="169875" cy="100057"/>
+            </a:xfrm>
+            <a:prstGeom prst="rect">
+              <a:avLst/>
+            </a:prstGeom>
+            <a:solidFill>
+              <a:schemeClr val="accent6"/>
+            </a:solidFill>
+            <a:ln>
+              <a:noFill/>
+            </a:ln>
+            <a:effectLst>
+              <a:outerShdw blurRad="44450" dist="27940" dir="5400000" algn="ctr">
+                <a:srgbClr val="000000">
+                  <a:alpha val="32000"/>
+                </a:srgbClr>
+              </a:outerShdw>
+            </a:effectLst>
+            <a:scene3d>
+              <a:camera prst="orthographicFront">
+                <a:rot lat="0" lon="0" rev="0"/>
+              </a:camera>
+              <a:lightRig rig="balanced" dir="t">
+                <a:rot lat="0" lon="0" rev="8700000"/>
+              </a:lightRig>
+            </a:scene3d>
+            <a:sp3d>
+              <a:bevelT w="190500" h="38100"/>
+            </a:sp3d>
+          </p:spPr>
+          <p:style>
+            <a:lnRef idx="2">
+              <a:schemeClr val="accent1">
+                <a:shade val="50000"/>
+              </a:schemeClr>
+            </a:lnRef>
+            <a:fillRef idx="1">
+              <a:schemeClr val="accent1"/>
+            </a:fillRef>
+            <a:effectRef idx="0">
+              <a:schemeClr val="accent1"/>
+            </a:effectRef>
+            <a:fontRef idx="minor">
+              <a:schemeClr val="lt1"/>
+            </a:fontRef>
+          </p:style>
+          <p:txBody>
+            <a:bodyPr rtlCol="0" anchor="ctr"/>
+            <a:lstStyle/>
+            <a:p>
+              <a:pPr algn="ctr"/>
+              <a:endParaRPr lang="ko-KR" altLang="en-US"/>
+            </a:p>
+          </p:txBody>
+        </p:sp>
+      </p:grpSp>
+      <p:sp>
+        <p:nvSpPr>
+          <p:cNvPr id="34" name="TextBox 33"/>
+          <p:cNvSpPr txBox="1"/>
+          <p:nvPr/>
+        </p:nvSpPr>
+        <p:spPr>
+          <a:xfrm>
+            <a:off x="77049" y="977841"/>
+            <a:ext cx="3373652" cy="400110"/>
+          </a:xfrm>
+          <a:prstGeom prst="rect">
+            <a:avLst/>
+          </a:prstGeom>
+          <a:noFill/>
+        </p:spPr>
+        <p:txBody>
+          <a:bodyPr wrap="square" rtlCol="0">
+            <a:spAutoFit/>
+          </a:bodyPr>
+          <a:lstStyle/>
+          <a:p>
+            <a:r>
+              <a:rPr lang="en-US" altLang="ko-KR" sz="2000" b="1" dirty="0" smtClean="0">
+                <a:solidFill>
+                  <a:schemeClr val="tx1">
+                    <a:lumMod val="65000"/>
+                    <a:lumOff val="35000"/>
+                  </a:schemeClr>
+                </a:solidFill>
+              </a:rPr>
+              <a:t>[</a:t>
+            </a:r>
+            <a:r>
+              <a:rPr lang="en-US" altLang="ko-KR" sz="2000" dirty="0"/>
+              <a:t>Wearable </a:t>
+            </a:r>
+            <a:r>
+              <a:rPr lang="en-US" altLang="ko-KR" sz="2000" dirty="0" smtClean="0"/>
+              <a:t>Device</a:t>
+            </a:r>
+            <a:r>
+              <a:rPr lang="en-US" altLang="ko-KR" sz="2000" b="1" dirty="0" smtClean="0">
+                <a:solidFill>
+                  <a:schemeClr val="tx1">
+                    <a:lumMod val="65000"/>
+                    <a:lumOff val="35000"/>
+                  </a:schemeClr>
+                </a:solidFill>
+              </a:rPr>
+              <a:t>]</a:t>
+            </a:r>
+            <a:endParaRPr lang="ko-KR" altLang="en-US" sz="2000" b="1" dirty="0">
+              <a:solidFill>
+                <a:schemeClr val="tx1">
+                  <a:lumMod val="65000"/>
+                  <a:lumOff val="35000"/>
+                </a:schemeClr>
+              </a:solidFill>
+            </a:endParaRPr>
+          </a:p>
+        </p:txBody>
+      </p:sp>
+      <p:sp>
+        <p:nvSpPr>
+          <p:cNvPr id="32" name="Rectangle 2"/>
+          <p:cNvSpPr>
+            <a:spLocks noChangeArrowheads="1"/>
+          </p:cNvSpPr>
+          <p:nvPr/>
+        </p:nvSpPr>
+        <p:spPr bwMode="auto">
+          <a:xfrm>
+            <a:off x="3756349" y="260207"/>
+            <a:ext cx="9906000" cy="457200"/>
+          </a:xfrm>
+          <a:prstGeom prst="rect">
+            <a:avLst/>
+          </a:prstGeom>
+          <a:noFill/>
+          <a:ln>
+            <a:noFill/>
+          </a:ln>
+          <a:effectLst/>
+          <a:extLst>
+            <a:ext uri="{909E8E84-426E-40DD-AFC4-6F175D3DCCD1}">
+              <a14:hiddenFill xmlns:a14="http://schemas.microsoft.com/office/drawing/2010/main">
+                <a:solidFill>
+                  <a:schemeClr val="accent1"/>
+                </a:solidFill>
+              </a14:hiddenFill>
+            </a:ext>
+            <a:ext uri="{91240B29-F687-4F45-9708-019B960494DF}">
+              <a14:hiddenLine xmlns:a14="http://schemas.microsoft.com/office/drawing/2010/main" w="9525">
+                <a:solidFill>
+                  <a:schemeClr val="tx1"/>
+                </a:solidFill>
+                <a:miter lim="800000"/>
+                <a:headEnd/>
+                <a:tailEnd/>
+              </a14:hiddenLine>
+            </a:ext>
+            <a:ext uri="{AF507438-7753-43E0-B8FC-AC1667EBCBE1}">
+              <a14:hiddenEffects xmlns:a14="http://schemas.microsoft.com/office/drawing/2010/main">
+                <a:effectLst>
+                  <a:outerShdw dist="35921" dir="2700000" algn="ctr" rotWithShape="0">
+                    <a:schemeClr val="bg2"/>
+                  </a:outerShdw>
+                </a:effectLst>
+              </a14:hiddenEffects>
+            </a:ext>
+          </a:extLst>
+        </p:spPr>
+        <p:txBody>
+          <a:bodyPr vert="horz" wrap="none" lIns="91440" tIns="45720" rIns="91440" bIns="45720" numCol="1" anchor="ctr" anchorCtr="0" compatLnSpc="1">
+            <a:prstTxWarp prst="textNoShape">
+              <a:avLst/>
+            </a:prstTxWarp>
+            <a:spAutoFit/>
+          </a:bodyPr>
+          <a:lstStyle/>
+          <a:p>
+            <a:endParaRPr lang="ko-KR" altLang="en-US"/>
+          </a:p>
+        </p:txBody>
+      </p:sp>
+      <p:sp>
+        <p:nvSpPr>
+          <p:cNvPr id="33" name="직사각형 32"/>
+          <p:cNvSpPr/>
+          <p:nvPr/>
+        </p:nvSpPr>
+        <p:spPr>
+          <a:xfrm>
+            <a:off x="2504367" y="1002118"/>
+            <a:ext cx="3510898" cy="424732"/>
+          </a:xfrm>
+          <a:prstGeom prst="rect">
+            <a:avLst/>
+          </a:prstGeom>
+        </p:spPr>
+        <p:txBody>
+          <a:bodyPr wrap="none">
+            <a:spAutoFit/>
+          </a:bodyPr>
+          <a:lstStyle/>
+          <a:p>
+            <a:pPr algn="just" fontAlgn="base">
+              <a:lnSpc>
+                <a:spcPct val="120000"/>
+              </a:lnSpc>
+            </a:pPr>
+            <a:r>
+              <a:rPr lang="en-US" altLang="ko-KR" b="1" kern="0" dirty="0">
+                <a:solidFill>
+                  <a:srgbClr val="000000"/>
+                </a:solidFill>
+                <a:latin typeface="Tahoma" panose="020B0604030504040204" pitchFamily="34" charset="0"/>
+                <a:ea typeface="Tahoma" panose="020B0604030504040204" pitchFamily="34" charset="0"/>
+              </a:rPr>
+              <a:t>&lt;</a:t>
+            </a:r>
+            <a:r>
+              <a:rPr lang="ko-KR" altLang="en-US" b="1" kern="0" dirty="0" err="1">
+                <a:solidFill>
+                  <a:srgbClr val="000000"/>
+                </a:solidFill>
+                <a:latin typeface="Tahoma" panose="020B0604030504040204" pitchFamily="34" charset="0"/>
+                <a:ea typeface="Tahoma" panose="020B0604030504040204" pitchFamily="34" charset="0"/>
+              </a:rPr>
+              <a:t>아두이노</a:t>
+            </a:r>
+            <a:r>
+              <a:rPr lang="ko-KR" altLang="en-US" b="1" kern="0" dirty="0">
+                <a:solidFill>
+                  <a:srgbClr val="000000"/>
+                </a:solidFill>
+                <a:latin typeface="Tahoma" panose="020B0604030504040204" pitchFamily="34" charset="0"/>
+                <a:ea typeface="Tahoma" panose="020B0604030504040204" pitchFamily="34" charset="0"/>
+              </a:rPr>
+              <a:t> </a:t>
+            </a:r>
+            <a:r>
+              <a:rPr lang="en-US" altLang="ko-KR" b="1" kern="0" dirty="0" smtClean="0">
+                <a:solidFill>
+                  <a:srgbClr val="000000"/>
+                </a:solidFill>
+                <a:latin typeface="Tahoma" panose="020B0604030504040204" pitchFamily="34" charset="0"/>
+                <a:ea typeface="Tahoma" panose="020B0604030504040204" pitchFamily="34" charset="0"/>
+              </a:rPr>
+              <a:t>, </a:t>
+            </a:r>
+            <a:r>
+              <a:rPr lang="ko-KR" altLang="en-US" b="1" kern="0" dirty="0" err="1" smtClean="0">
+                <a:solidFill>
+                  <a:srgbClr val="000000"/>
+                </a:solidFill>
+                <a:latin typeface="Tahoma" panose="020B0604030504040204" pitchFamily="34" charset="0"/>
+                <a:ea typeface="Tahoma" panose="020B0604030504040204" pitchFamily="34" charset="0"/>
+              </a:rPr>
+              <a:t>구글</a:t>
+            </a:r>
+            <a:r>
+              <a:rPr lang="ko-KR" altLang="en-US" b="1" kern="0" dirty="0" smtClean="0">
+                <a:solidFill>
+                  <a:srgbClr val="000000"/>
+                </a:solidFill>
+                <a:latin typeface="Tahoma" panose="020B0604030504040204" pitchFamily="34" charset="0"/>
+                <a:ea typeface="Tahoma" panose="020B0604030504040204" pitchFamily="34" charset="0"/>
+              </a:rPr>
+              <a:t> </a:t>
+            </a:r>
+            <a:r>
+              <a:rPr lang="ko-KR" altLang="en-US" b="1" kern="0" dirty="0" err="1" smtClean="0">
+                <a:solidFill>
+                  <a:srgbClr val="000000"/>
+                </a:solidFill>
+                <a:latin typeface="Tahoma" panose="020B0604030504040204" pitchFamily="34" charset="0"/>
+                <a:ea typeface="Tahoma" panose="020B0604030504040204" pitchFamily="34" charset="0"/>
+              </a:rPr>
+              <a:t>맵</a:t>
+            </a:r>
+            <a:r>
+              <a:rPr lang="ko-KR" altLang="en-US" b="1" kern="0" dirty="0" smtClean="0">
+                <a:solidFill>
+                  <a:srgbClr val="000000"/>
+                </a:solidFill>
+                <a:latin typeface="Tahoma" panose="020B0604030504040204" pitchFamily="34" charset="0"/>
+                <a:ea typeface="Tahoma" panose="020B0604030504040204" pitchFamily="34" charset="0"/>
+              </a:rPr>
+              <a:t> 위치 표시</a:t>
+            </a:r>
+            <a:r>
+              <a:rPr lang="en-US" altLang="ko-KR" b="1" kern="0" dirty="0" smtClean="0">
+                <a:solidFill>
+                  <a:srgbClr val="000000"/>
+                </a:solidFill>
+                <a:latin typeface="Tahoma" panose="020B0604030504040204" pitchFamily="34" charset="0"/>
+                <a:ea typeface="Tahoma" panose="020B0604030504040204" pitchFamily="34" charset="0"/>
+              </a:rPr>
+              <a:t>&gt;</a:t>
+            </a:r>
+            <a:endParaRPr lang="ko-KR" altLang="en-US" b="1" kern="0" spc="0" dirty="0">
+              <a:solidFill>
+                <a:srgbClr val="000000"/>
+              </a:solidFill>
+              <a:effectLst/>
+              <a:latin typeface="Tahoma" panose="020B0604030504040204" pitchFamily="34" charset="0"/>
+            </a:endParaRPr>
+          </a:p>
+        </p:txBody>
+      </p:sp>
+      <p:sp>
+        <p:nvSpPr>
+          <p:cNvPr id="35" name="Rectangle 4"/>
+          <p:cNvSpPr>
+            <a:spLocks noChangeArrowheads="1"/>
+          </p:cNvSpPr>
+          <p:nvPr/>
+        </p:nvSpPr>
+        <p:spPr bwMode="auto">
+          <a:xfrm>
+            <a:off x="1689802" y="1010737"/>
+            <a:ext cx="9906000" cy="457200"/>
+          </a:xfrm>
+          <a:prstGeom prst="rect">
+            <a:avLst/>
+          </a:prstGeom>
+          <a:noFill/>
+          <a:ln>
+            <a:noFill/>
+          </a:ln>
+          <a:effectLst/>
+          <a:extLst>
+            <a:ext uri="{909E8E84-426E-40DD-AFC4-6F175D3DCCD1}">
+              <a14:hiddenFill xmlns:a14="http://schemas.microsoft.com/office/drawing/2010/main">
+                <a:solidFill>
+                  <a:schemeClr val="accent1"/>
+                </a:solidFill>
+              </a14:hiddenFill>
+            </a:ext>
+            <a:ext uri="{91240B29-F687-4F45-9708-019B960494DF}">
+              <a14:hiddenLine xmlns:a14="http://schemas.microsoft.com/office/drawing/2010/main" w="9525">
+                <a:solidFill>
+                  <a:schemeClr val="tx1"/>
+                </a:solidFill>
+                <a:miter lim="800000"/>
+                <a:headEnd/>
+                <a:tailEnd/>
+              </a14:hiddenLine>
+            </a:ext>
+            <a:ext uri="{AF507438-7753-43E0-B8FC-AC1667EBCBE1}">
+              <a14:hiddenEffects xmlns:a14="http://schemas.microsoft.com/office/drawing/2010/main">
+                <a:effectLst>
+                  <a:outerShdw dist="35921" dir="2700000" algn="ctr" rotWithShape="0">
+                    <a:schemeClr val="bg2"/>
+                  </a:outerShdw>
+                </a:effectLst>
+              </a14:hiddenEffects>
+            </a:ext>
+          </a:extLst>
+        </p:spPr>
+        <p:txBody>
+          <a:bodyPr vert="horz" wrap="none" lIns="91440" tIns="45720" rIns="91440" bIns="45720" numCol="1" anchor="ctr" anchorCtr="0" compatLnSpc="1">
+            <a:prstTxWarp prst="textNoShape">
+              <a:avLst/>
+            </a:prstTxWarp>
+            <a:spAutoFit/>
+          </a:bodyPr>
+          <a:lstStyle/>
+          <a:p>
+            <a:endParaRPr lang="ko-KR" altLang="en-US"/>
+          </a:p>
+        </p:txBody>
+      </p:sp>
+      <p:grpSp>
+        <p:nvGrpSpPr>
+          <p:cNvPr id="37" name="그룹 36"/>
+          <p:cNvGrpSpPr/>
+          <p:nvPr/>
+        </p:nvGrpSpPr>
+        <p:grpSpPr>
+          <a:xfrm>
+            <a:off x="2650273" y="1467937"/>
+            <a:ext cx="1815437" cy="1596217"/>
+            <a:chOff x="2765030" y="1907958"/>
+            <a:chExt cx="1828800" cy="1914954"/>
+          </a:xfrm>
+        </p:grpSpPr>
+        <p:pic>
+          <p:nvPicPr>
+            <p:cNvPr id="1025" name="_x404614880" descr="EMB000014cc1314"/>
+            <p:cNvPicPr>
+              <a:picLocks noChangeAspect="1" noChangeArrowheads="1"/>
+            </p:cNvPicPr>
+            <p:nvPr/>
+          </p:nvPicPr>
+          <p:blipFill rotWithShape="1">
+            <a:blip r:embed="rId5">
+              <a:extLst>
+                <a:ext uri="{28A0092B-C50C-407E-A947-70E740481C1C}">
+                  <a14:useLocalDpi xmlns:a14="http://schemas.microsoft.com/office/drawing/2010/main" val="0"/>
+                </a:ext>
+              </a:extLst>
+            </a:blip>
+            <a:srcRect l="1505" t="5523" r="-1" b="3474"/>
+            <a:stretch/>
+          </p:blipFill>
+          <p:spPr bwMode="auto">
+            <a:xfrm>
+              <a:off x="2795743" y="1907958"/>
+              <a:ext cx="1767375" cy="1512576"/>
+            </a:xfrm>
+            <a:prstGeom prst="rect">
+              <a:avLst/>
+            </a:prstGeom>
+            <a:noFill/>
+            <a:extLst>
+              <a:ext uri="{909E8E84-426E-40DD-AFC4-6F175D3DCCD1}">
+                <a14:hiddenFill xmlns:a14="http://schemas.microsoft.com/office/drawing/2010/main">
+                  <a:solidFill>
+                    <a:srgbClr val="FFFFFF"/>
+                  </a:solidFill>
+                </a14:hiddenFill>
+              </a:ext>
+            </a:extLst>
+          </p:spPr>
+        </p:pic>
+        <p:sp>
+          <p:nvSpPr>
+            <p:cNvPr id="36" name="TextBox 35"/>
+            <p:cNvSpPr txBox="1"/>
+            <p:nvPr/>
+          </p:nvSpPr>
+          <p:spPr>
+            <a:xfrm>
+              <a:off x="2765030" y="3515135"/>
+              <a:ext cx="1828800" cy="307777"/>
+            </a:xfrm>
+            <a:prstGeom prst="rect">
+              <a:avLst/>
+            </a:prstGeom>
+          </p:spPr>
+          <p:txBody>
+            <a:bodyPr wrap="square" rtlCol="0">
+              <a:spAutoFit/>
+            </a:bodyPr>
+            <a:lstStyle/>
+            <a:p>
+              <a:r>
+                <a:rPr lang="en-US" altLang="ko-KR" sz="1400" dirty="0" smtClean="0"/>
+                <a:t>NEO-6M(GPS</a:t>
+              </a:r>
+              <a:r>
+                <a:rPr lang="ko-KR" altLang="en-US" sz="1400" dirty="0" smtClean="0"/>
+                <a:t>칩</a:t>
+              </a:r>
+              <a:r>
+                <a:rPr lang="en-US" altLang="ko-KR" sz="1400" dirty="0" smtClean="0"/>
+                <a:t>)</a:t>
+              </a:r>
+              <a:endParaRPr lang="ko-KR" altLang="en-US" sz="1400" dirty="0"/>
+            </a:p>
+          </p:txBody>
+        </p:sp>
+      </p:grpSp>
+      <p:grpSp>
+        <p:nvGrpSpPr>
+          <p:cNvPr id="41" name="그룹 40"/>
+          <p:cNvGrpSpPr/>
+          <p:nvPr/>
+        </p:nvGrpSpPr>
+        <p:grpSpPr>
+          <a:xfrm>
+            <a:off x="5150925" y="1420940"/>
+            <a:ext cx="2435225" cy="1592379"/>
+            <a:chOff x="5526087" y="2108373"/>
+            <a:chExt cx="2435225" cy="1592379"/>
+          </a:xfrm>
+        </p:grpSpPr>
+        <p:pic>
+          <p:nvPicPr>
+            <p:cNvPr id="1030" name="Picture 6" descr="https://encrypted-tbn0.gstatic.com/images?q=tbn:ANd9GcRGogEV47v7gS3KiDCTL4AYmv7urrKYsToAl3ovwH9Uvnc8dQbjGA"/>
+            <p:cNvPicPr>
+              <a:picLocks noChangeAspect="1" noChangeArrowheads="1"/>
+            </p:cNvPicPr>
+            <p:nvPr/>
+          </p:nvPicPr>
+          <p:blipFill>
+            <a:blip r:embed="rId6">
+              <a:extLst>
+                <a:ext uri="{28A0092B-C50C-407E-A947-70E740481C1C}">
+                  <a14:useLocalDpi xmlns:a14="http://schemas.microsoft.com/office/drawing/2010/main" val="0"/>
+                </a:ext>
+              </a:extLst>
+            </a:blip>
+            <a:srcRect/>
+            <a:stretch>
+              <a:fillRect/>
+            </a:stretch>
+          </p:blipFill>
+          <p:spPr bwMode="auto">
+            <a:xfrm>
+              <a:off x="5526087" y="2108373"/>
+              <a:ext cx="2435225" cy="1284602"/>
+            </a:xfrm>
+            <a:prstGeom prst="rect">
+              <a:avLst/>
+            </a:prstGeom>
+            <a:noFill/>
+            <a:extLst>
+              <a:ext uri="{909E8E84-426E-40DD-AFC4-6F175D3DCCD1}">
+                <a14:hiddenFill xmlns:a14="http://schemas.microsoft.com/office/drawing/2010/main">
+                  <a:solidFill>
+                    <a:srgbClr val="FFFFFF"/>
+                  </a:solidFill>
+                </a14:hiddenFill>
+              </a:ext>
+            </a:extLst>
+          </p:spPr>
+        </p:pic>
+        <p:sp>
+          <p:nvSpPr>
+            <p:cNvPr id="40" name="TextBox 39"/>
+            <p:cNvSpPr txBox="1"/>
+            <p:nvPr/>
+          </p:nvSpPr>
+          <p:spPr>
+            <a:xfrm>
+              <a:off x="5706532" y="3392975"/>
+              <a:ext cx="2074334" cy="307777"/>
+            </a:xfrm>
+            <a:prstGeom prst="rect">
+              <a:avLst/>
+            </a:prstGeom>
+          </p:spPr>
+          <p:txBody>
+            <a:bodyPr wrap="square" rtlCol="0">
+              <a:spAutoFit/>
+            </a:bodyPr>
+            <a:lstStyle/>
+            <a:p>
+              <a:r>
+                <a:rPr lang="en-US" altLang="ko-KR" sz="1400" dirty="0" err="1" smtClean="0"/>
+                <a:t>arduino</a:t>
+              </a:r>
+              <a:r>
+                <a:rPr lang="ko-KR" altLang="en-US" sz="1400" dirty="0" smtClean="0"/>
+                <a:t> 미니</a:t>
+              </a:r>
+              <a:endParaRPr lang="ko-KR" altLang="en-US" sz="1400" dirty="0"/>
+            </a:p>
+          </p:txBody>
+        </p:sp>
+      </p:grpSp>
+      <p:sp>
+        <p:nvSpPr>
+          <p:cNvPr id="42" name="TextBox 41"/>
+          <p:cNvSpPr txBox="1"/>
+          <p:nvPr/>
+        </p:nvSpPr>
+        <p:spPr>
+          <a:xfrm>
+            <a:off x="2504367" y="3375861"/>
+            <a:ext cx="5715000" cy="553998"/>
+          </a:xfrm>
+          <a:prstGeom prst="rect">
+            <a:avLst/>
+          </a:prstGeom>
+        </p:spPr>
+        <p:txBody>
+          <a:bodyPr wrap="square" rtlCol="0">
+            <a:spAutoFit/>
+          </a:bodyPr>
+          <a:lstStyle/>
+          <a:p>
+            <a:r>
+              <a:rPr lang="en-US" altLang="ko-KR" sz="1100" dirty="0" smtClean="0"/>
+              <a:t>1)GPS </a:t>
+            </a:r>
+            <a:r>
+              <a:rPr lang="ko-KR" altLang="en-US" sz="1100" dirty="0" smtClean="0"/>
+              <a:t>모듈의 </a:t>
+            </a:r>
+            <a:r>
+              <a:rPr lang="en-US" altLang="ko-KR" sz="1100" dirty="0" smtClean="0"/>
+              <a:t>GND,VCC,RX,TX</a:t>
+            </a:r>
+            <a:r>
+              <a:rPr lang="ko-KR" altLang="en-US" sz="1100" dirty="0" smtClean="0"/>
+              <a:t>선을 각각 </a:t>
+            </a:r>
+            <a:r>
+              <a:rPr lang="ko-KR" altLang="en-US" sz="1100" dirty="0" err="1" smtClean="0"/>
+              <a:t>아두이노에</a:t>
+            </a:r>
+            <a:r>
+              <a:rPr lang="ko-KR" altLang="en-US" sz="1100" dirty="0" smtClean="0"/>
+              <a:t> 연결한다</a:t>
+            </a:r>
+            <a:r>
+              <a:rPr lang="en-US" altLang="ko-KR" sz="1200" dirty="0" smtClean="0"/>
+              <a:t>.</a:t>
+            </a:r>
+          </a:p>
+          <a:p>
+            <a:endParaRPr lang="ko-KR" altLang="en-US" dirty="0"/>
+          </a:p>
+        </p:txBody>
+      </p:sp>
+      <p:graphicFrame>
+        <p:nvGraphicFramePr>
+          <p:cNvPr id="43" name="표 42"/>
+          <p:cNvGraphicFramePr>
+            <a:graphicFrameLocks noGrp="1"/>
+          </p:cNvGraphicFramePr>
+          <p:nvPr>
+            <p:extLst>
+              <p:ext uri="{D42A27DB-BD31-4B8C-83A1-F6EECF244321}">
+                <p14:modId xmlns:p14="http://schemas.microsoft.com/office/powerpoint/2010/main" val="3635320063"/>
+              </p:ext>
+            </p:extLst>
+          </p:nvPr>
+        </p:nvGraphicFramePr>
+        <p:xfrm>
+          <a:off x="2519534" y="4268789"/>
+          <a:ext cx="5400040" cy="435874"/>
+        </p:xfrm>
+        <a:graphic>
+          <a:graphicData uri="http://schemas.openxmlformats.org/drawingml/2006/table">
+            <a:tbl>
+              <a:tblPr/>
+              <a:tblGrid>
+                <a:gridCol w="5400040"/>
+              </a:tblGrid>
+              <a:tr h="435874">
+                <a:tc>
+                  <a:txBody>
+                    <a:bodyPr/>
+                    <a:lstStyle/>
+                    <a:p>
+                      <a:pPr marL="0" marR="0" indent="0" algn="just" fontAlgn="base" latinLnBrk="1">
+                        <a:lnSpc>
+                          <a:spcPct val="120000"/>
+                        </a:lnSpc>
+                        <a:spcBef>
+                          <a:spcPts val="0"/>
+                        </a:spcBef>
+                        <a:spcAft>
+                          <a:spcPts val="0"/>
+                        </a:spcAft>
+                      </a:pPr>
+                      <a:r>
+                        <a:rPr lang="pt-BR" sz="1130" kern="0" spc="0" dirty="0">
+                          <a:solidFill>
+                            <a:srgbClr val="555555"/>
+                          </a:solidFill>
+                          <a:effectLst/>
+                          <a:latin typeface="Signika"/>
+                          <a:ea typeface="Signika"/>
+                        </a:rPr>
+                        <a:t>$GPRMC, 030136, 000, A, 3729.9446, N, 12701.4042, E, 0.00, , 140315, , ,A*71</a:t>
+                      </a:r>
+                      <a:endParaRPr lang="pt-BR" sz="1130" kern="0" spc="0" dirty="0">
+                        <a:solidFill>
+                          <a:srgbClr val="555555"/>
+                        </a:solidFill>
+                        <a:effectLst/>
+                        <a:latin typeface="Signika"/>
+                      </a:endParaRPr>
+                    </a:p>
+                  </a:txBody>
+                  <a:tcPr marL="64770" marR="64770" marT="17907" marB="17907" anchor="ctr">
+                    <a:lnL w="3556" cap="flat" cmpd="sng" algn="ctr">
+                      <a:solidFill>
+                        <a:srgbClr val="000000"/>
+                      </a:solidFill>
+                      <a:prstDash val="solid"/>
+                      <a:round/>
+                      <a:headEnd type="none" w="med" len="med"/>
+                      <a:tailEnd type="none" w="med" len="med"/>
+                    </a:lnL>
+                    <a:lnR w="3556" cap="flat" cmpd="sng" algn="ctr">
+                      <a:solidFill>
+                        <a:srgbClr val="000000"/>
+                      </a:solidFill>
+                      <a:prstDash val="solid"/>
+                      <a:round/>
+                      <a:headEnd type="none" w="med" len="med"/>
+                      <a:tailEnd type="none" w="med" len="med"/>
+                    </a:lnR>
+                    <a:lnT w="3556" cap="flat" cmpd="sng" algn="ctr">
+                      <a:solidFill>
+                        <a:srgbClr val="000000"/>
+                      </a:solidFill>
+                      <a:prstDash val="solid"/>
+                      <a:round/>
+                      <a:headEnd type="none" w="med" len="med"/>
+                      <a:tailEnd type="none" w="med" len="med"/>
+                    </a:lnT>
+                    <a:lnB w="3556" cap="flat" cmpd="sng" algn="ctr">
+                      <a:solidFill>
+                        <a:srgbClr val="000000"/>
+                      </a:solidFill>
+                      <a:prstDash val="solid"/>
+                      <a:round/>
+                      <a:headEnd type="none" w="med" len="med"/>
+                      <a:tailEnd type="none" w="med" len="med"/>
+                    </a:lnB>
+                  </a:tcPr>
+                </a:tc>
+              </a:tr>
+            </a:tbl>
+          </a:graphicData>
+        </a:graphic>
+      </p:graphicFrame>
+      <p:sp>
+        <p:nvSpPr>
+          <p:cNvPr id="45" name="TextBox 44"/>
+          <p:cNvSpPr txBox="1"/>
+          <p:nvPr/>
+        </p:nvSpPr>
+        <p:spPr>
+          <a:xfrm>
+            <a:off x="2519534" y="3833711"/>
+            <a:ext cx="5816600" cy="261610"/>
+          </a:xfrm>
+          <a:prstGeom prst="rect">
+            <a:avLst/>
+          </a:prstGeom>
+        </p:spPr>
+        <p:txBody>
+          <a:bodyPr wrap="square" rtlCol="0">
+            <a:spAutoFit/>
+          </a:bodyPr>
+          <a:lstStyle/>
+          <a:p>
+            <a:r>
+              <a:rPr lang="en-US" altLang="ko-KR" sz="1100" dirty="0" smtClean="0"/>
+              <a:t>2)GPS</a:t>
+            </a:r>
+            <a:r>
+              <a:rPr lang="ko-KR" altLang="en-US" sz="1100" dirty="0" smtClean="0"/>
+              <a:t>데이터는 아래와 같이 시간</a:t>
+            </a:r>
+            <a:r>
+              <a:rPr lang="en-US" altLang="ko-KR" sz="1100" dirty="0" smtClean="0"/>
+              <a:t>,</a:t>
+            </a:r>
+            <a:r>
+              <a:rPr lang="ko-KR" altLang="en-US" sz="1100" dirty="0" smtClean="0"/>
+              <a:t>위치</a:t>
+            </a:r>
+            <a:r>
+              <a:rPr lang="en-US" altLang="ko-KR" sz="1100" dirty="0" smtClean="0"/>
+              <a:t>,</a:t>
+            </a:r>
+            <a:r>
+              <a:rPr lang="ko-KR" altLang="en-US" sz="1100" dirty="0" smtClean="0"/>
+              <a:t>방위를 표준규격에 따라 전송된다</a:t>
+            </a:r>
+            <a:r>
+              <a:rPr lang="en-US" altLang="ko-KR" sz="1100" dirty="0" smtClean="0"/>
+              <a:t>.</a:t>
+            </a:r>
+            <a:endParaRPr lang="ko-KR" altLang="en-US" sz="1100" dirty="0"/>
+          </a:p>
+        </p:txBody>
+      </p:sp>
+      <p:sp>
+        <p:nvSpPr>
+          <p:cNvPr id="48" name="Rectangle 8"/>
+          <p:cNvSpPr>
+            <a:spLocks noChangeArrowheads="1"/>
+          </p:cNvSpPr>
+          <p:nvPr/>
+        </p:nvSpPr>
+        <p:spPr bwMode="auto">
+          <a:xfrm>
+            <a:off x="6552822" y="3892550"/>
+            <a:ext cx="9906000" cy="457200"/>
+          </a:xfrm>
+          <a:prstGeom prst="rect">
+            <a:avLst/>
+          </a:prstGeom>
+          <a:noFill/>
+          <a:ln>
+            <a:noFill/>
+          </a:ln>
+          <a:effectLst/>
+          <a:extLst>
+            <a:ext uri="{909E8E84-426E-40DD-AFC4-6F175D3DCCD1}">
+              <a14:hiddenFill xmlns:a14="http://schemas.microsoft.com/office/drawing/2010/main">
+                <a:solidFill>
+                  <a:schemeClr val="accent1"/>
+                </a:solidFill>
+              </a14:hiddenFill>
+            </a:ext>
+            <a:ext uri="{91240B29-F687-4F45-9708-019B960494DF}">
+              <a14:hiddenLine xmlns:a14="http://schemas.microsoft.com/office/drawing/2010/main" w="9525">
+                <a:solidFill>
+                  <a:schemeClr val="tx1"/>
+                </a:solidFill>
+                <a:miter lim="800000"/>
+                <a:headEnd/>
+                <a:tailEnd/>
+              </a14:hiddenLine>
+            </a:ext>
+            <a:ext uri="{AF507438-7753-43E0-B8FC-AC1667EBCBE1}">
+              <a14:hiddenEffects xmlns:a14="http://schemas.microsoft.com/office/drawing/2010/main">
+                <a:effectLst>
+                  <a:outerShdw dist="35921" dir="2700000" algn="ctr" rotWithShape="0">
+                    <a:schemeClr val="bg2"/>
+                  </a:outerShdw>
+                </a:effectLst>
+              </a14:hiddenEffects>
+            </a:ext>
+          </a:extLst>
+        </p:spPr>
+        <p:txBody>
+          <a:bodyPr vert="horz" wrap="none" lIns="91440" tIns="45720" rIns="91440" bIns="45720" numCol="1" anchor="ctr" anchorCtr="0" compatLnSpc="1">
+            <a:prstTxWarp prst="textNoShape">
+              <a:avLst/>
+            </a:prstTxWarp>
+            <a:spAutoFit/>
+          </a:bodyPr>
+          <a:lstStyle/>
+          <a:p>
+            <a:endParaRPr lang="ko-KR" altLang="en-US"/>
+          </a:p>
+        </p:txBody>
+      </p:sp>
+      <p:sp>
+        <p:nvSpPr>
+          <p:cNvPr id="50" name="Rectangle 10"/>
+          <p:cNvSpPr>
+            <a:spLocks noChangeArrowheads="1"/>
+          </p:cNvSpPr>
+          <p:nvPr/>
+        </p:nvSpPr>
+        <p:spPr bwMode="auto">
+          <a:xfrm>
+            <a:off x="0" y="0"/>
+            <a:ext cx="9906000" cy="457200"/>
+          </a:xfrm>
+          <a:prstGeom prst="rect">
+            <a:avLst/>
+          </a:prstGeom>
+          <a:noFill/>
+          <a:ln>
+            <a:noFill/>
+          </a:ln>
+          <a:effectLst/>
+          <a:extLst>
+            <a:ext uri="{909E8E84-426E-40DD-AFC4-6F175D3DCCD1}">
+              <a14:hiddenFill xmlns:a14="http://schemas.microsoft.com/office/drawing/2010/main">
+                <a:solidFill>
+                  <a:schemeClr val="accent1"/>
+                </a:solidFill>
+              </a14:hiddenFill>
+            </a:ext>
+            <a:ext uri="{91240B29-F687-4F45-9708-019B960494DF}">
+              <a14:hiddenLine xmlns:a14="http://schemas.microsoft.com/office/drawing/2010/main" w="9525">
+                <a:solidFill>
+                  <a:schemeClr val="tx1"/>
+                </a:solidFill>
+                <a:miter lim="800000"/>
+                <a:headEnd/>
+                <a:tailEnd/>
+              </a14:hiddenLine>
+            </a:ext>
+            <a:ext uri="{AF507438-7753-43E0-B8FC-AC1667EBCBE1}">
+              <a14:hiddenEffects xmlns:a14="http://schemas.microsoft.com/office/drawing/2010/main">
+                <a:effectLst>
+                  <a:outerShdw dist="35921" dir="2700000" algn="ctr" rotWithShape="0">
+                    <a:schemeClr val="bg2"/>
+                  </a:outerShdw>
+                </a:effectLst>
+              </a14:hiddenEffects>
+            </a:ext>
+          </a:extLst>
+        </p:spPr>
+        <p:txBody>
+          <a:bodyPr vert="horz" wrap="none" lIns="91440" tIns="45720" rIns="91440" bIns="45720" numCol="1" anchor="ctr" anchorCtr="0" compatLnSpc="1">
+            <a:prstTxWarp prst="textNoShape">
+              <a:avLst/>
+            </a:prstTxWarp>
+            <a:spAutoFit/>
+          </a:bodyPr>
+          <a:lstStyle/>
+          <a:p>
+            <a:endParaRPr lang="ko-KR" altLang="en-US"/>
+          </a:p>
+        </p:txBody>
+      </p:sp>
+      <p:sp>
+        <p:nvSpPr>
+          <p:cNvPr id="60" name="TextBox 59"/>
+          <p:cNvSpPr txBox="1"/>
+          <p:nvPr/>
+        </p:nvSpPr>
+        <p:spPr>
+          <a:xfrm>
+            <a:off x="2504367" y="4868545"/>
+            <a:ext cx="5816600" cy="261610"/>
+          </a:xfrm>
+          <a:prstGeom prst="rect">
+            <a:avLst/>
+          </a:prstGeom>
+        </p:spPr>
+        <p:txBody>
+          <a:bodyPr wrap="square" rtlCol="0">
+            <a:spAutoFit/>
+          </a:bodyPr>
+          <a:lstStyle/>
+          <a:p>
+            <a:r>
+              <a:rPr lang="en-US" altLang="ko-KR" sz="1100" dirty="0" smtClean="0"/>
+              <a:t>3)</a:t>
+            </a:r>
+            <a:r>
+              <a:rPr lang="en-US" altLang="ko-KR" sz="1100" dirty="0" err="1" smtClean="0"/>
+              <a:t>TinyGPS</a:t>
+            </a:r>
+            <a:r>
+              <a:rPr lang="en-US" altLang="ko-KR" sz="1100" dirty="0" smtClean="0"/>
+              <a:t> </a:t>
+            </a:r>
+            <a:r>
+              <a:rPr lang="ko-KR" altLang="en-US" sz="1100" dirty="0" smtClean="0"/>
+              <a:t>라이브러리를 활용하여 </a:t>
+            </a:r>
+            <a:r>
+              <a:rPr lang="en-US" altLang="ko-KR" sz="1100" dirty="0" smtClean="0"/>
+              <a:t>NMEA</a:t>
+            </a:r>
+            <a:r>
+              <a:rPr lang="ko-KR" altLang="en-US" sz="1100" dirty="0" err="1" smtClean="0"/>
+              <a:t>메세지를</a:t>
+            </a:r>
+            <a:r>
+              <a:rPr lang="ko-KR" altLang="en-US" sz="1100" dirty="0" smtClean="0"/>
+              <a:t> 독해 가능한 포맷으로 변환</a:t>
+            </a:r>
+            <a:endParaRPr lang="ko-KR" altLang="en-US" sz="1100" dirty="0"/>
+          </a:p>
+        </p:txBody>
+      </p:sp>
+      <p:sp>
+        <p:nvSpPr>
+          <p:cNvPr id="52" name="Rectangle 12"/>
+          <p:cNvSpPr>
+            <a:spLocks noChangeArrowheads="1"/>
+          </p:cNvSpPr>
+          <p:nvPr/>
+        </p:nvSpPr>
+        <p:spPr bwMode="auto">
+          <a:xfrm>
+            <a:off x="0" y="0"/>
+            <a:ext cx="9906000" cy="457200"/>
+          </a:xfrm>
+          <a:prstGeom prst="rect">
+            <a:avLst/>
+          </a:prstGeom>
+          <a:noFill/>
+          <a:ln>
+            <a:noFill/>
+          </a:ln>
+          <a:effectLst/>
+          <a:extLst>
+            <a:ext uri="{909E8E84-426E-40DD-AFC4-6F175D3DCCD1}">
+              <a14:hiddenFill xmlns:a14="http://schemas.microsoft.com/office/drawing/2010/main">
+                <a:solidFill>
+                  <a:schemeClr val="accent1"/>
+                </a:solidFill>
+              </a14:hiddenFill>
+            </a:ext>
+            <a:ext uri="{91240B29-F687-4F45-9708-019B960494DF}">
+              <a14:hiddenLine xmlns:a14="http://schemas.microsoft.com/office/drawing/2010/main" w="9525">
+                <a:solidFill>
+                  <a:schemeClr val="tx1"/>
+                </a:solidFill>
+                <a:miter lim="800000"/>
+                <a:headEnd/>
+                <a:tailEnd/>
+              </a14:hiddenLine>
+            </a:ext>
+            <a:ext uri="{AF507438-7753-43E0-B8FC-AC1667EBCBE1}">
+              <a14:hiddenEffects xmlns:a14="http://schemas.microsoft.com/office/drawing/2010/main">
+                <a:effectLst>
+                  <a:outerShdw dist="35921" dir="2700000" algn="ctr" rotWithShape="0">
+                    <a:schemeClr val="bg2"/>
+                  </a:outerShdw>
+                </a:effectLst>
+              </a14:hiddenEffects>
+            </a:ext>
+          </a:extLst>
+        </p:spPr>
+        <p:txBody>
+          <a:bodyPr vert="horz" wrap="none" lIns="91440" tIns="45720" rIns="91440" bIns="45720" numCol="1" anchor="ctr" anchorCtr="0" compatLnSpc="1">
+            <a:prstTxWarp prst="textNoShape">
+              <a:avLst/>
+            </a:prstTxWarp>
+            <a:spAutoFit/>
+          </a:bodyPr>
+          <a:lstStyle/>
+          <a:p>
+            <a:endParaRPr lang="ko-KR" altLang="en-US"/>
+          </a:p>
+        </p:txBody>
+      </p:sp>
       <p:pic>
         <p:nvPicPr>
-          <p:cNvPr id="1031" name="Picture 7"/>
+          <p:cNvPr id="1035" name="_x404613760" descr="EMB000014cc1328"/>
           <p:cNvPicPr>
             <a:picLocks noChangeAspect="1" noChangeArrowheads="1"/>
           </p:cNvPicPr>
           <p:nvPr/>
         </p:nvPicPr>
         <p:blipFill>
-          <a:blip r:embed="rId3">
+          <a:blip r:embed="rId7">
             <a:extLst>
               <a:ext uri="{28A0092B-C50C-407E-A947-70E740481C1C}">
                 <a14:useLocalDpi xmlns:a14="http://schemas.microsoft.com/office/drawing/2010/main" val="0"/>
@@ -5414,300 +6606,41 @@
         </p:blipFill>
         <p:spPr bwMode="auto">
           <a:xfrm>
-            <a:off x="5527526" y="917051"/>
-            <a:ext cx="3676366" cy="2186549"/>
-          </a:xfrm>
-          <a:prstGeom prst="rect">
-            <a:avLst/>
-          </a:prstGeom>
-          <a:ln>
-            <a:noFill/>
-          </a:ln>
-          <a:effectLst>
-            <a:outerShdw blurRad="190500" algn="tl" rotWithShape="0">
-              <a:srgbClr val="000000">
-                <a:alpha val="70000"/>
-              </a:srgbClr>
-            </a:outerShdw>
-          </a:effectLst>
-          <a:extLst>
-            <a:ext uri="{909E8E84-426E-40DD-AFC4-6F175D3DCCD1}">
-              <a14:hiddenFill xmlns:a14="http://schemas.microsoft.com/office/drawing/2010/main">
-                <a:solidFill>
-                  <a:schemeClr val="accent1"/>
-                </a:solidFill>
-              </a14:hiddenFill>
-            </a:ext>
-            <a:ext uri="{91240B29-F687-4F45-9708-019B960494DF}">
-              <a14:hiddenLine xmlns:a14="http://schemas.microsoft.com/office/drawing/2010/main" w="9525">
-                <a:solidFill>
-                  <a:schemeClr val="tx1"/>
-                </a:solidFill>
-                <a:miter lim="800000"/>
-                <a:headEnd/>
-                <a:tailEnd/>
-              </a14:hiddenLine>
-            </a:ext>
-          </a:extLst>
-        </p:spPr>
-      </p:pic>
-      <p:pic>
-        <p:nvPicPr>
-          <p:cNvPr id="1032" name="Picture 8"/>
-          <p:cNvPicPr>
-            <a:picLocks noChangeAspect="1" noChangeArrowheads="1"/>
-          </p:cNvPicPr>
-          <p:nvPr/>
-        </p:nvPicPr>
-        <p:blipFill>
-          <a:blip r:embed="rId4">
-            <a:extLst>
-              <a:ext uri="{28A0092B-C50C-407E-A947-70E740481C1C}">
-                <a14:useLocalDpi xmlns:a14="http://schemas.microsoft.com/office/drawing/2010/main" val="0"/>
-              </a:ext>
-            </a:extLst>
-          </a:blip>
-          <a:srcRect/>
-          <a:stretch>
-            <a:fillRect/>
-          </a:stretch>
-        </p:blipFill>
-        <p:spPr bwMode="auto">
-          <a:xfrm>
-            <a:off x="2460454" y="3606131"/>
-            <a:ext cx="4333008" cy="2750282"/>
-          </a:xfrm>
-          <a:prstGeom prst="rect">
-            <a:avLst/>
-          </a:prstGeom>
-          <a:ln>
-            <a:noFill/>
-          </a:ln>
-          <a:effectLst>
-            <a:outerShdw blurRad="190500" algn="tl" rotWithShape="0">
-              <a:srgbClr val="000000">
-                <a:alpha val="70000"/>
-              </a:srgbClr>
-            </a:outerShdw>
-          </a:effectLst>
-          <a:extLst>
-            <a:ext uri="{909E8E84-426E-40DD-AFC4-6F175D3DCCD1}">
-              <a14:hiddenFill xmlns:a14="http://schemas.microsoft.com/office/drawing/2010/main">
-                <a:solidFill>
-                  <a:schemeClr val="accent1"/>
-                </a:solidFill>
-              </a14:hiddenFill>
-            </a:ext>
-            <a:ext uri="{91240B29-F687-4F45-9708-019B960494DF}">
-              <a14:hiddenLine xmlns:a14="http://schemas.microsoft.com/office/drawing/2010/main" w="9525">
-                <a:solidFill>
-                  <a:schemeClr val="tx1"/>
-                </a:solidFill>
-                <a:miter lim="800000"/>
-                <a:headEnd/>
-                <a:tailEnd/>
-              </a14:hiddenLine>
-            </a:ext>
-          </a:extLst>
-        </p:spPr>
-      </p:pic>
-      <p:sp>
-        <p:nvSpPr>
-          <p:cNvPr id="15" name="TextBox 14"/>
-          <p:cNvSpPr txBox="1"/>
-          <p:nvPr/>
-        </p:nvSpPr>
-        <p:spPr>
-          <a:xfrm>
-            <a:off x="1172847" y="3190907"/>
-            <a:ext cx="2097509" cy="307777"/>
+            <a:off x="2484583" y="5130155"/>
+            <a:ext cx="3098800" cy="1660525"/>
           </a:xfrm>
           <a:prstGeom prst="rect">
             <a:avLst/>
           </a:prstGeom>
           <a:noFill/>
-        </p:spPr>
-        <p:txBody>
-          <a:bodyPr wrap="square" rtlCol="0">
-            <a:spAutoFit/>
-          </a:bodyPr>
-          <a:lstStyle/>
-          <a:p>
-            <a:r>
-              <a:rPr lang="ko-KR" altLang="en-US" sz="1400" b="1" dirty="0" smtClean="0">
-                <a:solidFill>
-                  <a:schemeClr val="tx1">
-                    <a:lumMod val="65000"/>
-                    <a:lumOff val="35000"/>
-                  </a:schemeClr>
-                </a:solidFill>
-              </a:rPr>
-              <a:t>옷의 정보저장 클래스</a:t>
-            </a:r>
-            <a:endParaRPr lang="ko-KR" altLang="en-US" sz="1400" b="1" dirty="0">
-              <a:solidFill>
-                <a:schemeClr val="tx1">
-                  <a:lumMod val="65000"/>
-                  <a:lumOff val="35000"/>
-                </a:schemeClr>
-              </a:solidFill>
-            </a:endParaRPr>
-          </a:p>
-        </p:txBody>
-      </p:sp>
-      <p:sp>
-        <p:nvSpPr>
-          <p:cNvPr id="16" name="TextBox 15"/>
-          <p:cNvSpPr txBox="1"/>
-          <p:nvPr/>
-        </p:nvSpPr>
-        <p:spPr>
-          <a:xfrm>
-            <a:off x="5806228" y="3192683"/>
-            <a:ext cx="3406542" cy="307777"/>
-          </a:xfrm>
-          <a:prstGeom prst="rect">
-            <a:avLst/>
-          </a:prstGeom>
-          <a:noFill/>
-        </p:spPr>
-        <p:txBody>
-          <a:bodyPr wrap="square" rtlCol="0">
-            <a:spAutoFit/>
-          </a:bodyPr>
-          <a:lstStyle/>
-          <a:p>
-            <a:r>
-              <a:rPr lang="ko-KR" altLang="en-US" sz="1400" b="1" dirty="0" smtClean="0">
-                <a:solidFill>
-                  <a:schemeClr val="tx1">
-                    <a:lumMod val="65000"/>
-                    <a:lumOff val="35000"/>
-                  </a:schemeClr>
-                </a:solidFill>
-              </a:rPr>
-              <a:t>핸드폰에서 보내온 정보를 받는 클래스</a:t>
-            </a:r>
-            <a:endParaRPr lang="ko-KR" altLang="en-US" sz="1400" b="1" dirty="0">
-              <a:solidFill>
-                <a:schemeClr val="tx1">
-                  <a:lumMod val="65000"/>
-                  <a:lumOff val="35000"/>
-                </a:schemeClr>
-              </a:solidFill>
-            </a:endParaRPr>
-          </a:p>
-        </p:txBody>
-      </p:sp>
-      <p:sp>
-        <p:nvSpPr>
-          <p:cNvPr id="17" name="TextBox 16"/>
-          <p:cNvSpPr txBox="1"/>
-          <p:nvPr/>
-        </p:nvSpPr>
-        <p:spPr>
-          <a:xfrm>
-            <a:off x="3277584" y="6387184"/>
-            <a:ext cx="3406542" cy="307777"/>
-          </a:xfrm>
-          <a:prstGeom prst="rect">
-            <a:avLst/>
-          </a:prstGeom>
-          <a:noFill/>
-        </p:spPr>
-        <p:txBody>
-          <a:bodyPr wrap="square" rtlCol="0">
-            <a:spAutoFit/>
-          </a:bodyPr>
-          <a:lstStyle/>
-          <a:p>
-            <a:r>
-              <a:rPr lang="ko-KR" altLang="en-US" sz="1400" b="1" dirty="0" smtClean="0">
-                <a:solidFill>
-                  <a:schemeClr val="tx1">
-                    <a:lumMod val="65000"/>
-                    <a:lumOff val="35000"/>
-                  </a:schemeClr>
-                </a:solidFill>
-              </a:rPr>
-              <a:t>옷</a:t>
-            </a:r>
-            <a:r>
-              <a:rPr lang="en-US" altLang="ko-KR" sz="1400" b="1" dirty="0" smtClean="0">
-                <a:solidFill>
-                  <a:schemeClr val="tx1">
-                    <a:lumMod val="65000"/>
-                    <a:lumOff val="35000"/>
-                  </a:schemeClr>
-                </a:solidFill>
-              </a:rPr>
-              <a:t>(</a:t>
-            </a:r>
-            <a:r>
-              <a:rPr lang="ko-KR" altLang="en-US" sz="1400" b="1" dirty="0" smtClean="0">
-                <a:solidFill>
-                  <a:schemeClr val="tx1">
-                    <a:lumMod val="65000"/>
-                    <a:lumOff val="35000"/>
-                  </a:schemeClr>
-                </a:solidFill>
-              </a:rPr>
-              <a:t>디바이</a:t>
-            </a:r>
-            <a:r>
-              <a:rPr lang="ko-KR" altLang="en-US" sz="1400" b="1" dirty="0">
-                <a:solidFill>
-                  <a:schemeClr val="tx1">
-                    <a:lumMod val="65000"/>
-                    <a:lumOff val="35000"/>
-                  </a:schemeClr>
-                </a:solidFill>
-              </a:rPr>
-              <a:t>스</a:t>
-            </a:r>
-            <a:r>
-              <a:rPr lang="en-US" altLang="ko-KR" sz="1400" b="1" dirty="0" smtClean="0">
-                <a:solidFill>
-                  <a:schemeClr val="tx1">
-                    <a:lumMod val="65000"/>
-                    <a:lumOff val="35000"/>
-                  </a:schemeClr>
-                </a:solidFill>
-              </a:rPr>
-              <a:t>)</a:t>
-            </a:r>
-            <a:r>
-              <a:rPr lang="ko-KR" altLang="en-US" sz="1400" b="1" dirty="0" smtClean="0">
-                <a:solidFill>
-                  <a:schemeClr val="tx1">
-                    <a:lumMod val="65000"/>
-                    <a:lumOff val="35000"/>
-                  </a:schemeClr>
-                </a:solidFill>
-              </a:rPr>
-              <a:t>에서 보낼 정보 클래스</a:t>
-            </a:r>
-            <a:endParaRPr lang="ko-KR" altLang="en-US" sz="1400" b="1" dirty="0">
-              <a:solidFill>
-                <a:schemeClr val="tx1">
-                  <a:lumMod val="65000"/>
-                  <a:lumOff val="35000"/>
-                </a:schemeClr>
-              </a:solidFill>
-            </a:endParaRPr>
-          </a:p>
-        </p:txBody>
-      </p:sp>
+          <a:extLst>
+            <a:ext uri="{909E8E84-426E-40DD-AFC4-6F175D3DCCD1}">
+              <a14:hiddenFill xmlns:a14="http://schemas.microsoft.com/office/drawing/2010/main">
+                <a:solidFill>
+                  <a:srgbClr val="FFFFFF"/>
+                </a:solidFill>
+              </a14:hiddenFill>
+            </a:ext>
+          </a:extLst>
+        </p:spPr>
+      </p:pic>
     </p:spTree>
     <p:extLst>
       <p:ext uri="{BB962C8B-B14F-4D97-AF65-F5344CB8AC3E}">
-        <p14:creationId xmlns:p14="http://schemas.microsoft.com/office/powerpoint/2010/main" val="1566366424"/>
+        <p14:creationId xmlns:p14="http://schemas.microsoft.com/office/powerpoint/2010/main" val="1287837965"/>
       </p:ext>
     </p:extLst>
   </p:cSld>
   <p:clrMapOvr>
     <a:masterClrMapping/>
   </p:clrMapOvr>
+  <p:timing>
+    <p:tnLst>
+      <p:par>
+        <p:cTn id="1" dur="indefinite" restart="never" nodeType="tmRoot"/>
+      </p:par>
+    </p:tnLst>
+  </p:timing>
 </p:sld>
 </file>
 
@@ -5728,321 +6661,9 @@
           <a:chExt cx="0" cy="0"/>
         </a:xfrm>
       </p:grpSpPr>
-      <p:pic>
-        <p:nvPicPr>
-          <p:cNvPr id="2050" name="Picture 2"/>
-          <p:cNvPicPr>
-            <a:picLocks noChangeAspect="1" noChangeArrowheads="1"/>
-          </p:cNvPicPr>
-          <p:nvPr/>
-        </p:nvPicPr>
-        <p:blipFill>
-          <a:blip r:embed="rId2">
-            <a:extLst>
-              <a:ext uri="{28A0092B-C50C-407E-A947-70E740481C1C}">
-                <a14:useLocalDpi xmlns:a14="http://schemas.microsoft.com/office/drawing/2010/main" val="0"/>
-              </a:ext>
-            </a:extLst>
-          </a:blip>
-          <a:srcRect/>
-          <a:stretch>
-            <a:fillRect/>
-          </a:stretch>
-        </p:blipFill>
-        <p:spPr bwMode="auto">
-          <a:xfrm>
-            <a:off x="897945" y="947591"/>
-            <a:ext cx="3597875" cy="2145310"/>
-          </a:xfrm>
-          <a:prstGeom prst="rect">
-            <a:avLst/>
-          </a:prstGeom>
-          <a:ln>
-            <a:noFill/>
-          </a:ln>
-          <a:effectLst>
-            <a:outerShdw blurRad="292100" dist="139700" dir="2700000" algn="tl" rotWithShape="0">
-              <a:srgbClr val="333333">
-                <a:alpha val="65000"/>
-              </a:srgbClr>
-            </a:outerShdw>
-          </a:effectLst>
-          <a:extLst>
-            <a:ext uri="{909E8E84-426E-40DD-AFC4-6F175D3DCCD1}">
-              <a14:hiddenFill xmlns:a14="http://schemas.microsoft.com/office/drawing/2010/main">
-                <a:solidFill>
-                  <a:schemeClr val="accent1"/>
-                </a:solidFill>
-              </a14:hiddenFill>
-            </a:ext>
-            <a:ext uri="{91240B29-F687-4F45-9708-019B960494DF}">
-              <a14:hiddenLine xmlns:a14="http://schemas.microsoft.com/office/drawing/2010/main" w="9525">
-                <a:solidFill>
-                  <a:schemeClr val="tx1"/>
-                </a:solidFill>
-                <a:miter lim="800000"/>
-                <a:headEnd/>
-                <a:tailEnd/>
-              </a14:hiddenLine>
-            </a:ext>
-          </a:extLst>
-        </p:spPr>
-      </p:pic>
-      <p:pic>
-        <p:nvPicPr>
-          <p:cNvPr id="2051" name="Picture 3"/>
-          <p:cNvPicPr>
-            <a:picLocks noChangeAspect="1" noChangeArrowheads="1"/>
-          </p:cNvPicPr>
-          <p:nvPr/>
-        </p:nvPicPr>
-        <p:blipFill>
-          <a:blip r:embed="rId3">
-            <a:extLst>
-              <a:ext uri="{28A0092B-C50C-407E-A947-70E740481C1C}">
-                <a14:useLocalDpi xmlns:a14="http://schemas.microsoft.com/office/drawing/2010/main" val="0"/>
-              </a:ext>
-            </a:extLst>
-          </a:blip>
-          <a:srcRect/>
-          <a:stretch>
-            <a:fillRect/>
-          </a:stretch>
-        </p:blipFill>
-        <p:spPr bwMode="auto">
-          <a:xfrm>
-            <a:off x="5520746" y="938356"/>
-            <a:ext cx="3163764" cy="2145310"/>
-          </a:xfrm>
-          <a:prstGeom prst="rect">
-            <a:avLst/>
-          </a:prstGeom>
-          <a:ln>
-            <a:noFill/>
-          </a:ln>
-          <a:effectLst>
-            <a:outerShdw blurRad="292100" dist="139700" dir="2700000" algn="tl" rotWithShape="0">
-              <a:srgbClr val="333333">
-                <a:alpha val="65000"/>
-              </a:srgbClr>
-            </a:outerShdw>
-          </a:effectLst>
-          <a:extLst>
-            <a:ext uri="{909E8E84-426E-40DD-AFC4-6F175D3DCCD1}">
-              <a14:hiddenFill xmlns:a14="http://schemas.microsoft.com/office/drawing/2010/main">
-                <a:solidFill>
-                  <a:schemeClr val="accent1"/>
-                </a:solidFill>
-              </a14:hiddenFill>
-            </a:ext>
-            <a:ext uri="{91240B29-F687-4F45-9708-019B960494DF}">
-              <a14:hiddenLine xmlns:a14="http://schemas.microsoft.com/office/drawing/2010/main" w="9525">
-                <a:solidFill>
-                  <a:schemeClr val="tx1"/>
-                </a:solidFill>
-                <a:miter lim="800000"/>
-                <a:headEnd/>
-                <a:tailEnd/>
-              </a14:hiddenLine>
-            </a:ext>
-          </a:extLst>
-        </p:spPr>
-      </p:pic>
-      <p:pic>
-        <p:nvPicPr>
-          <p:cNvPr id="2052" name="Picture 4"/>
-          <p:cNvPicPr>
-            <a:picLocks noChangeAspect="1" noChangeArrowheads="1"/>
-          </p:cNvPicPr>
-          <p:nvPr/>
-        </p:nvPicPr>
-        <p:blipFill>
-          <a:blip r:embed="rId4">
-            <a:extLst>
-              <a:ext uri="{28A0092B-C50C-407E-A947-70E740481C1C}">
-                <a14:useLocalDpi xmlns:a14="http://schemas.microsoft.com/office/drawing/2010/main" val="0"/>
-              </a:ext>
-            </a:extLst>
-          </a:blip>
-          <a:srcRect/>
-          <a:stretch>
-            <a:fillRect/>
-          </a:stretch>
-        </p:blipFill>
-        <p:spPr bwMode="auto">
-          <a:xfrm>
-            <a:off x="3327420" y="3835464"/>
-            <a:ext cx="3252210" cy="2454498"/>
-          </a:xfrm>
-          <a:prstGeom prst="rect">
-            <a:avLst/>
-          </a:prstGeom>
-          <a:ln>
-            <a:noFill/>
-          </a:ln>
-          <a:effectLst>
-            <a:outerShdw blurRad="292100" dist="139700" dir="2700000" algn="tl" rotWithShape="0">
-              <a:srgbClr val="333333">
-                <a:alpha val="65000"/>
-              </a:srgbClr>
-            </a:outerShdw>
-          </a:effectLst>
-          <a:extLst>
-            <a:ext uri="{909E8E84-426E-40DD-AFC4-6F175D3DCCD1}">
-              <a14:hiddenFill xmlns:a14="http://schemas.microsoft.com/office/drawing/2010/main">
-                <a:solidFill>
-                  <a:schemeClr val="accent1"/>
-                </a:solidFill>
-              </a14:hiddenFill>
-            </a:ext>
-            <a:ext uri="{91240B29-F687-4F45-9708-019B960494DF}">
-              <a14:hiddenLine xmlns:a14="http://schemas.microsoft.com/office/drawing/2010/main" w="9525">
-                <a:solidFill>
-                  <a:schemeClr val="tx1"/>
-                </a:solidFill>
-                <a:miter lim="800000"/>
-                <a:headEnd/>
-                <a:tailEnd/>
-              </a14:hiddenLine>
-            </a:ext>
-          </a:extLst>
-        </p:spPr>
-      </p:pic>
-      <p:sp>
-        <p:nvSpPr>
-          <p:cNvPr id="5" name="TextBox 4"/>
-          <p:cNvSpPr txBox="1"/>
-          <p:nvPr/>
-        </p:nvSpPr>
-        <p:spPr>
-          <a:xfrm>
-            <a:off x="1142568" y="3265410"/>
-            <a:ext cx="3108627" cy="307777"/>
-          </a:xfrm>
-          <a:prstGeom prst="rect">
-            <a:avLst/>
-          </a:prstGeom>
-          <a:noFill/>
-        </p:spPr>
-        <p:txBody>
-          <a:bodyPr wrap="square" rtlCol="0">
-            <a:spAutoFit/>
-          </a:bodyPr>
-          <a:lstStyle/>
-          <a:p>
-            <a:r>
-              <a:rPr lang="ko-KR" altLang="en-US" sz="1400" b="1" dirty="0" smtClean="0">
-                <a:solidFill>
-                  <a:schemeClr val="tx1">
-                    <a:lumMod val="65000"/>
-                    <a:lumOff val="35000"/>
-                  </a:schemeClr>
-                </a:solidFill>
-              </a:rPr>
-              <a:t>핸드폰이 가져야 할 정보저장 클래스</a:t>
-            </a:r>
-            <a:endParaRPr lang="ko-KR" altLang="en-US" sz="1400" b="1" dirty="0">
-              <a:solidFill>
-                <a:schemeClr val="tx1">
-                  <a:lumMod val="65000"/>
-                  <a:lumOff val="35000"/>
-                </a:schemeClr>
-              </a:solidFill>
-            </a:endParaRPr>
-          </a:p>
-        </p:txBody>
-      </p:sp>
-      <p:sp>
-        <p:nvSpPr>
-          <p:cNvPr id="6" name="TextBox 5"/>
-          <p:cNvSpPr txBox="1"/>
-          <p:nvPr/>
-        </p:nvSpPr>
-        <p:spPr>
-          <a:xfrm>
-            <a:off x="5633766" y="3284240"/>
-            <a:ext cx="3108627" cy="307777"/>
-          </a:xfrm>
-          <a:prstGeom prst="rect">
-            <a:avLst/>
-          </a:prstGeom>
-          <a:noFill/>
-        </p:spPr>
-        <p:txBody>
-          <a:bodyPr wrap="square" rtlCol="0">
-            <a:spAutoFit/>
-          </a:bodyPr>
-          <a:lstStyle/>
-          <a:p>
-            <a:r>
-              <a:rPr lang="ko-KR" altLang="en-US" sz="1400" b="1" dirty="0" smtClean="0">
-                <a:solidFill>
-                  <a:schemeClr val="tx1">
-                    <a:lumMod val="65000"/>
-                    <a:lumOff val="35000"/>
-                  </a:schemeClr>
-                </a:solidFill>
-              </a:rPr>
-              <a:t>옷에서 보낸 정보를 받아올 클래스</a:t>
-            </a:r>
-            <a:endParaRPr lang="ko-KR" altLang="en-US" sz="1400" b="1" dirty="0">
-              <a:solidFill>
-                <a:schemeClr val="tx1">
-                  <a:lumMod val="65000"/>
-                  <a:lumOff val="35000"/>
-                </a:schemeClr>
-              </a:solidFill>
-            </a:endParaRPr>
-          </a:p>
-        </p:txBody>
-      </p:sp>
-      <p:sp>
-        <p:nvSpPr>
-          <p:cNvPr id="7" name="TextBox 6"/>
-          <p:cNvSpPr txBox="1"/>
-          <p:nvPr/>
-        </p:nvSpPr>
-        <p:spPr>
-          <a:xfrm>
-            <a:off x="3697494" y="6410747"/>
-            <a:ext cx="2512061" cy="307777"/>
-          </a:xfrm>
-          <a:prstGeom prst="rect">
-            <a:avLst/>
-          </a:prstGeom>
-          <a:noFill/>
-        </p:spPr>
-        <p:txBody>
-          <a:bodyPr wrap="square" rtlCol="0">
-            <a:spAutoFit/>
-          </a:bodyPr>
-          <a:lstStyle/>
-          <a:p>
-            <a:r>
-              <a:rPr lang="ko-KR" altLang="en-US" sz="1400" b="1" dirty="0" smtClean="0">
-                <a:solidFill>
-                  <a:schemeClr val="tx1">
-                    <a:lumMod val="65000"/>
-                    <a:lumOff val="35000"/>
-                  </a:schemeClr>
-                </a:solidFill>
-              </a:rPr>
-              <a:t>핸드폰에서 보낼 정보 클래스</a:t>
-            </a:r>
-            <a:endParaRPr lang="ko-KR" altLang="en-US" sz="1400" b="1" dirty="0">
-              <a:solidFill>
-                <a:schemeClr val="tx1">
-                  <a:lumMod val="65000"/>
-                  <a:lumOff val="35000"/>
-                </a:schemeClr>
-              </a:solidFill>
-            </a:endParaRPr>
-          </a:p>
-        </p:txBody>
-      </p:sp>
-      <p:sp>
-        <p:nvSpPr>
-          <p:cNvPr id="8" name="모서리가 둥근 직사각형 7"/>
+      <p:sp>
+        <p:nvSpPr>
+          <p:cNvPr id="10" name="모서리가 둥근 직사각형 9"/>
           <p:cNvSpPr/>
           <p:nvPr/>
         </p:nvSpPr>
@@ -6136,14 +6757,14 @@
       </p:sp>
       <p:sp>
         <p:nvSpPr>
-          <p:cNvPr id="9" name="TextBox 8"/>
+          <p:cNvPr id="11" name="TextBox 10"/>
           <p:cNvSpPr txBox="1"/>
           <p:nvPr/>
         </p:nvSpPr>
         <p:spPr>
           <a:xfrm>
-            <a:off x="3806006" y="15990"/>
-            <a:ext cx="2380780" cy="584775"/>
+            <a:off x="4011190" y="15990"/>
+            <a:ext cx="1970411" cy="584775"/>
           </a:xfrm>
           <a:prstGeom prst="rect">
             <a:avLst/>
@@ -6167,7 +6788,7 @@
                 </a:solidFill>
                 <a:latin typeface="+mn-ea"/>
               </a:rPr>
-              <a:t>클래스 구조</a:t>
+              <a:t>상세 설계</a:t>
             </a:r>
             <a:endParaRPr lang="ko-KR" altLang="en-US" sz="3200" b="1" dirty="0">
               <a:solidFill>
@@ -6181,16 +6802,1260 @@
           </a:p>
         </p:txBody>
       </p:sp>
+      <p:grpSp>
+        <p:nvGrpSpPr>
+          <p:cNvPr id="30" name="그룹 29"/>
+          <p:cNvGrpSpPr/>
+          <p:nvPr/>
+        </p:nvGrpSpPr>
+        <p:grpSpPr>
+          <a:xfrm>
+            <a:off x="271394" y="1377951"/>
+            <a:ext cx="1337273" cy="3185582"/>
+            <a:chOff x="237527" y="3867150"/>
+            <a:chExt cx="2037160" cy="2873021"/>
+          </a:xfrm>
+        </p:grpSpPr>
+        <p:pic>
+          <p:nvPicPr>
+            <p:cNvPr id="12" name="Picture 5"/>
+            <p:cNvPicPr>
+              <a:picLocks noChangeAspect="1" noChangeArrowheads="1"/>
+            </p:cNvPicPr>
+            <p:nvPr/>
+          </p:nvPicPr>
+          <p:blipFill>
+            <a:blip r:embed="rId2" cstate="print">
+              <a:extLst>
+                <a:ext uri="{28A0092B-C50C-407E-A947-70E740481C1C}">
+                  <a14:useLocalDpi xmlns:a14="http://schemas.microsoft.com/office/drawing/2010/main" val="0"/>
+                </a:ext>
+              </a:extLst>
+            </a:blip>
+            <a:srcRect/>
+            <a:stretch>
+              <a:fillRect/>
+            </a:stretch>
+          </p:blipFill>
+          <p:spPr bwMode="auto">
+            <a:xfrm>
+              <a:off x="1686476" y="6168671"/>
+              <a:ext cx="588211" cy="571500"/>
+            </a:xfrm>
+            <a:prstGeom prst="rect">
+              <a:avLst/>
+            </a:prstGeom>
+            <a:noFill/>
+            <a:ln>
+              <a:noFill/>
+            </a:ln>
+            <a:extLst>
+              <a:ext uri="{909E8E84-426E-40DD-AFC4-6F175D3DCCD1}">
+                <a14:hiddenFill xmlns:a14="http://schemas.microsoft.com/office/drawing/2010/main">
+                  <a:solidFill>
+                    <a:schemeClr val="accent1"/>
+                  </a:solidFill>
+                </a14:hiddenFill>
+              </a:ext>
+              <a:ext uri="{91240B29-F687-4F45-9708-019B960494DF}">
+                <a14:hiddenLine xmlns:a14="http://schemas.microsoft.com/office/drawing/2010/main" w="9525">
+                  <a:solidFill>
+                    <a:schemeClr val="tx1"/>
+                  </a:solidFill>
+                  <a:miter lim="800000"/>
+                  <a:headEnd/>
+                  <a:tailEnd/>
+                </a14:hiddenLine>
+              </a:ext>
+            </a:extLst>
+          </p:spPr>
+        </p:pic>
+        <p:pic>
+          <p:nvPicPr>
+            <p:cNvPr id="13" name="Picture 3"/>
+            <p:cNvPicPr>
+              <a:picLocks noChangeAspect="1" noChangeArrowheads="1"/>
+            </p:cNvPicPr>
+            <p:nvPr/>
+          </p:nvPicPr>
+          <p:blipFill>
+            <a:blip r:embed="rId3">
+              <a:extLst>
+                <a:ext uri="{BEBA8EAE-BF5A-486C-A8C5-ECC9F3942E4B}">
+                  <a14:imgProps xmlns:a14="http://schemas.microsoft.com/office/drawing/2010/main">
+                    <a14:imgLayer r:embed="rId4">
+                      <a14:imgEffect>
+                        <a14:artisticBlur radius="3"/>
+                      </a14:imgEffect>
+                      <a14:imgEffect>
+                        <a14:sharpenSoften amount="50000"/>
+                      </a14:imgEffect>
+                    </a14:imgLayer>
+                  </a14:imgProps>
+                </a:ext>
+                <a:ext uri="{28A0092B-C50C-407E-A947-70E740481C1C}">
+                  <a14:useLocalDpi xmlns:a14="http://schemas.microsoft.com/office/drawing/2010/main" val="0"/>
+                </a:ext>
+              </a:extLst>
+            </a:blip>
+            <a:srcRect/>
+            <a:stretch>
+              <a:fillRect/>
+            </a:stretch>
+          </p:blipFill>
+          <p:spPr bwMode="auto">
+            <a:xfrm>
+              <a:off x="237527" y="3867150"/>
+              <a:ext cx="1622594" cy="2301521"/>
+            </a:xfrm>
+            <a:prstGeom prst="rect">
+              <a:avLst/>
+            </a:prstGeom>
+            <a:noFill/>
+            <a:ln>
+              <a:noFill/>
+            </a:ln>
+            <a:effectLst/>
+            <a:extLst>
+              <a:ext uri="{909E8E84-426E-40DD-AFC4-6F175D3DCCD1}">
+                <a14:hiddenFill xmlns:a14="http://schemas.microsoft.com/office/drawing/2010/main">
+                  <a:solidFill>
+                    <a:schemeClr val="accent1"/>
+                  </a:solidFill>
+                </a14:hiddenFill>
+              </a:ext>
+              <a:ext uri="{91240B29-F687-4F45-9708-019B960494DF}">
+                <a14:hiddenLine xmlns:a14="http://schemas.microsoft.com/office/drawing/2010/main" w="9525">
+                  <a:solidFill>
+                    <a:schemeClr val="tx1"/>
+                  </a:solidFill>
+                  <a:miter lim="800000"/>
+                  <a:headEnd/>
+                  <a:tailEnd/>
+                </a14:hiddenLine>
+              </a:ext>
+              <a:ext uri="{AF507438-7753-43E0-B8FC-AC1667EBCBE1}">
+                <a14:hiddenEffects xmlns:a14="http://schemas.microsoft.com/office/drawing/2010/main">
+                  <a:effectLst>
+                    <a:outerShdw dist="35921" dir="2700000" algn="ctr" rotWithShape="0">
+                      <a:schemeClr val="bg2"/>
+                    </a:outerShdw>
+                  </a:effectLst>
+                </a14:hiddenEffects>
+              </a:ext>
+            </a:extLst>
+          </p:spPr>
+        </p:pic>
+        <p:cxnSp>
+          <p:nvCxnSpPr>
+            <p:cNvPr id="14" name="꺾인 연결선 13"/>
+            <p:cNvCxnSpPr>
+              <a:endCxn id="12" idx="1"/>
+            </p:cNvCxnSpPr>
+            <p:nvPr/>
+          </p:nvCxnSpPr>
+          <p:spPr>
+            <a:xfrm>
+              <a:off x="775692" y="6064030"/>
+              <a:ext cx="910784" cy="390391"/>
+            </a:xfrm>
+            <a:prstGeom prst="bentConnector3">
+              <a:avLst>
+                <a:gd name="adj1" fmla="val 4450"/>
+              </a:avLst>
+            </a:prstGeom>
+            <a:ln w="19050">
+              <a:solidFill>
+                <a:schemeClr val="accent1"/>
+              </a:solidFill>
+              <a:prstDash val="dash"/>
+              <a:headEnd type="oval"/>
+              <a:tailEnd type="oval"/>
+            </a:ln>
+          </p:spPr>
+          <p:style>
+            <a:lnRef idx="1">
+              <a:schemeClr val="accent1"/>
+            </a:lnRef>
+            <a:fillRef idx="0">
+              <a:schemeClr val="accent1"/>
+            </a:fillRef>
+            <a:effectRef idx="0">
+              <a:schemeClr val="accent1"/>
+            </a:effectRef>
+            <a:fontRef idx="minor">
+              <a:schemeClr val="tx1"/>
+            </a:fontRef>
+          </p:style>
+        </p:cxnSp>
+        <p:sp>
+          <p:nvSpPr>
+            <p:cNvPr id="18" name="직사각형 17"/>
+            <p:cNvSpPr/>
+            <p:nvPr/>
+          </p:nvSpPr>
+          <p:spPr>
+            <a:xfrm>
+              <a:off x="605817" y="5963973"/>
+              <a:ext cx="169875" cy="100057"/>
+            </a:xfrm>
+            <a:prstGeom prst="rect">
+              <a:avLst/>
+            </a:prstGeom>
+            <a:solidFill>
+              <a:schemeClr val="accent6"/>
+            </a:solidFill>
+            <a:ln>
+              <a:noFill/>
+            </a:ln>
+            <a:effectLst>
+              <a:outerShdw blurRad="44450" dist="27940" dir="5400000" algn="ctr">
+                <a:srgbClr val="000000">
+                  <a:alpha val="32000"/>
+                </a:srgbClr>
+              </a:outerShdw>
+            </a:effectLst>
+            <a:scene3d>
+              <a:camera prst="orthographicFront">
+                <a:rot lat="0" lon="0" rev="0"/>
+              </a:camera>
+              <a:lightRig rig="balanced" dir="t">
+                <a:rot lat="0" lon="0" rev="8700000"/>
+              </a:lightRig>
+            </a:scene3d>
+            <a:sp3d>
+              <a:bevelT w="190500" h="38100"/>
+            </a:sp3d>
+          </p:spPr>
+          <p:style>
+            <a:lnRef idx="2">
+              <a:schemeClr val="accent1">
+                <a:shade val="50000"/>
+              </a:schemeClr>
+            </a:lnRef>
+            <a:fillRef idx="1">
+              <a:schemeClr val="accent1"/>
+            </a:fillRef>
+            <a:effectRef idx="0">
+              <a:schemeClr val="accent1"/>
+            </a:effectRef>
+            <a:fontRef idx="minor">
+              <a:schemeClr val="lt1"/>
+            </a:fontRef>
+          </p:style>
+          <p:txBody>
+            <a:bodyPr rtlCol="0" anchor="ctr"/>
+            <a:lstStyle/>
+            <a:p>
+              <a:pPr algn="ctr"/>
+              <a:endParaRPr lang="ko-KR" altLang="en-US"/>
+            </a:p>
+          </p:txBody>
+        </p:sp>
+      </p:grpSp>
+      <p:sp>
+        <p:nvSpPr>
+          <p:cNvPr id="34" name="TextBox 33"/>
+          <p:cNvSpPr txBox="1"/>
+          <p:nvPr/>
+        </p:nvSpPr>
+        <p:spPr>
+          <a:xfrm>
+            <a:off x="77049" y="977841"/>
+            <a:ext cx="3373652" cy="400110"/>
+          </a:xfrm>
+          <a:prstGeom prst="rect">
+            <a:avLst/>
+          </a:prstGeom>
+          <a:noFill/>
+        </p:spPr>
+        <p:txBody>
+          <a:bodyPr wrap="square" rtlCol="0">
+            <a:spAutoFit/>
+          </a:bodyPr>
+          <a:lstStyle/>
+          <a:p>
+            <a:r>
+              <a:rPr lang="en-US" altLang="ko-KR" sz="2000" b="1" dirty="0" smtClean="0">
+                <a:solidFill>
+                  <a:schemeClr val="tx1">
+                    <a:lumMod val="65000"/>
+                    <a:lumOff val="35000"/>
+                  </a:schemeClr>
+                </a:solidFill>
+              </a:rPr>
+              <a:t>[</a:t>
+            </a:r>
+            <a:r>
+              <a:rPr lang="en-US" altLang="ko-KR" sz="2000" dirty="0"/>
+              <a:t>Wearable </a:t>
+            </a:r>
+            <a:r>
+              <a:rPr lang="en-US" altLang="ko-KR" sz="2000" dirty="0" smtClean="0"/>
+              <a:t>Device</a:t>
+            </a:r>
+            <a:r>
+              <a:rPr lang="en-US" altLang="ko-KR" sz="2000" b="1" dirty="0" smtClean="0">
+                <a:solidFill>
+                  <a:schemeClr val="tx1">
+                    <a:lumMod val="65000"/>
+                    <a:lumOff val="35000"/>
+                  </a:schemeClr>
+                </a:solidFill>
+              </a:rPr>
+              <a:t>]</a:t>
+            </a:r>
+            <a:endParaRPr lang="ko-KR" altLang="en-US" sz="2000" b="1" dirty="0">
+              <a:solidFill>
+                <a:schemeClr val="tx1">
+                  <a:lumMod val="65000"/>
+                  <a:lumOff val="35000"/>
+                </a:schemeClr>
+              </a:solidFill>
+            </a:endParaRPr>
+          </a:p>
+        </p:txBody>
+      </p:sp>
+      <p:sp>
+        <p:nvSpPr>
+          <p:cNvPr id="32" name="Rectangle 2"/>
+          <p:cNvSpPr>
+            <a:spLocks noChangeArrowheads="1"/>
+          </p:cNvSpPr>
+          <p:nvPr/>
+        </p:nvSpPr>
+        <p:spPr bwMode="auto">
+          <a:xfrm>
+            <a:off x="3756349" y="260207"/>
+            <a:ext cx="9906000" cy="457200"/>
+          </a:xfrm>
+          <a:prstGeom prst="rect">
+            <a:avLst/>
+          </a:prstGeom>
+          <a:noFill/>
+          <a:ln>
+            <a:noFill/>
+          </a:ln>
+          <a:effectLst/>
+          <a:extLst>
+            <a:ext uri="{909E8E84-426E-40DD-AFC4-6F175D3DCCD1}">
+              <a14:hiddenFill xmlns:a14="http://schemas.microsoft.com/office/drawing/2010/main">
+                <a:solidFill>
+                  <a:schemeClr val="accent1"/>
+                </a:solidFill>
+              </a14:hiddenFill>
+            </a:ext>
+            <a:ext uri="{91240B29-F687-4F45-9708-019B960494DF}">
+              <a14:hiddenLine xmlns:a14="http://schemas.microsoft.com/office/drawing/2010/main" w="9525">
+                <a:solidFill>
+                  <a:schemeClr val="tx1"/>
+                </a:solidFill>
+                <a:miter lim="800000"/>
+                <a:headEnd/>
+                <a:tailEnd/>
+              </a14:hiddenLine>
+            </a:ext>
+            <a:ext uri="{AF507438-7753-43E0-B8FC-AC1667EBCBE1}">
+              <a14:hiddenEffects xmlns:a14="http://schemas.microsoft.com/office/drawing/2010/main">
+                <a:effectLst>
+                  <a:outerShdw dist="35921" dir="2700000" algn="ctr" rotWithShape="0">
+                    <a:schemeClr val="bg2"/>
+                  </a:outerShdw>
+                </a:effectLst>
+              </a14:hiddenEffects>
+            </a:ext>
+          </a:extLst>
+        </p:spPr>
+        <p:txBody>
+          <a:bodyPr vert="horz" wrap="none" lIns="91440" tIns="45720" rIns="91440" bIns="45720" numCol="1" anchor="ctr" anchorCtr="0" compatLnSpc="1">
+            <a:prstTxWarp prst="textNoShape">
+              <a:avLst/>
+            </a:prstTxWarp>
+            <a:spAutoFit/>
+          </a:bodyPr>
+          <a:lstStyle/>
+          <a:p>
+            <a:endParaRPr lang="ko-KR" altLang="en-US"/>
+          </a:p>
+        </p:txBody>
+      </p:sp>
+      <p:sp>
+        <p:nvSpPr>
+          <p:cNvPr id="33" name="직사각형 32"/>
+          <p:cNvSpPr/>
+          <p:nvPr/>
+        </p:nvSpPr>
+        <p:spPr>
+          <a:xfrm>
+            <a:off x="2504367" y="1002118"/>
+            <a:ext cx="3510898" cy="424732"/>
+          </a:xfrm>
+          <a:prstGeom prst="rect">
+            <a:avLst/>
+          </a:prstGeom>
+        </p:spPr>
+        <p:txBody>
+          <a:bodyPr wrap="none">
+            <a:spAutoFit/>
+          </a:bodyPr>
+          <a:lstStyle/>
+          <a:p>
+            <a:pPr algn="just" fontAlgn="base">
+              <a:lnSpc>
+                <a:spcPct val="120000"/>
+              </a:lnSpc>
+            </a:pPr>
+            <a:r>
+              <a:rPr lang="en-US" altLang="ko-KR" b="1" kern="0" dirty="0">
+                <a:solidFill>
+                  <a:srgbClr val="000000"/>
+                </a:solidFill>
+                <a:latin typeface="Tahoma" panose="020B0604030504040204" pitchFamily="34" charset="0"/>
+                <a:ea typeface="Tahoma" panose="020B0604030504040204" pitchFamily="34" charset="0"/>
+              </a:rPr>
+              <a:t>&lt;</a:t>
+            </a:r>
+            <a:r>
+              <a:rPr lang="ko-KR" altLang="en-US" b="1" kern="0" dirty="0" err="1">
+                <a:solidFill>
+                  <a:srgbClr val="000000"/>
+                </a:solidFill>
+                <a:latin typeface="Tahoma" panose="020B0604030504040204" pitchFamily="34" charset="0"/>
+                <a:ea typeface="Tahoma" panose="020B0604030504040204" pitchFamily="34" charset="0"/>
+              </a:rPr>
+              <a:t>아두이노</a:t>
+            </a:r>
+            <a:r>
+              <a:rPr lang="ko-KR" altLang="en-US" b="1" kern="0" dirty="0">
+                <a:solidFill>
+                  <a:srgbClr val="000000"/>
+                </a:solidFill>
+                <a:latin typeface="Tahoma" panose="020B0604030504040204" pitchFamily="34" charset="0"/>
+                <a:ea typeface="Tahoma" panose="020B0604030504040204" pitchFamily="34" charset="0"/>
+              </a:rPr>
+              <a:t> </a:t>
+            </a:r>
+            <a:r>
+              <a:rPr lang="en-US" altLang="ko-KR" b="1" kern="0" dirty="0" smtClean="0">
+                <a:solidFill>
+                  <a:srgbClr val="000000"/>
+                </a:solidFill>
+                <a:latin typeface="Tahoma" panose="020B0604030504040204" pitchFamily="34" charset="0"/>
+                <a:ea typeface="Tahoma" panose="020B0604030504040204" pitchFamily="34" charset="0"/>
+              </a:rPr>
+              <a:t>, </a:t>
+            </a:r>
+            <a:r>
+              <a:rPr lang="ko-KR" altLang="en-US" b="1" kern="0" dirty="0" err="1" smtClean="0">
+                <a:solidFill>
+                  <a:srgbClr val="000000"/>
+                </a:solidFill>
+                <a:latin typeface="Tahoma" panose="020B0604030504040204" pitchFamily="34" charset="0"/>
+                <a:ea typeface="Tahoma" panose="020B0604030504040204" pitchFamily="34" charset="0"/>
+              </a:rPr>
+              <a:t>구글</a:t>
+            </a:r>
+            <a:r>
+              <a:rPr lang="ko-KR" altLang="en-US" b="1" kern="0" dirty="0" smtClean="0">
+                <a:solidFill>
+                  <a:srgbClr val="000000"/>
+                </a:solidFill>
+                <a:latin typeface="Tahoma" panose="020B0604030504040204" pitchFamily="34" charset="0"/>
+                <a:ea typeface="Tahoma" panose="020B0604030504040204" pitchFamily="34" charset="0"/>
+              </a:rPr>
+              <a:t> </a:t>
+            </a:r>
+            <a:r>
+              <a:rPr lang="ko-KR" altLang="en-US" b="1" kern="0" dirty="0" err="1" smtClean="0">
+                <a:solidFill>
+                  <a:srgbClr val="000000"/>
+                </a:solidFill>
+                <a:latin typeface="Tahoma" panose="020B0604030504040204" pitchFamily="34" charset="0"/>
+                <a:ea typeface="Tahoma" panose="020B0604030504040204" pitchFamily="34" charset="0"/>
+              </a:rPr>
+              <a:t>맵</a:t>
+            </a:r>
+            <a:r>
+              <a:rPr lang="ko-KR" altLang="en-US" b="1" kern="0" dirty="0" smtClean="0">
+                <a:solidFill>
+                  <a:srgbClr val="000000"/>
+                </a:solidFill>
+                <a:latin typeface="Tahoma" panose="020B0604030504040204" pitchFamily="34" charset="0"/>
+                <a:ea typeface="Tahoma" panose="020B0604030504040204" pitchFamily="34" charset="0"/>
+              </a:rPr>
+              <a:t> 위치 표시</a:t>
+            </a:r>
+            <a:r>
+              <a:rPr lang="en-US" altLang="ko-KR" b="1" kern="0" dirty="0" smtClean="0">
+                <a:solidFill>
+                  <a:srgbClr val="000000"/>
+                </a:solidFill>
+                <a:latin typeface="Tahoma" panose="020B0604030504040204" pitchFamily="34" charset="0"/>
+                <a:ea typeface="Tahoma" panose="020B0604030504040204" pitchFamily="34" charset="0"/>
+              </a:rPr>
+              <a:t>&gt;</a:t>
+            </a:r>
+            <a:endParaRPr lang="ko-KR" altLang="en-US" b="1" kern="0" spc="0" dirty="0">
+              <a:solidFill>
+                <a:srgbClr val="000000"/>
+              </a:solidFill>
+              <a:effectLst/>
+              <a:latin typeface="Tahoma" panose="020B0604030504040204" pitchFamily="34" charset="0"/>
+            </a:endParaRPr>
+          </a:p>
+        </p:txBody>
+      </p:sp>
+      <p:sp>
+        <p:nvSpPr>
+          <p:cNvPr id="35" name="Rectangle 4"/>
+          <p:cNvSpPr>
+            <a:spLocks noChangeArrowheads="1"/>
+          </p:cNvSpPr>
+          <p:nvPr/>
+        </p:nvSpPr>
+        <p:spPr bwMode="auto">
+          <a:xfrm>
+            <a:off x="1689802" y="1010737"/>
+            <a:ext cx="9906000" cy="457200"/>
+          </a:xfrm>
+          <a:prstGeom prst="rect">
+            <a:avLst/>
+          </a:prstGeom>
+          <a:noFill/>
+          <a:ln>
+            <a:noFill/>
+          </a:ln>
+          <a:effectLst/>
+          <a:extLst>
+            <a:ext uri="{909E8E84-426E-40DD-AFC4-6F175D3DCCD1}">
+              <a14:hiddenFill xmlns:a14="http://schemas.microsoft.com/office/drawing/2010/main">
+                <a:solidFill>
+                  <a:schemeClr val="accent1"/>
+                </a:solidFill>
+              </a14:hiddenFill>
+            </a:ext>
+            <a:ext uri="{91240B29-F687-4F45-9708-019B960494DF}">
+              <a14:hiddenLine xmlns:a14="http://schemas.microsoft.com/office/drawing/2010/main" w="9525">
+                <a:solidFill>
+                  <a:schemeClr val="tx1"/>
+                </a:solidFill>
+                <a:miter lim="800000"/>
+                <a:headEnd/>
+                <a:tailEnd/>
+              </a14:hiddenLine>
+            </a:ext>
+            <a:ext uri="{AF507438-7753-43E0-B8FC-AC1667EBCBE1}">
+              <a14:hiddenEffects xmlns:a14="http://schemas.microsoft.com/office/drawing/2010/main">
+                <a:effectLst>
+                  <a:outerShdw dist="35921" dir="2700000" algn="ctr" rotWithShape="0">
+                    <a:schemeClr val="bg2"/>
+                  </a:outerShdw>
+                </a:effectLst>
+              </a14:hiddenEffects>
+            </a:ext>
+          </a:extLst>
+        </p:spPr>
+        <p:txBody>
+          <a:bodyPr vert="horz" wrap="none" lIns="91440" tIns="45720" rIns="91440" bIns="45720" numCol="1" anchor="ctr" anchorCtr="0" compatLnSpc="1">
+            <a:prstTxWarp prst="textNoShape">
+              <a:avLst/>
+            </a:prstTxWarp>
+            <a:spAutoFit/>
+          </a:bodyPr>
+          <a:lstStyle/>
+          <a:p>
+            <a:endParaRPr lang="ko-KR" altLang="en-US"/>
+          </a:p>
+        </p:txBody>
+      </p:sp>
+      <p:grpSp>
+        <p:nvGrpSpPr>
+          <p:cNvPr id="37" name="그룹 36"/>
+          <p:cNvGrpSpPr/>
+          <p:nvPr/>
+        </p:nvGrpSpPr>
+        <p:grpSpPr>
+          <a:xfrm>
+            <a:off x="2650273" y="1467937"/>
+            <a:ext cx="1815437" cy="1596217"/>
+            <a:chOff x="2765030" y="1907958"/>
+            <a:chExt cx="1828800" cy="1914954"/>
+          </a:xfrm>
+        </p:grpSpPr>
+        <p:pic>
+          <p:nvPicPr>
+            <p:cNvPr id="1025" name="_x404614880" descr="EMB000014cc1314"/>
+            <p:cNvPicPr>
+              <a:picLocks noChangeAspect="1" noChangeArrowheads="1"/>
+            </p:cNvPicPr>
+            <p:nvPr/>
+          </p:nvPicPr>
+          <p:blipFill rotWithShape="1">
+            <a:blip r:embed="rId5">
+              <a:extLst>
+                <a:ext uri="{28A0092B-C50C-407E-A947-70E740481C1C}">
+                  <a14:useLocalDpi xmlns:a14="http://schemas.microsoft.com/office/drawing/2010/main" val="0"/>
+                </a:ext>
+              </a:extLst>
+            </a:blip>
+            <a:srcRect l="1505" t="5523" r="-1" b="3474"/>
+            <a:stretch/>
+          </p:blipFill>
+          <p:spPr bwMode="auto">
+            <a:xfrm>
+              <a:off x="2795743" y="1907958"/>
+              <a:ext cx="1767375" cy="1512576"/>
+            </a:xfrm>
+            <a:prstGeom prst="rect">
+              <a:avLst/>
+            </a:prstGeom>
+            <a:noFill/>
+            <a:extLst>
+              <a:ext uri="{909E8E84-426E-40DD-AFC4-6F175D3DCCD1}">
+                <a14:hiddenFill xmlns:a14="http://schemas.microsoft.com/office/drawing/2010/main">
+                  <a:solidFill>
+                    <a:srgbClr val="FFFFFF"/>
+                  </a:solidFill>
+                </a14:hiddenFill>
+              </a:ext>
+            </a:extLst>
+          </p:spPr>
+        </p:pic>
+        <p:sp>
+          <p:nvSpPr>
+            <p:cNvPr id="36" name="TextBox 35"/>
+            <p:cNvSpPr txBox="1"/>
+            <p:nvPr/>
+          </p:nvSpPr>
+          <p:spPr>
+            <a:xfrm>
+              <a:off x="2765030" y="3515135"/>
+              <a:ext cx="1828800" cy="307777"/>
+            </a:xfrm>
+            <a:prstGeom prst="rect">
+              <a:avLst/>
+            </a:prstGeom>
+          </p:spPr>
+          <p:txBody>
+            <a:bodyPr wrap="square" rtlCol="0">
+              <a:spAutoFit/>
+            </a:bodyPr>
+            <a:lstStyle/>
+            <a:p>
+              <a:r>
+                <a:rPr lang="en-US" altLang="ko-KR" sz="1400" dirty="0" smtClean="0"/>
+                <a:t>NEO-6M(GPS</a:t>
+              </a:r>
+              <a:r>
+                <a:rPr lang="ko-KR" altLang="en-US" sz="1400" dirty="0" smtClean="0"/>
+                <a:t>칩</a:t>
+              </a:r>
+              <a:r>
+                <a:rPr lang="en-US" altLang="ko-KR" sz="1400" dirty="0" smtClean="0"/>
+                <a:t>)</a:t>
+              </a:r>
+              <a:endParaRPr lang="ko-KR" altLang="en-US" sz="1400" dirty="0"/>
+            </a:p>
+          </p:txBody>
+        </p:sp>
+      </p:grpSp>
+      <p:grpSp>
+        <p:nvGrpSpPr>
+          <p:cNvPr id="41" name="그룹 40"/>
+          <p:cNvGrpSpPr/>
+          <p:nvPr/>
+        </p:nvGrpSpPr>
+        <p:grpSpPr>
+          <a:xfrm>
+            <a:off x="5150925" y="1420940"/>
+            <a:ext cx="2435225" cy="1592379"/>
+            <a:chOff x="5526087" y="2108373"/>
+            <a:chExt cx="2435225" cy="1592379"/>
+          </a:xfrm>
+        </p:grpSpPr>
+        <p:pic>
+          <p:nvPicPr>
+            <p:cNvPr id="1030" name="Picture 6" descr="https://encrypted-tbn0.gstatic.com/images?q=tbn:ANd9GcRGogEV47v7gS3KiDCTL4AYmv7urrKYsToAl3ovwH9Uvnc8dQbjGA"/>
+            <p:cNvPicPr>
+              <a:picLocks noChangeAspect="1" noChangeArrowheads="1"/>
+            </p:cNvPicPr>
+            <p:nvPr/>
+          </p:nvPicPr>
+          <p:blipFill>
+            <a:blip r:embed="rId6">
+              <a:extLst>
+                <a:ext uri="{28A0092B-C50C-407E-A947-70E740481C1C}">
+                  <a14:useLocalDpi xmlns:a14="http://schemas.microsoft.com/office/drawing/2010/main" val="0"/>
+                </a:ext>
+              </a:extLst>
+            </a:blip>
+            <a:srcRect/>
+            <a:stretch>
+              <a:fillRect/>
+            </a:stretch>
+          </p:blipFill>
+          <p:spPr bwMode="auto">
+            <a:xfrm>
+              <a:off x="5526087" y="2108373"/>
+              <a:ext cx="2435225" cy="1284602"/>
+            </a:xfrm>
+            <a:prstGeom prst="rect">
+              <a:avLst/>
+            </a:prstGeom>
+            <a:noFill/>
+            <a:extLst>
+              <a:ext uri="{909E8E84-426E-40DD-AFC4-6F175D3DCCD1}">
+                <a14:hiddenFill xmlns:a14="http://schemas.microsoft.com/office/drawing/2010/main">
+                  <a:solidFill>
+                    <a:srgbClr val="FFFFFF"/>
+                  </a:solidFill>
+                </a14:hiddenFill>
+              </a:ext>
+            </a:extLst>
+          </p:spPr>
+        </p:pic>
+        <p:sp>
+          <p:nvSpPr>
+            <p:cNvPr id="40" name="TextBox 39"/>
+            <p:cNvSpPr txBox="1"/>
+            <p:nvPr/>
+          </p:nvSpPr>
+          <p:spPr>
+            <a:xfrm>
+              <a:off x="5706532" y="3392975"/>
+              <a:ext cx="2074334" cy="307777"/>
+            </a:xfrm>
+            <a:prstGeom prst="rect">
+              <a:avLst/>
+            </a:prstGeom>
+          </p:spPr>
+          <p:txBody>
+            <a:bodyPr wrap="square" rtlCol="0">
+              <a:spAutoFit/>
+            </a:bodyPr>
+            <a:lstStyle/>
+            <a:p>
+              <a:r>
+                <a:rPr lang="en-US" altLang="ko-KR" sz="1400" dirty="0" err="1" smtClean="0"/>
+                <a:t>arduino</a:t>
+              </a:r>
+              <a:r>
+                <a:rPr lang="ko-KR" altLang="en-US" sz="1400" dirty="0" smtClean="0"/>
+                <a:t> 미니</a:t>
+              </a:r>
+              <a:endParaRPr lang="ko-KR" altLang="en-US" sz="1400" dirty="0"/>
+            </a:p>
+          </p:txBody>
+        </p:sp>
+      </p:grpSp>
+      <p:sp>
+        <p:nvSpPr>
+          <p:cNvPr id="42" name="TextBox 41"/>
+          <p:cNvSpPr txBox="1"/>
+          <p:nvPr/>
+        </p:nvSpPr>
+        <p:spPr>
+          <a:xfrm>
+            <a:off x="2504367" y="3375861"/>
+            <a:ext cx="5715000" cy="553998"/>
+          </a:xfrm>
+          <a:prstGeom prst="rect">
+            <a:avLst/>
+          </a:prstGeom>
+        </p:spPr>
+        <p:txBody>
+          <a:bodyPr wrap="square" rtlCol="0">
+            <a:spAutoFit/>
+          </a:bodyPr>
+          <a:lstStyle/>
+          <a:p>
+            <a:r>
+              <a:rPr lang="en-US" altLang="ko-KR" sz="1100" dirty="0" smtClean="0"/>
+              <a:t>1)GPS </a:t>
+            </a:r>
+            <a:r>
+              <a:rPr lang="ko-KR" altLang="en-US" sz="1100" dirty="0" smtClean="0"/>
+              <a:t>모듈의 </a:t>
+            </a:r>
+            <a:r>
+              <a:rPr lang="en-US" altLang="ko-KR" sz="1100" dirty="0" smtClean="0"/>
+              <a:t>GND,VCC,RX,TX</a:t>
+            </a:r>
+            <a:r>
+              <a:rPr lang="ko-KR" altLang="en-US" sz="1100" dirty="0" smtClean="0"/>
+              <a:t>선을 각각 </a:t>
+            </a:r>
+            <a:r>
+              <a:rPr lang="ko-KR" altLang="en-US" sz="1100" dirty="0" err="1" smtClean="0"/>
+              <a:t>아두이노에</a:t>
+            </a:r>
+            <a:r>
+              <a:rPr lang="ko-KR" altLang="en-US" sz="1100" dirty="0" smtClean="0"/>
+              <a:t> 연결한다</a:t>
+            </a:r>
+            <a:r>
+              <a:rPr lang="en-US" altLang="ko-KR" sz="1200" dirty="0" smtClean="0"/>
+              <a:t>.</a:t>
+            </a:r>
+          </a:p>
+          <a:p>
+            <a:endParaRPr lang="ko-KR" altLang="en-US" dirty="0"/>
+          </a:p>
+        </p:txBody>
+      </p:sp>
+      <p:graphicFrame>
+        <p:nvGraphicFramePr>
+          <p:cNvPr id="43" name="표 42"/>
+          <p:cNvGraphicFramePr>
+            <a:graphicFrameLocks noGrp="1"/>
+          </p:cNvGraphicFramePr>
+          <p:nvPr/>
+        </p:nvGraphicFramePr>
+        <p:xfrm>
+          <a:off x="2519534" y="4268789"/>
+          <a:ext cx="5400040" cy="449072"/>
+        </p:xfrm>
+        <a:graphic>
+          <a:graphicData uri="http://schemas.openxmlformats.org/drawingml/2006/table">
+            <a:tbl>
+              <a:tblPr/>
+              <a:tblGrid>
+                <a:gridCol w="5400040"/>
+              </a:tblGrid>
+              <a:tr h="435874">
+                <a:tc>
+                  <a:txBody>
+                    <a:bodyPr/>
+                    <a:lstStyle/>
+                    <a:p>
+                      <a:pPr marL="0" marR="0" indent="0" algn="just" fontAlgn="base" latinLnBrk="1">
+                        <a:lnSpc>
+                          <a:spcPct val="120000"/>
+                        </a:lnSpc>
+                        <a:spcBef>
+                          <a:spcPts val="0"/>
+                        </a:spcBef>
+                        <a:spcAft>
+                          <a:spcPts val="0"/>
+                        </a:spcAft>
+                      </a:pPr>
+                      <a:r>
+                        <a:rPr lang="pt-BR" sz="1130" kern="0" spc="0" dirty="0">
+                          <a:solidFill>
+                            <a:srgbClr val="555555"/>
+                          </a:solidFill>
+                          <a:effectLst/>
+                          <a:latin typeface="Signika"/>
+                          <a:ea typeface="Signika"/>
+                        </a:rPr>
+                        <a:t>$GPRMC, 030136, 000, A, 3729.9446, N, 12701.4042, E, 0.00, , 140315, , ,A*71</a:t>
+                      </a:r>
+                      <a:endParaRPr lang="pt-BR" sz="1130" kern="0" spc="0" dirty="0">
+                        <a:solidFill>
+                          <a:srgbClr val="555555"/>
+                        </a:solidFill>
+                        <a:effectLst/>
+                        <a:latin typeface="Signika"/>
+                      </a:endParaRPr>
+                    </a:p>
+                  </a:txBody>
+                  <a:tcPr marL="64770" marR="64770" marT="17907" marB="17907" anchor="ctr">
+                    <a:lnL w="3556" cap="flat" cmpd="sng" algn="ctr">
+                      <a:solidFill>
+                        <a:srgbClr val="000000"/>
+                      </a:solidFill>
+                      <a:prstDash val="solid"/>
+                      <a:round/>
+                      <a:headEnd type="none" w="med" len="med"/>
+                      <a:tailEnd type="none" w="med" len="med"/>
+                    </a:lnL>
+                    <a:lnR w="3556" cap="flat" cmpd="sng" algn="ctr">
+                      <a:solidFill>
+                        <a:srgbClr val="000000"/>
+                      </a:solidFill>
+                      <a:prstDash val="solid"/>
+                      <a:round/>
+                      <a:headEnd type="none" w="med" len="med"/>
+                      <a:tailEnd type="none" w="med" len="med"/>
+                    </a:lnR>
+                    <a:lnT w="3556" cap="flat" cmpd="sng" algn="ctr">
+                      <a:solidFill>
+                        <a:srgbClr val="000000"/>
+                      </a:solidFill>
+                      <a:prstDash val="solid"/>
+                      <a:round/>
+                      <a:headEnd type="none" w="med" len="med"/>
+                      <a:tailEnd type="none" w="med" len="med"/>
+                    </a:lnT>
+                    <a:lnB w="3556" cap="flat" cmpd="sng" algn="ctr">
+                      <a:solidFill>
+                        <a:srgbClr val="000000"/>
+                      </a:solidFill>
+                      <a:prstDash val="solid"/>
+                      <a:round/>
+                      <a:headEnd type="none" w="med" len="med"/>
+                      <a:tailEnd type="none" w="med" len="med"/>
+                    </a:lnB>
+                  </a:tcPr>
+                </a:tc>
+              </a:tr>
+            </a:tbl>
+          </a:graphicData>
+        </a:graphic>
+      </p:graphicFrame>
+      <p:sp>
+        <p:nvSpPr>
+          <p:cNvPr id="45" name="TextBox 44"/>
+          <p:cNvSpPr txBox="1"/>
+          <p:nvPr/>
+        </p:nvSpPr>
+        <p:spPr>
+          <a:xfrm>
+            <a:off x="2519534" y="3833711"/>
+            <a:ext cx="5816600" cy="261610"/>
+          </a:xfrm>
+          <a:prstGeom prst="rect">
+            <a:avLst/>
+          </a:prstGeom>
+        </p:spPr>
+        <p:txBody>
+          <a:bodyPr wrap="square" rtlCol="0">
+            <a:spAutoFit/>
+          </a:bodyPr>
+          <a:lstStyle/>
+          <a:p>
+            <a:r>
+              <a:rPr lang="en-US" altLang="ko-KR" sz="1100" dirty="0" smtClean="0"/>
+              <a:t>2)GPS</a:t>
+            </a:r>
+            <a:r>
+              <a:rPr lang="ko-KR" altLang="en-US" sz="1100" dirty="0" smtClean="0"/>
+              <a:t>데이터는 아래와 같이 시간</a:t>
+            </a:r>
+            <a:r>
+              <a:rPr lang="en-US" altLang="ko-KR" sz="1100" dirty="0" smtClean="0"/>
+              <a:t>,</a:t>
+            </a:r>
+            <a:r>
+              <a:rPr lang="ko-KR" altLang="en-US" sz="1100" dirty="0" smtClean="0"/>
+              <a:t>위치</a:t>
+            </a:r>
+            <a:r>
+              <a:rPr lang="en-US" altLang="ko-KR" sz="1100" dirty="0" smtClean="0"/>
+              <a:t>,</a:t>
+            </a:r>
+            <a:r>
+              <a:rPr lang="ko-KR" altLang="en-US" sz="1100" dirty="0" smtClean="0"/>
+              <a:t>방위를 표준규격에 따라 전송된다</a:t>
+            </a:r>
+            <a:r>
+              <a:rPr lang="en-US" altLang="ko-KR" sz="1100" dirty="0" smtClean="0"/>
+              <a:t>.</a:t>
+            </a:r>
+            <a:endParaRPr lang="ko-KR" altLang="en-US" sz="1100" dirty="0"/>
+          </a:p>
+        </p:txBody>
+      </p:sp>
+      <p:sp>
+        <p:nvSpPr>
+          <p:cNvPr id="48" name="Rectangle 8"/>
+          <p:cNvSpPr>
+            <a:spLocks noChangeArrowheads="1"/>
+          </p:cNvSpPr>
+          <p:nvPr/>
+        </p:nvSpPr>
+        <p:spPr bwMode="auto">
+          <a:xfrm>
+            <a:off x="6552822" y="3892550"/>
+            <a:ext cx="9906000" cy="457200"/>
+          </a:xfrm>
+          <a:prstGeom prst="rect">
+            <a:avLst/>
+          </a:prstGeom>
+          <a:noFill/>
+          <a:ln>
+            <a:noFill/>
+          </a:ln>
+          <a:effectLst/>
+          <a:extLst>
+            <a:ext uri="{909E8E84-426E-40DD-AFC4-6F175D3DCCD1}">
+              <a14:hiddenFill xmlns:a14="http://schemas.microsoft.com/office/drawing/2010/main">
+                <a:solidFill>
+                  <a:schemeClr val="accent1"/>
+                </a:solidFill>
+              </a14:hiddenFill>
+            </a:ext>
+            <a:ext uri="{91240B29-F687-4F45-9708-019B960494DF}">
+              <a14:hiddenLine xmlns:a14="http://schemas.microsoft.com/office/drawing/2010/main" w="9525">
+                <a:solidFill>
+                  <a:schemeClr val="tx1"/>
+                </a:solidFill>
+                <a:miter lim="800000"/>
+                <a:headEnd/>
+                <a:tailEnd/>
+              </a14:hiddenLine>
+            </a:ext>
+            <a:ext uri="{AF507438-7753-43E0-B8FC-AC1667EBCBE1}">
+              <a14:hiddenEffects xmlns:a14="http://schemas.microsoft.com/office/drawing/2010/main">
+                <a:effectLst>
+                  <a:outerShdw dist="35921" dir="2700000" algn="ctr" rotWithShape="0">
+                    <a:schemeClr val="bg2"/>
+                  </a:outerShdw>
+                </a:effectLst>
+              </a14:hiddenEffects>
+            </a:ext>
+          </a:extLst>
+        </p:spPr>
+        <p:txBody>
+          <a:bodyPr vert="horz" wrap="none" lIns="91440" tIns="45720" rIns="91440" bIns="45720" numCol="1" anchor="ctr" anchorCtr="0" compatLnSpc="1">
+            <a:prstTxWarp prst="textNoShape">
+              <a:avLst/>
+            </a:prstTxWarp>
+            <a:spAutoFit/>
+          </a:bodyPr>
+          <a:lstStyle/>
+          <a:p>
+            <a:endParaRPr lang="ko-KR" altLang="en-US"/>
+          </a:p>
+        </p:txBody>
+      </p:sp>
+      <p:sp>
+        <p:nvSpPr>
+          <p:cNvPr id="50" name="Rectangle 10"/>
+          <p:cNvSpPr>
+            <a:spLocks noChangeArrowheads="1"/>
+          </p:cNvSpPr>
+          <p:nvPr/>
+        </p:nvSpPr>
+        <p:spPr bwMode="auto">
+          <a:xfrm>
+            <a:off x="0" y="0"/>
+            <a:ext cx="9906000" cy="457200"/>
+          </a:xfrm>
+          <a:prstGeom prst="rect">
+            <a:avLst/>
+          </a:prstGeom>
+          <a:noFill/>
+          <a:ln>
+            <a:noFill/>
+          </a:ln>
+          <a:effectLst/>
+          <a:extLst>
+            <a:ext uri="{909E8E84-426E-40DD-AFC4-6F175D3DCCD1}">
+              <a14:hiddenFill xmlns:a14="http://schemas.microsoft.com/office/drawing/2010/main">
+                <a:solidFill>
+                  <a:schemeClr val="accent1"/>
+                </a:solidFill>
+              </a14:hiddenFill>
+            </a:ext>
+            <a:ext uri="{91240B29-F687-4F45-9708-019B960494DF}">
+              <a14:hiddenLine xmlns:a14="http://schemas.microsoft.com/office/drawing/2010/main" w="9525">
+                <a:solidFill>
+                  <a:schemeClr val="tx1"/>
+                </a:solidFill>
+                <a:miter lim="800000"/>
+                <a:headEnd/>
+                <a:tailEnd/>
+              </a14:hiddenLine>
+            </a:ext>
+            <a:ext uri="{AF507438-7753-43E0-B8FC-AC1667EBCBE1}">
+              <a14:hiddenEffects xmlns:a14="http://schemas.microsoft.com/office/drawing/2010/main">
+                <a:effectLst>
+                  <a:outerShdw dist="35921" dir="2700000" algn="ctr" rotWithShape="0">
+                    <a:schemeClr val="bg2"/>
+                  </a:outerShdw>
+                </a:effectLst>
+              </a14:hiddenEffects>
+            </a:ext>
+          </a:extLst>
+        </p:spPr>
+        <p:txBody>
+          <a:bodyPr vert="horz" wrap="none" lIns="91440" tIns="45720" rIns="91440" bIns="45720" numCol="1" anchor="ctr" anchorCtr="0" compatLnSpc="1">
+            <a:prstTxWarp prst="textNoShape">
+              <a:avLst/>
+            </a:prstTxWarp>
+            <a:spAutoFit/>
+          </a:bodyPr>
+          <a:lstStyle/>
+          <a:p>
+            <a:endParaRPr lang="ko-KR" altLang="en-US"/>
+          </a:p>
+        </p:txBody>
+      </p:sp>
+      <p:sp>
+        <p:nvSpPr>
+          <p:cNvPr id="60" name="TextBox 59"/>
+          <p:cNvSpPr txBox="1"/>
+          <p:nvPr/>
+        </p:nvSpPr>
+        <p:spPr>
+          <a:xfrm>
+            <a:off x="2504367" y="4868545"/>
+            <a:ext cx="5816600" cy="261610"/>
+          </a:xfrm>
+          <a:prstGeom prst="rect">
+            <a:avLst/>
+          </a:prstGeom>
+        </p:spPr>
+        <p:txBody>
+          <a:bodyPr wrap="square" rtlCol="0">
+            <a:spAutoFit/>
+          </a:bodyPr>
+          <a:lstStyle/>
+          <a:p>
+            <a:r>
+              <a:rPr lang="en-US" altLang="ko-KR" sz="1100" dirty="0" smtClean="0"/>
+              <a:t>3)</a:t>
+            </a:r>
+            <a:r>
+              <a:rPr lang="en-US" altLang="ko-KR" sz="1100" dirty="0" err="1" smtClean="0"/>
+              <a:t>TinyGPS</a:t>
+            </a:r>
+            <a:r>
+              <a:rPr lang="en-US" altLang="ko-KR" sz="1100" dirty="0" smtClean="0"/>
+              <a:t> </a:t>
+            </a:r>
+            <a:r>
+              <a:rPr lang="ko-KR" altLang="en-US" sz="1100" dirty="0" smtClean="0"/>
+              <a:t>라이브러리를 활용하여 </a:t>
+            </a:r>
+            <a:r>
+              <a:rPr lang="en-US" altLang="ko-KR" sz="1100" dirty="0" smtClean="0"/>
+              <a:t>NMEA</a:t>
+            </a:r>
+            <a:r>
+              <a:rPr lang="ko-KR" altLang="en-US" sz="1100" dirty="0" err="1" smtClean="0"/>
+              <a:t>메세지를</a:t>
+            </a:r>
+            <a:r>
+              <a:rPr lang="ko-KR" altLang="en-US" sz="1100" dirty="0" smtClean="0"/>
+              <a:t> 독해 가능한 포맷으로 변환</a:t>
+            </a:r>
+            <a:endParaRPr lang="ko-KR" altLang="en-US" sz="1100" dirty="0"/>
+          </a:p>
+        </p:txBody>
+      </p:sp>
+      <p:sp>
+        <p:nvSpPr>
+          <p:cNvPr id="52" name="Rectangle 12"/>
+          <p:cNvSpPr>
+            <a:spLocks noChangeArrowheads="1"/>
+          </p:cNvSpPr>
+          <p:nvPr/>
+        </p:nvSpPr>
+        <p:spPr bwMode="auto">
+          <a:xfrm>
+            <a:off x="0" y="0"/>
+            <a:ext cx="9906000" cy="457200"/>
+          </a:xfrm>
+          <a:prstGeom prst="rect">
+            <a:avLst/>
+          </a:prstGeom>
+          <a:noFill/>
+          <a:ln>
+            <a:noFill/>
+          </a:ln>
+          <a:effectLst/>
+          <a:extLst>
+            <a:ext uri="{909E8E84-426E-40DD-AFC4-6F175D3DCCD1}">
+              <a14:hiddenFill xmlns:a14="http://schemas.microsoft.com/office/drawing/2010/main">
+                <a:solidFill>
+                  <a:schemeClr val="accent1"/>
+                </a:solidFill>
+              </a14:hiddenFill>
+            </a:ext>
+            <a:ext uri="{91240B29-F687-4F45-9708-019B960494DF}">
+              <a14:hiddenLine xmlns:a14="http://schemas.microsoft.com/office/drawing/2010/main" w="9525">
+                <a:solidFill>
+                  <a:schemeClr val="tx1"/>
+                </a:solidFill>
+                <a:miter lim="800000"/>
+                <a:headEnd/>
+                <a:tailEnd/>
+              </a14:hiddenLine>
+            </a:ext>
+            <a:ext uri="{AF507438-7753-43E0-B8FC-AC1667EBCBE1}">
+              <a14:hiddenEffects xmlns:a14="http://schemas.microsoft.com/office/drawing/2010/main">
+                <a:effectLst>
+                  <a:outerShdw dist="35921" dir="2700000" algn="ctr" rotWithShape="0">
+                    <a:schemeClr val="bg2"/>
+                  </a:outerShdw>
+                </a:effectLst>
+              </a14:hiddenEffects>
+            </a:ext>
+          </a:extLst>
+        </p:spPr>
+        <p:txBody>
+          <a:bodyPr vert="horz" wrap="none" lIns="91440" tIns="45720" rIns="91440" bIns="45720" numCol="1" anchor="ctr" anchorCtr="0" compatLnSpc="1">
+            <a:prstTxWarp prst="textNoShape">
+              <a:avLst/>
+            </a:prstTxWarp>
+            <a:spAutoFit/>
+          </a:bodyPr>
+          <a:lstStyle/>
+          <a:p>
+            <a:endParaRPr lang="ko-KR" altLang="en-US"/>
+          </a:p>
+        </p:txBody>
+      </p:sp>
+      <p:pic>
+        <p:nvPicPr>
+          <p:cNvPr id="1035" name="_x404613760" descr="EMB000014cc1328"/>
+          <p:cNvPicPr>
+            <a:picLocks noChangeAspect="1" noChangeArrowheads="1"/>
+          </p:cNvPicPr>
+          <p:nvPr/>
+        </p:nvPicPr>
+        <p:blipFill>
+          <a:blip r:embed="rId7">
+            <a:extLst>
+              <a:ext uri="{28A0092B-C50C-407E-A947-70E740481C1C}">
+                <a14:useLocalDpi xmlns:a14="http://schemas.microsoft.com/office/drawing/2010/main" val="0"/>
+              </a:ext>
+            </a:extLst>
+          </a:blip>
+          <a:srcRect/>
+          <a:stretch>
+            <a:fillRect/>
+          </a:stretch>
+        </p:blipFill>
+        <p:spPr bwMode="auto">
+          <a:xfrm>
+            <a:off x="2484583" y="5130155"/>
+            <a:ext cx="3098800" cy="1660525"/>
+          </a:xfrm>
+          <a:prstGeom prst="rect">
+            <a:avLst/>
+          </a:prstGeom>
+          <a:noFill/>
+          <a:extLst>
+            <a:ext uri="{909E8E84-426E-40DD-AFC4-6F175D3DCCD1}">
+              <a14:hiddenFill xmlns:a14="http://schemas.microsoft.com/office/drawing/2010/main">
+                <a:solidFill>
+                  <a:srgbClr val="FFFFFF"/>
+                </a:solidFill>
+              </a14:hiddenFill>
+            </a:ext>
+          </a:extLst>
+        </p:spPr>
+      </p:pic>
     </p:spTree>
     <p:extLst>
       <p:ext uri="{BB962C8B-B14F-4D97-AF65-F5344CB8AC3E}">
-        <p14:creationId xmlns:p14="http://schemas.microsoft.com/office/powerpoint/2010/main" val="4269920621"/>
+        <p14:creationId xmlns:p14="http://schemas.microsoft.com/office/powerpoint/2010/main" val="1814218153"/>
       </p:ext>
     </p:extLst>
   </p:cSld>
   <p:clrMapOvr>
     <a:masterClrMapping/>
   </p:clrMapOvr>
+  <p:timing>
+    <p:tnLst>
+      <p:par>
+        <p:cTn id="1" dur="indefinite" restart="never" nodeType="tmRoot"/>
+      </p:par>
+    </p:tnLst>
+  </p:timing>
 </p:sld>
 </file>
 
@@ -6211,640 +8076,69 @@
           <a:chExt cx="0" cy="0"/>
         </a:xfrm>
       </p:grpSpPr>
-      <p:sp>
-        <p:nvSpPr>
-          <p:cNvPr id="4" name="TextBox 21"/>
-          <p:cNvSpPr txBox="1"/>
-          <p:nvPr/>
-        </p:nvSpPr>
-        <p:spPr>
+      <p:pic>
+        <p:nvPicPr>
+          <p:cNvPr id="1029" name="Picture 5"/>
+          <p:cNvPicPr>
+            <a:picLocks noChangeAspect="1" noChangeArrowheads="1"/>
+          </p:cNvPicPr>
+          <p:nvPr/>
+        </p:nvPicPr>
+        <p:blipFill>
+          <a:blip r:embed="rId2">
+            <a:extLst>
+              <a:ext uri="{28A0092B-C50C-407E-A947-70E740481C1C}">
+                <a14:useLocalDpi xmlns:a14="http://schemas.microsoft.com/office/drawing/2010/main" val="0"/>
+              </a:ext>
+            </a:extLst>
+          </a:blip>
+          <a:srcRect/>
+          <a:stretch>
+            <a:fillRect/>
+          </a:stretch>
+        </p:blipFill>
+        <p:spPr bwMode="auto">
           <a:xfrm>
-            <a:off x="1119536" y="1156039"/>
-            <a:ext cx="7666926" cy="1157660"/>
+            <a:off x="461745" y="970317"/>
+            <a:ext cx="3676366" cy="2186549"/>
           </a:xfrm>
           <a:prstGeom prst="rect">
             <a:avLst/>
           </a:prstGeom>
-          <a:noFill/>
-        </p:spPr>
-        <p:txBody>
-          <a:bodyPr wrap="square">
-            <a:spAutoFit/>
-          </a:bodyPr>
-          <a:lstStyle/>
-          <a:p>
-            <a:pPr marL="285750" indent="-285750">
-              <a:lnSpc>
-                <a:spcPts val="2800"/>
-              </a:lnSpc>
-              <a:buChar char="-"/>
-              <a:defRPr lang="ko-KR" altLang="en-US"/>
-            </a:pPr>
-            <a:r>
-              <a:rPr lang="ko-KR" altLang="en-US" sz="1900" b="1" dirty="0">
+          <a:ln>
+            <a:noFill/>
+          </a:ln>
+          <a:effectLst>
+            <a:outerShdw blurRad="190500" algn="tl" rotWithShape="0">
+              <a:srgbClr val="000000">
+                <a:alpha val="70000"/>
+              </a:srgbClr>
+            </a:outerShdw>
+          </a:effectLst>
+          <a:extLst>
+            <a:ext uri="{909E8E84-426E-40DD-AFC4-6F175D3DCCD1}">
+              <a14:hiddenFill xmlns:a14="http://schemas.microsoft.com/office/drawing/2010/main">
+                <a:solidFill>
+                  <a:schemeClr val="accent1"/>
+                </a:solidFill>
+              </a14:hiddenFill>
+            </a:ext>
+            <a:ext uri="{91240B29-F687-4F45-9708-019B960494DF}">
+              <a14:hiddenLine xmlns:a14="http://schemas.microsoft.com/office/drawing/2010/main" w="9525">
                 <a:solidFill>
                   <a:schemeClr val="tx1"/>
                 </a:solidFill>
-                <a:latin typeface="HY엽서M"/>
-                <a:ea typeface="HY엽서M"/>
-              </a:rPr>
-              <a:t> </a:t>
-            </a:r>
-            <a:r>
-              <a:rPr lang="ko-KR" altLang="en-US" sz="1900" b="1" dirty="0">
-                <a:solidFill>
-                  <a:srgbClr val="FF0000"/>
-                </a:solidFill>
-                <a:latin typeface="HY엽서M"/>
-                <a:ea typeface="HY엽서M"/>
-              </a:rPr>
-              <a:t>사용자 </a:t>
-            </a:r>
-            <a:r>
-              <a:rPr lang="ko-KR" altLang="en-US" sz="1900" b="1" dirty="0" err="1">
-                <a:solidFill>
-                  <a:srgbClr val="FF0000"/>
-                </a:solidFill>
-                <a:latin typeface="HY엽서M"/>
-                <a:ea typeface="HY엽서M"/>
-              </a:rPr>
-              <a:t>스터디</a:t>
-            </a:r>
-            <a:r>
-              <a:rPr lang="ko-KR" altLang="en-US" sz="1900" b="1" dirty="0">
-                <a:solidFill>
-                  <a:schemeClr val="bg2">
-                    <a:lumMod val="50000"/>
-                  </a:schemeClr>
-                </a:solidFill>
-                <a:latin typeface="HY엽서M"/>
-                <a:ea typeface="HY엽서M"/>
-              </a:rPr>
-              <a:t>(</a:t>
-            </a:r>
-            <a:r>
-              <a:rPr lang="ko-KR" altLang="en-US" sz="1900" b="1" dirty="0" smtClean="0">
-                <a:solidFill>
-                  <a:schemeClr val="bg2">
-                    <a:lumMod val="50000"/>
-                  </a:schemeClr>
-                </a:solidFill>
-                <a:latin typeface="HY엽서M"/>
-                <a:ea typeface="HY엽서M"/>
-              </a:rPr>
-              <a:t>설문조사, </a:t>
-            </a:r>
-            <a:r>
-              <a:rPr lang="ko-KR" altLang="en-US" sz="1900" b="1" dirty="0">
-                <a:solidFill>
-                  <a:schemeClr val="bg2">
-                    <a:lumMod val="50000"/>
-                  </a:schemeClr>
-                </a:solidFill>
-                <a:latin typeface="HY엽서M"/>
-                <a:ea typeface="HY엽서M"/>
-              </a:rPr>
-              <a:t>사용자 인터뷰)와 </a:t>
-            </a:r>
-            <a:r>
-              <a:rPr lang="ko-KR" altLang="en-US" sz="1900" b="1" dirty="0">
-                <a:solidFill>
-                  <a:srgbClr val="FF0000"/>
-                </a:solidFill>
-                <a:latin typeface="HY엽서M"/>
-                <a:ea typeface="HY엽서M"/>
-              </a:rPr>
-              <a:t>시스템 </a:t>
-            </a:r>
-            <a:r>
-              <a:rPr lang="ko-KR" altLang="en-US" sz="1900" b="1" dirty="0" err="1">
-                <a:solidFill>
-                  <a:srgbClr val="FF0000"/>
-                </a:solidFill>
-                <a:latin typeface="HY엽서M"/>
-                <a:ea typeface="HY엽서M"/>
-              </a:rPr>
-              <a:t>스터디</a:t>
-            </a:r>
-            <a:r>
-              <a:rPr lang="ko-KR" altLang="en-US" sz="1900" b="1" dirty="0">
-                <a:solidFill>
-                  <a:schemeClr val="bg2">
-                    <a:lumMod val="50000"/>
-                  </a:schemeClr>
-                </a:solidFill>
-                <a:latin typeface="HY엽서M"/>
-                <a:ea typeface="HY엽서M"/>
-              </a:rPr>
-              <a:t>(제품을  실제 구현 하여 동작흐름 실험한다)</a:t>
-            </a:r>
-            <a:r>
-              <a:rPr lang="ko-KR" altLang="en-US" sz="1900" b="1" dirty="0" err="1">
-                <a:solidFill>
-                  <a:schemeClr val="bg2">
-                    <a:lumMod val="50000"/>
-                  </a:schemeClr>
-                </a:solidFill>
-                <a:latin typeface="HY엽서M"/>
-                <a:ea typeface="HY엽서M"/>
-              </a:rPr>
-              <a:t>를</a:t>
-            </a:r>
-            <a:r>
-              <a:rPr lang="ko-KR" altLang="en-US" sz="1900" b="1" dirty="0">
-                <a:solidFill>
-                  <a:schemeClr val="bg2">
-                    <a:lumMod val="50000"/>
-                  </a:schemeClr>
-                </a:solidFill>
-                <a:latin typeface="HY엽서M"/>
-                <a:ea typeface="HY엽서M"/>
-              </a:rPr>
-              <a:t> </a:t>
-            </a:r>
-            <a:r>
-              <a:rPr lang="ko-KR" altLang="en-US" sz="1900" b="1" dirty="0">
-                <a:solidFill>
-                  <a:srgbClr val="FF0000"/>
-                </a:solidFill>
-                <a:latin typeface="HY엽서M"/>
-                <a:ea typeface="HY엽서M"/>
-              </a:rPr>
-              <a:t>복합적으로 수행</a:t>
-            </a:r>
-            <a:r>
-              <a:rPr lang="ko-KR" altLang="en-US" sz="1900" b="1" dirty="0">
-                <a:solidFill>
-                  <a:schemeClr val="bg2">
-                    <a:lumMod val="50000"/>
-                  </a:schemeClr>
-                </a:solidFill>
-                <a:latin typeface="HY엽서M"/>
-                <a:ea typeface="HY엽서M"/>
-              </a:rPr>
-              <a:t>한다.</a:t>
-            </a:r>
-          </a:p>
-          <a:p>
-            <a:pPr marL="285750" indent="-285750">
-              <a:lnSpc>
-                <a:spcPts val="2800"/>
-              </a:lnSpc>
-              <a:buChar char="-"/>
-              <a:defRPr lang="ko-KR" altLang="en-US"/>
-            </a:pPr>
-            <a:endParaRPr lang="ko-KR" altLang="en-US" sz="1900" b="1" dirty="0">
-              <a:solidFill>
-                <a:schemeClr val="bg2">
-                  <a:lumMod val="50000"/>
-                </a:schemeClr>
-              </a:solidFill>
-              <a:latin typeface="HY엽서M"/>
-              <a:ea typeface="HY엽서M"/>
-            </a:endParaRPr>
-          </a:p>
-        </p:txBody>
-      </p:sp>
-      <p:sp>
-        <p:nvSpPr>
-          <p:cNvPr id="5" name="모서리가 둥근 직사각형 25"/>
-          <p:cNvSpPr/>
-          <p:nvPr/>
-        </p:nvSpPr>
-        <p:spPr>
-          <a:xfrm>
-            <a:off x="871705" y="2807469"/>
-            <a:ext cx="8200689" cy="1243060"/>
-          </a:xfrm>
-          <a:prstGeom prst="roundRect">
-            <a:avLst>
-              <a:gd name="adj" fmla="val 16667"/>
-            </a:avLst>
-          </a:prstGeom>
-          <a:solidFill>
-            <a:srgbClr val="F2F2F2">
-              <a:alpha val="36860"/>
-            </a:srgbClr>
-          </a:solidFill>
-          <a:ln w="38100">
-            <a:solidFill>
-              <a:schemeClr val="accent1">
-                <a:lumMod val="40000"/>
-                <a:lumOff val="60000"/>
-              </a:schemeClr>
-            </a:solidFill>
-          </a:ln>
-        </p:spPr>
-        <p:style>
-          <a:lnRef idx="2">
-            <a:schemeClr val="accent1">
-              <a:shade val="50000"/>
-            </a:schemeClr>
-          </a:lnRef>
-          <a:fillRef idx="1">
-            <a:schemeClr val="accent1"/>
-          </a:fillRef>
-          <a:effectRef idx="0">
-            <a:schemeClr val="accent1"/>
-          </a:effectRef>
-          <a:fontRef idx="minor">
-            <a:schemeClr val="lt1"/>
-          </a:fontRef>
-        </p:style>
-        <p:txBody>
-          <a:bodyPr anchor="ctr"/>
-          <a:lstStyle/>
-          <a:p>
-            <a:pPr algn="ctr">
-              <a:defRPr lang="ko-KR" altLang="en-US"/>
-            </a:pPr>
-            <a:endParaRPr lang="ko-KR" altLang="en-US"/>
-          </a:p>
-        </p:txBody>
-      </p:sp>
-      <p:sp>
-        <p:nvSpPr>
-          <p:cNvPr id="6" name="TextBox 21"/>
-          <p:cNvSpPr txBox="1"/>
-          <p:nvPr/>
-        </p:nvSpPr>
-        <p:spPr>
-          <a:xfrm>
-            <a:off x="1171006" y="3078971"/>
-            <a:ext cx="7666926" cy="1510174"/>
-          </a:xfrm>
-          <a:prstGeom prst="rect">
-            <a:avLst/>
-          </a:prstGeom>
-          <a:noFill/>
-        </p:spPr>
-        <p:txBody>
-          <a:bodyPr wrap="square">
-            <a:spAutoFit/>
-          </a:bodyPr>
-          <a:lstStyle/>
-          <a:p>
-            <a:pPr marL="285750" indent="-285750">
-              <a:lnSpc>
-                <a:spcPts val="2800"/>
-              </a:lnSpc>
-              <a:buChar char="-"/>
-              <a:defRPr lang="ko-KR" altLang="en-US"/>
-            </a:pPr>
-            <a:r>
-              <a:rPr lang="ko-KR" altLang="en-US" sz="1700" dirty="0">
-                <a:solidFill>
-                  <a:schemeClr val="bg2">
-                    <a:lumMod val="50000"/>
-                  </a:schemeClr>
-                </a:solidFill>
-                <a:latin typeface="HY엽서M"/>
-                <a:ea typeface="HY엽서M"/>
-              </a:rPr>
-              <a:t>7세이하의 자녀와 그 아이를 키우고 있는 부모</a:t>
-            </a:r>
-          </a:p>
-          <a:p>
-            <a:pPr marL="285750" indent="-285750">
-              <a:lnSpc>
-                <a:spcPts val="2800"/>
-              </a:lnSpc>
-              <a:buChar char="-"/>
-              <a:defRPr lang="ko-KR" altLang="en-US"/>
-            </a:pPr>
-            <a:r>
-              <a:rPr lang="ko-KR" altLang="en-US" sz="1700" dirty="0">
-                <a:solidFill>
-                  <a:schemeClr val="bg2">
-                    <a:lumMod val="50000"/>
-                  </a:schemeClr>
-                </a:solidFill>
-                <a:latin typeface="HY엽서M"/>
-                <a:ea typeface="HY엽서M"/>
-              </a:rPr>
-              <a:t>주변의 도움이 필요한 지적 장애인, 노약자들과 그들의 보호자</a:t>
-            </a:r>
-          </a:p>
-          <a:p>
-            <a:pPr marL="285750" indent="-285750">
-              <a:lnSpc>
-                <a:spcPts val="2800"/>
-              </a:lnSpc>
-              <a:buChar char="-"/>
-              <a:defRPr lang="ko-KR" altLang="en-US"/>
-            </a:pPr>
-            <a:endParaRPr lang="ko-KR" altLang="en-US" sz="1700" dirty="0">
-              <a:solidFill>
-                <a:schemeClr val="bg2">
-                  <a:lumMod val="50000"/>
-                </a:schemeClr>
-              </a:solidFill>
-              <a:latin typeface="HY엽서M"/>
-              <a:ea typeface="HY엽서M"/>
-            </a:endParaRPr>
-          </a:p>
-          <a:p>
-            <a:pPr marL="285750" indent="-285750">
-              <a:lnSpc>
-                <a:spcPts val="2800"/>
-              </a:lnSpc>
-              <a:buChar char="-"/>
-              <a:defRPr lang="ko-KR" altLang="en-US"/>
-            </a:pPr>
-            <a:endParaRPr lang="ko-KR" altLang="en-US" sz="1700" dirty="0">
-              <a:solidFill>
-                <a:schemeClr val="bg2">
-                  <a:lumMod val="50000"/>
-                </a:schemeClr>
-              </a:solidFill>
-              <a:latin typeface="HY엽서M"/>
-              <a:ea typeface="HY엽서M"/>
-            </a:endParaRPr>
-          </a:p>
-        </p:txBody>
-      </p:sp>
-      <p:sp>
-        <p:nvSpPr>
-          <p:cNvPr id="7" name="TextBox 26"/>
-          <p:cNvSpPr txBox="1"/>
-          <p:nvPr/>
-        </p:nvSpPr>
-        <p:spPr>
-          <a:xfrm>
-            <a:off x="3203842" y="2556019"/>
-            <a:ext cx="3498315" cy="518651"/>
-          </a:xfrm>
-          <a:prstGeom prst="rect">
-            <a:avLst/>
-          </a:prstGeom>
-          <a:gradFill>
-            <a:gsLst>
-              <a:gs pos="0">
-                <a:srgbClr val="FFFFFF"/>
-              </a:gs>
-              <a:gs pos="100000">
-                <a:srgbClr val="FAFAFA"/>
-              </a:gs>
-            </a:gsLst>
-            <a:lin ang="5400000" scaled="1"/>
-          </a:gradFill>
-        </p:spPr>
-        <p:txBody>
-          <a:bodyPr wrap="none">
-            <a:spAutoFit/>
-          </a:bodyPr>
-          <a:lstStyle/>
-          <a:p>
-            <a:pPr lvl="0">
-              <a:defRPr lang="ko-KR" altLang="en-US"/>
-            </a:pPr>
-            <a:r>
-              <a:rPr lang="en-US" altLang="ko-KR" sz="2800" b="1">
-                <a:solidFill>
-                  <a:schemeClr val="tx1">
-                    <a:lumMod val="65000"/>
-                    <a:lumOff val="35000"/>
-                  </a:schemeClr>
-                </a:solidFill>
-              </a:rPr>
-              <a:t>[</a:t>
-            </a:r>
-            <a:r>
-              <a:rPr lang="ko-KR" altLang="en-US" sz="2800" b="1">
-                <a:solidFill>
-                  <a:schemeClr val="tx1">
-                    <a:lumMod val="65000"/>
-                    <a:lumOff val="35000"/>
-                  </a:schemeClr>
-                </a:solidFill>
-              </a:rPr>
-              <a:t>사용자 스터디  대상</a:t>
-            </a:r>
-            <a:r>
-              <a:rPr lang="en-US" altLang="ko-KR" sz="2800" b="1">
-                <a:solidFill>
-                  <a:schemeClr val="tx1">
-                    <a:lumMod val="65000"/>
-                    <a:lumOff val="35000"/>
-                  </a:schemeClr>
-                </a:solidFill>
-              </a:rPr>
-              <a:t>]</a:t>
-            </a:r>
-          </a:p>
-        </p:txBody>
-      </p:sp>
-      <p:sp>
-        <p:nvSpPr>
-          <p:cNvPr id="8" name="모서리가 둥근 직사각형 25"/>
-          <p:cNvSpPr/>
-          <p:nvPr/>
-        </p:nvSpPr>
-        <p:spPr>
-          <a:xfrm>
-            <a:off x="881230" y="4417194"/>
-            <a:ext cx="8200689" cy="1243060"/>
-          </a:xfrm>
-          <a:prstGeom prst="roundRect">
-            <a:avLst>
-              <a:gd name="adj" fmla="val 16667"/>
-            </a:avLst>
-          </a:prstGeom>
-          <a:solidFill>
-            <a:srgbClr val="F2F2F2">
-              <a:alpha val="36860"/>
-            </a:srgbClr>
-          </a:solidFill>
-          <a:ln w="38100">
-            <a:solidFill>
-              <a:schemeClr val="accent1">
-                <a:lumMod val="40000"/>
-                <a:lumOff val="60000"/>
-              </a:schemeClr>
-            </a:solidFill>
-          </a:ln>
-        </p:spPr>
-        <p:style>
-          <a:lnRef idx="2">
-            <a:schemeClr val="accent1">
-              <a:shade val="50000"/>
-            </a:schemeClr>
-          </a:lnRef>
-          <a:fillRef idx="1">
-            <a:schemeClr val="accent1"/>
-          </a:fillRef>
-          <a:effectRef idx="0">
-            <a:schemeClr val="accent1"/>
-          </a:effectRef>
-          <a:fontRef idx="minor">
-            <a:schemeClr val="lt1"/>
-          </a:fontRef>
-        </p:style>
-        <p:txBody>
-          <a:bodyPr anchor="ctr"/>
-          <a:lstStyle/>
-          <a:p>
-            <a:pPr algn="ctr">
-              <a:defRPr lang="ko-KR" altLang="en-US"/>
-            </a:pPr>
-            <a:endParaRPr lang="ko-KR" altLang="en-US"/>
-          </a:p>
-        </p:txBody>
-      </p:sp>
-      <p:sp>
-        <p:nvSpPr>
-          <p:cNvPr id="9" name="TextBox 21"/>
-          <p:cNvSpPr txBox="1"/>
-          <p:nvPr/>
-        </p:nvSpPr>
-        <p:spPr>
-          <a:xfrm>
-            <a:off x="1304356" y="4698221"/>
-            <a:ext cx="7666926" cy="1510174"/>
-          </a:xfrm>
-          <a:prstGeom prst="rect">
-            <a:avLst/>
-          </a:prstGeom>
-          <a:noFill/>
-        </p:spPr>
-        <p:txBody>
-          <a:bodyPr wrap="square">
-            <a:spAutoFit/>
-          </a:bodyPr>
-          <a:lstStyle/>
-          <a:p>
-            <a:pPr marL="285750" indent="-285750">
-              <a:lnSpc>
-                <a:spcPts val="2800"/>
-              </a:lnSpc>
-              <a:buChar char="-"/>
-              <a:defRPr lang="ko-KR" altLang="en-US"/>
-            </a:pPr>
-            <a:r>
-              <a:rPr lang="ko-KR" altLang="en-US" sz="1700">
-                <a:solidFill>
-                  <a:schemeClr val="bg2">
-                    <a:lumMod val="50000"/>
-                  </a:schemeClr>
-                </a:solidFill>
-                <a:latin typeface="HY엽서M"/>
-                <a:ea typeface="HY엽서M"/>
-              </a:rPr>
-              <a:t>제작된 테스트 제품을 위의 사용자들에게 배포하여 일정기간 사용을 하도록 요청 후 , 설문조사 인터뷰를 받습니다.</a:t>
-            </a:r>
-          </a:p>
-          <a:p>
-            <a:pPr marL="285750" indent="-285750">
-              <a:lnSpc>
-                <a:spcPts val="2800"/>
-              </a:lnSpc>
-              <a:buChar char="-"/>
-              <a:defRPr lang="ko-KR" altLang="en-US"/>
-            </a:pPr>
-            <a:endParaRPr lang="ko-KR" altLang="en-US" sz="1700">
-              <a:solidFill>
-                <a:schemeClr val="bg2">
-                  <a:lumMod val="50000"/>
-                </a:schemeClr>
-              </a:solidFill>
-              <a:latin typeface="HY엽서M"/>
-              <a:ea typeface="HY엽서M"/>
-            </a:endParaRPr>
-          </a:p>
-          <a:p>
-            <a:pPr marL="285750" indent="-285750">
-              <a:lnSpc>
-                <a:spcPts val="2800"/>
-              </a:lnSpc>
-              <a:buChar char="-"/>
-              <a:defRPr lang="ko-KR" altLang="en-US"/>
-            </a:pPr>
-            <a:endParaRPr lang="ko-KR" altLang="en-US" sz="1700">
-              <a:solidFill>
-                <a:schemeClr val="bg2">
-                  <a:lumMod val="50000"/>
-                </a:schemeClr>
-              </a:solidFill>
-              <a:latin typeface="HY엽서M"/>
-              <a:ea typeface="HY엽서M"/>
-            </a:endParaRPr>
-          </a:p>
-        </p:txBody>
-      </p:sp>
-      <p:sp>
-        <p:nvSpPr>
-          <p:cNvPr id="10" name="TextBox 26"/>
-          <p:cNvSpPr txBox="1"/>
-          <p:nvPr/>
-        </p:nvSpPr>
-        <p:spPr>
-          <a:xfrm>
-            <a:off x="3513405" y="4107680"/>
-            <a:ext cx="3074085" cy="519565"/>
-          </a:xfrm>
-          <a:prstGeom prst="rect">
-            <a:avLst/>
-          </a:prstGeom>
-          <a:gradFill>
-            <a:gsLst>
-              <a:gs pos="0">
-                <a:srgbClr val="FFFFFF"/>
-              </a:gs>
-              <a:gs pos="100000">
-                <a:srgbClr val="FAFAFA"/>
-              </a:gs>
-            </a:gsLst>
-            <a:lin ang="5400000" scaled="1"/>
-          </a:gradFill>
-        </p:spPr>
-        <p:txBody>
-          <a:bodyPr wrap="none">
-            <a:spAutoFit/>
-          </a:bodyPr>
-          <a:lstStyle/>
-          <a:p>
-            <a:pPr lvl="0">
-              <a:defRPr lang="ko-KR" altLang="en-US"/>
-            </a:pPr>
-            <a:r>
-              <a:rPr lang="en-US" altLang="ko-KR" sz="2800" b="1">
-                <a:solidFill>
-                  <a:schemeClr val="tx1">
-                    <a:lumMod val="65000"/>
-                    <a:lumOff val="35000"/>
-                  </a:schemeClr>
-                </a:solidFill>
-              </a:rPr>
-              <a:t>[</a:t>
-            </a:r>
-            <a:r>
-              <a:rPr lang="ko-KR" altLang="en-US" sz="2800" b="1">
-                <a:solidFill>
-                  <a:schemeClr val="tx1">
-                    <a:lumMod val="65000"/>
-                    <a:lumOff val="35000"/>
-                  </a:schemeClr>
-                </a:solidFill>
-              </a:rPr>
-              <a:t>실제 구현후 실험</a:t>
-            </a:r>
-            <a:r>
-              <a:rPr lang="en-US" altLang="ko-KR" sz="2800" b="1">
-                <a:solidFill>
-                  <a:schemeClr val="tx1">
-                    <a:lumMod val="65000"/>
-                    <a:lumOff val="35000"/>
-                  </a:schemeClr>
-                </a:solidFill>
-              </a:rPr>
-              <a:t>]</a:t>
-            </a:r>
-          </a:p>
-        </p:txBody>
-      </p:sp>
-      <p:sp>
-        <p:nvSpPr>
-          <p:cNvPr id="11" name="모서리가 둥근 직사각형 31"/>
+                <a:miter lim="800000"/>
+                <a:headEnd/>
+                <a:tailEnd/>
+              </a14:hiddenLine>
+            </a:ext>
+          </a:extLst>
+        </p:spPr>
+      </p:pic>
+      <p:sp>
+        <p:nvSpPr>
+          <p:cNvPr id="10" name="모서리가 둥근 직사각형 9"/>
           <p:cNvSpPr/>
           <p:nvPr/>
         </p:nvSpPr>
@@ -6928,26 +8222,24 @@
           </a:fontRef>
         </p:style>
         <p:txBody>
-          <a:bodyPr anchor="ctr"/>
+          <a:bodyPr rtlCol="0" anchor="ctr"/>
           <a:lstStyle/>
           <a:p>
-            <a:pPr algn="ctr">
-              <a:defRPr lang="ko-KR" altLang="en-US"/>
-            </a:pPr>
+            <a:pPr algn="ctr"/>
             <a:endParaRPr lang="ko-KR" altLang="en-US"/>
           </a:p>
         </p:txBody>
       </p:sp>
       <p:sp>
         <p:nvSpPr>
-          <p:cNvPr id="12" name="TextBox 24"/>
+          <p:cNvPr id="11" name="TextBox 10"/>
           <p:cNvSpPr txBox="1"/>
           <p:nvPr/>
         </p:nvSpPr>
         <p:spPr>
           <a:xfrm>
-            <a:off x="3070860" y="15990"/>
-            <a:ext cx="4011930" cy="572655"/>
+            <a:off x="4011190" y="15990"/>
+            <a:ext cx="1970411" cy="584775"/>
           </a:xfrm>
           <a:prstGeom prst="rect">
             <a:avLst/>
@@ -6955,16 +8247,14 @@
           <a:noFill/>
         </p:spPr>
         <p:txBody>
-          <a:bodyPr wrap="none">
+          <a:bodyPr wrap="none" rtlCol="0">
             <a:spAutoFit/>
           </a:bodyPr>
           <a:lstStyle/>
           <a:p>
-            <a:pPr algn="ctr">
-              <a:defRPr lang="ko-KR" altLang="en-US"/>
-            </a:pPr>
-            <a:r>
-              <a:rPr lang="ko-KR" altLang="en-US" sz="3200" b="1">
+            <a:pPr algn="ctr"/>
+            <a:r>
+              <a:rPr lang="ko-KR" altLang="en-US" sz="3200" b="1" dirty="0" smtClean="0">
                 <a:solidFill>
                   <a:schemeClr val="tx1">
                     <a:lumMod val="75000"/>
@@ -6973,17 +8263,344 @@
                 </a:solidFill>
                 <a:latin typeface="+mn-ea"/>
               </a:rPr>
-              <a:t>실험 의 대상 및 종류</a:t>
-            </a:r>
+              <a:t>상세 설계</a:t>
+            </a:r>
+            <a:endParaRPr lang="ko-KR" altLang="en-US" sz="3200" b="1" dirty="0">
+              <a:solidFill>
+                <a:schemeClr val="tx1">
+                  <a:lumMod val="75000"/>
+                  <a:lumOff val="25000"/>
+                </a:schemeClr>
+              </a:solidFill>
+              <a:latin typeface="+mn-ea"/>
+            </a:endParaRPr>
+          </a:p>
+        </p:txBody>
+      </p:sp>
+      <p:pic>
+        <p:nvPicPr>
+          <p:cNvPr id="1031" name="Picture 7"/>
+          <p:cNvPicPr>
+            <a:picLocks noChangeAspect="1" noChangeArrowheads="1"/>
+          </p:cNvPicPr>
+          <p:nvPr/>
+        </p:nvPicPr>
+        <p:blipFill>
+          <a:blip r:embed="rId3">
+            <a:extLst>
+              <a:ext uri="{28A0092B-C50C-407E-A947-70E740481C1C}">
+                <a14:useLocalDpi xmlns:a14="http://schemas.microsoft.com/office/drawing/2010/main" val="0"/>
+              </a:ext>
+            </a:extLst>
+          </a:blip>
+          <a:srcRect/>
+          <a:stretch>
+            <a:fillRect/>
+          </a:stretch>
+        </p:blipFill>
+        <p:spPr bwMode="auto">
+          <a:xfrm>
+            <a:off x="5527526" y="917051"/>
+            <a:ext cx="3676366" cy="2186549"/>
+          </a:xfrm>
+          <a:prstGeom prst="rect">
+            <a:avLst/>
+          </a:prstGeom>
+          <a:ln>
+            <a:noFill/>
+          </a:ln>
+          <a:effectLst>
+            <a:outerShdw blurRad="190500" algn="tl" rotWithShape="0">
+              <a:srgbClr val="000000">
+                <a:alpha val="70000"/>
+              </a:srgbClr>
+            </a:outerShdw>
+          </a:effectLst>
+          <a:extLst>
+            <a:ext uri="{909E8E84-426E-40DD-AFC4-6F175D3DCCD1}">
+              <a14:hiddenFill xmlns:a14="http://schemas.microsoft.com/office/drawing/2010/main">
+                <a:solidFill>
+                  <a:schemeClr val="accent1"/>
+                </a:solidFill>
+              </a14:hiddenFill>
+            </a:ext>
+            <a:ext uri="{91240B29-F687-4F45-9708-019B960494DF}">
+              <a14:hiddenLine xmlns:a14="http://schemas.microsoft.com/office/drawing/2010/main" w="9525">
+                <a:solidFill>
+                  <a:schemeClr val="tx1"/>
+                </a:solidFill>
+                <a:miter lim="800000"/>
+                <a:headEnd/>
+                <a:tailEnd/>
+              </a14:hiddenLine>
+            </a:ext>
+          </a:extLst>
+        </p:spPr>
+      </p:pic>
+      <p:pic>
+        <p:nvPicPr>
+          <p:cNvPr id="1032" name="Picture 8"/>
+          <p:cNvPicPr>
+            <a:picLocks noChangeAspect="1" noChangeArrowheads="1"/>
+          </p:cNvPicPr>
+          <p:nvPr/>
+        </p:nvPicPr>
+        <p:blipFill>
+          <a:blip r:embed="rId4">
+            <a:extLst>
+              <a:ext uri="{28A0092B-C50C-407E-A947-70E740481C1C}">
+                <a14:useLocalDpi xmlns:a14="http://schemas.microsoft.com/office/drawing/2010/main" val="0"/>
+              </a:ext>
+            </a:extLst>
+          </a:blip>
+          <a:srcRect/>
+          <a:stretch>
+            <a:fillRect/>
+          </a:stretch>
+        </p:blipFill>
+        <p:spPr bwMode="auto">
+          <a:xfrm>
+            <a:off x="2460454" y="3606131"/>
+            <a:ext cx="4333008" cy="2750282"/>
+          </a:xfrm>
+          <a:prstGeom prst="rect">
+            <a:avLst/>
+          </a:prstGeom>
+          <a:ln>
+            <a:noFill/>
+          </a:ln>
+          <a:effectLst>
+            <a:outerShdw blurRad="190500" algn="tl" rotWithShape="0">
+              <a:srgbClr val="000000">
+                <a:alpha val="70000"/>
+              </a:srgbClr>
+            </a:outerShdw>
+          </a:effectLst>
+          <a:extLst>
+            <a:ext uri="{909E8E84-426E-40DD-AFC4-6F175D3DCCD1}">
+              <a14:hiddenFill xmlns:a14="http://schemas.microsoft.com/office/drawing/2010/main">
+                <a:solidFill>
+                  <a:schemeClr val="accent1"/>
+                </a:solidFill>
+              </a14:hiddenFill>
+            </a:ext>
+            <a:ext uri="{91240B29-F687-4F45-9708-019B960494DF}">
+              <a14:hiddenLine xmlns:a14="http://schemas.microsoft.com/office/drawing/2010/main" w="9525">
+                <a:solidFill>
+                  <a:schemeClr val="tx1"/>
+                </a:solidFill>
+                <a:miter lim="800000"/>
+                <a:headEnd/>
+                <a:tailEnd/>
+              </a14:hiddenLine>
+            </a:ext>
+          </a:extLst>
+        </p:spPr>
+      </p:pic>
+      <p:sp>
+        <p:nvSpPr>
+          <p:cNvPr id="15" name="TextBox 14"/>
+          <p:cNvSpPr txBox="1"/>
+          <p:nvPr/>
+        </p:nvSpPr>
+        <p:spPr>
+          <a:xfrm>
+            <a:off x="1172847" y="3190907"/>
+            <a:ext cx="2097509" cy="307777"/>
+          </a:xfrm>
+          <a:prstGeom prst="rect">
+            <a:avLst/>
+          </a:prstGeom>
+          <a:noFill/>
+        </p:spPr>
+        <p:txBody>
+          <a:bodyPr wrap="square" rtlCol="0">
+            <a:spAutoFit/>
+          </a:bodyPr>
+          <a:lstStyle/>
+          <a:p>
+            <a:r>
+              <a:rPr lang="ko-KR" altLang="en-US" sz="1400" b="1" dirty="0" smtClean="0">
+                <a:solidFill>
+                  <a:schemeClr val="tx1">
+                    <a:lumMod val="65000"/>
+                    <a:lumOff val="35000"/>
+                  </a:schemeClr>
+                </a:solidFill>
+              </a:rPr>
+              <a:t>옷의 정보저장 클래스</a:t>
+            </a:r>
+            <a:endParaRPr lang="ko-KR" altLang="en-US" sz="1400" b="1" dirty="0">
+              <a:solidFill>
+                <a:schemeClr val="tx1">
+                  <a:lumMod val="65000"/>
+                  <a:lumOff val="35000"/>
+                </a:schemeClr>
+              </a:solidFill>
+            </a:endParaRPr>
+          </a:p>
+        </p:txBody>
+      </p:sp>
+      <p:sp>
+        <p:nvSpPr>
+          <p:cNvPr id="16" name="TextBox 15"/>
+          <p:cNvSpPr txBox="1"/>
+          <p:nvPr/>
+        </p:nvSpPr>
+        <p:spPr>
+          <a:xfrm>
+            <a:off x="5806228" y="3192683"/>
+            <a:ext cx="3406542" cy="307777"/>
+          </a:xfrm>
+          <a:prstGeom prst="rect">
+            <a:avLst/>
+          </a:prstGeom>
+          <a:noFill/>
+        </p:spPr>
+        <p:txBody>
+          <a:bodyPr wrap="square" rtlCol="0">
+            <a:spAutoFit/>
+          </a:bodyPr>
+          <a:lstStyle/>
+          <a:p>
+            <a:r>
+              <a:rPr lang="ko-KR" altLang="en-US" sz="1400" b="1" dirty="0" smtClean="0">
+                <a:solidFill>
+                  <a:schemeClr val="tx1">
+                    <a:lumMod val="65000"/>
+                    <a:lumOff val="35000"/>
+                  </a:schemeClr>
+                </a:solidFill>
+              </a:rPr>
+              <a:t>핸드폰에서 보내온 정보를 받는 클래스</a:t>
+            </a:r>
+            <a:endParaRPr lang="ko-KR" altLang="en-US" sz="1400" b="1" dirty="0">
+              <a:solidFill>
+                <a:schemeClr val="tx1">
+                  <a:lumMod val="65000"/>
+                  <a:lumOff val="35000"/>
+                </a:schemeClr>
+              </a:solidFill>
+            </a:endParaRPr>
+          </a:p>
+        </p:txBody>
+      </p:sp>
+      <p:sp>
+        <p:nvSpPr>
+          <p:cNvPr id="17" name="TextBox 16"/>
+          <p:cNvSpPr txBox="1"/>
+          <p:nvPr/>
+        </p:nvSpPr>
+        <p:spPr>
+          <a:xfrm>
+            <a:off x="3277584" y="6387184"/>
+            <a:ext cx="3406542" cy="307777"/>
+          </a:xfrm>
+          <a:prstGeom prst="rect">
+            <a:avLst/>
+          </a:prstGeom>
+          <a:noFill/>
+        </p:spPr>
+        <p:txBody>
+          <a:bodyPr wrap="square" rtlCol="0">
+            <a:spAutoFit/>
+          </a:bodyPr>
+          <a:lstStyle/>
+          <a:p>
+            <a:r>
+              <a:rPr lang="ko-KR" altLang="en-US" sz="1400" b="1" dirty="0" smtClean="0">
+                <a:solidFill>
+                  <a:schemeClr val="tx1">
+                    <a:lumMod val="65000"/>
+                    <a:lumOff val="35000"/>
+                  </a:schemeClr>
+                </a:solidFill>
+              </a:rPr>
+              <a:t>옷</a:t>
+            </a:r>
+            <a:r>
+              <a:rPr lang="en-US" altLang="ko-KR" sz="1400" b="1" dirty="0" smtClean="0">
+                <a:solidFill>
+                  <a:schemeClr val="tx1">
+                    <a:lumMod val="65000"/>
+                    <a:lumOff val="35000"/>
+                  </a:schemeClr>
+                </a:solidFill>
+              </a:rPr>
+              <a:t>(</a:t>
+            </a:r>
+            <a:r>
+              <a:rPr lang="ko-KR" altLang="en-US" sz="1400" b="1" dirty="0" smtClean="0">
+                <a:solidFill>
+                  <a:schemeClr val="tx1">
+                    <a:lumMod val="65000"/>
+                    <a:lumOff val="35000"/>
+                  </a:schemeClr>
+                </a:solidFill>
+              </a:rPr>
+              <a:t>디바이</a:t>
+            </a:r>
+            <a:r>
+              <a:rPr lang="ko-KR" altLang="en-US" sz="1400" b="1" dirty="0">
+                <a:solidFill>
+                  <a:schemeClr val="tx1">
+                    <a:lumMod val="65000"/>
+                    <a:lumOff val="35000"/>
+                  </a:schemeClr>
+                </a:solidFill>
+              </a:rPr>
+              <a:t>스</a:t>
+            </a:r>
+            <a:r>
+              <a:rPr lang="en-US" altLang="ko-KR" sz="1400" b="1" dirty="0" smtClean="0">
+                <a:solidFill>
+                  <a:schemeClr val="tx1">
+                    <a:lumMod val="65000"/>
+                    <a:lumOff val="35000"/>
+                  </a:schemeClr>
+                </a:solidFill>
+              </a:rPr>
+              <a:t>)</a:t>
+            </a:r>
+            <a:r>
+              <a:rPr lang="ko-KR" altLang="en-US" sz="1400" b="1" dirty="0" smtClean="0">
+                <a:solidFill>
+                  <a:schemeClr val="tx1">
+                    <a:lumMod val="65000"/>
+                    <a:lumOff val="35000"/>
+                  </a:schemeClr>
+                </a:solidFill>
+              </a:rPr>
+              <a:t>에서 보낼 정보 클래스</a:t>
+            </a:r>
+            <a:endParaRPr lang="ko-KR" altLang="en-US" sz="1400" b="1" dirty="0">
+              <a:solidFill>
+                <a:schemeClr val="tx1">
+                  <a:lumMod val="65000"/>
+                  <a:lumOff val="35000"/>
+                </a:schemeClr>
+              </a:solidFill>
+            </a:endParaRPr>
           </a:p>
         </p:txBody>
       </p:sp>
     </p:spTree>
+    <p:extLst>
+      <p:ext uri="{BB962C8B-B14F-4D97-AF65-F5344CB8AC3E}">
+        <p14:creationId xmlns:p14="http://schemas.microsoft.com/office/powerpoint/2010/main" val="1566366424"/>
+      </p:ext>
+    </p:extLst>
   </p:cSld>
   <p:clrMapOvr>
     <a:masterClrMapping/>
   </p:clrMapOvr>
-  <p:transition/>
+  <p:timing>
+    <p:tnLst>
+      <p:par>
+        <p:cTn id="1" dur="indefinite" restart="never" nodeType="tmRoot"/>
+      </p:par>
+    </p:tnLst>
+  </p:timing>
 </p:sld>
 </file>
 
@@ -7004,9 +8621,321 @@
           <a:chExt cx="0" cy="0"/>
         </a:xfrm>
       </p:grpSpPr>
-      <p:sp>
-        <p:nvSpPr>
-          <p:cNvPr id="2" name="모서리가 둥근 직사각형 31"/>
+      <p:pic>
+        <p:nvPicPr>
+          <p:cNvPr id="2050" name="Picture 2"/>
+          <p:cNvPicPr>
+            <a:picLocks noChangeAspect="1" noChangeArrowheads="1"/>
+          </p:cNvPicPr>
+          <p:nvPr/>
+        </p:nvPicPr>
+        <p:blipFill>
+          <a:blip r:embed="rId2">
+            <a:extLst>
+              <a:ext uri="{28A0092B-C50C-407E-A947-70E740481C1C}">
+                <a14:useLocalDpi xmlns:a14="http://schemas.microsoft.com/office/drawing/2010/main" val="0"/>
+              </a:ext>
+            </a:extLst>
+          </a:blip>
+          <a:srcRect/>
+          <a:stretch>
+            <a:fillRect/>
+          </a:stretch>
+        </p:blipFill>
+        <p:spPr bwMode="auto">
+          <a:xfrm>
+            <a:off x="897945" y="947591"/>
+            <a:ext cx="3597875" cy="2145310"/>
+          </a:xfrm>
+          <a:prstGeom prst="rect">
+            <a:avLst/>
+          </a:prstGeom>
+          <a:ln>
+            <a:noFill/>
+          </a:ln>
+          <a:effectLst>
+            <a:outerShdw blurRad="292100" dist="139700" dir="2700000" algn="tl" rotWithShape="0">
+              <a:srgbClr val="333333">
+                <a:alpha val="65000"/>
+              </a:srgbClr>
+            </a:outerShdw>
+          </a:effectLst>
+          <a:extLst>
+            <a:ext uri="{909E8E84-426E-40DD-AFC4-6F175D3DCCD1}">
+              <a14:hiddenFill xmlns:a14="http://schemas.microsoft.com/office/drawing/2010/main">
+                <a:solidFill>
+                  <a:schemeClr val="accent1"/>
+                </a:solidFill>
+              </a14:hiddenFill>
+            </a:ext>
+            <a:ext uri="{91240B29-F687-4F45-9708-019B960494DF}">
+              <a14:hiddenLine xmlns:a14="http://schemas.microsoft.com/office/drawing/2010/main" w="9525">
+                <a:solidFill>
+                  <a:schemeClr val="tx1"/>
+                </a:solidFill>
+                <a:miter lim="800000"/>
+                <a:headEnd/>
+                <a:tailEnd/>
+              </a14:hiddenLine>
+            </a:ext>
+          </a:extLst>
+        </p:spPr>
+      </p:pic>
+      <p:pic>
+        <p:nvPicPr>
+          <p:cNvPr id="2051" name="Picture 3"/>
+          <p:cNvPicPr>
+            <a:picLocks noChangeAspect="1" noChangeArrowheads="1"/>
+          </p:cNvPicPr>
+          <p:nvPr/>
+        </p:nvPicPr>
+        <p:blipFill>
+          <a:blip r:embed="rId3">
+            <a:extLst>
+              <a:ext uri="{28A0092B-C50C-407E-A947-70E740481C1C}">
+                <a14:useLocalDpi xmlns:a14="http://schemas.microsoft.com/office/drawing/2010/main" val="0"/>
+              </a:ext>
+            </a:extLst>
+          </a:blip>
+          <a:srcRect/>
+          <a:stretch>
+            <a:fillRect/>
+          </a:stretch>
+        </p:blipFill>
+        <p:spPr bwMode="auto">
+          <a:xfrm>
+            <a:off x="5520746" y="938356"/>
+            <a:ext cx="3163764" cy="2145310"/>
+          </a:xfrm>
+          <a:prstGeom prst="rect">
+            <a:avLst/>
+          </a:prstGeom>
+          <a:ln>
+            <a:noFill/>
+          </a:ln>
+          <a:effectLst>
+            <a:outerShdw blurRad="292100" dist="139700" dir="2700000" algn="tl" rotWithShape="0">
+              <a:srgbClr val="333333">
+                <a:alpha val="65000"/>
+              </a:srgbClr>
+            </a:outerShdw>
+          </a:effectLst>
+          <a:extLst>
+            <a:ext uri="{909E8E84-426E-40DD-AFC4-6F175D3DCCD1}">
+              <a14:hiddenFill xmlns:a14="http://schemas.microsoft.com/office/drawing/2010/main">
+                <a:solidFill>
+                  <a:schemeClr val="accent1"/>
+                </a:solidFill>
+              </a14:hiddenFill>
+            </a:ext>
+            <a:ext uri="{91240B29-F687-4F45-9708-019B960494DF}">
+              <a14:hiddenLine xmlns:a14="http://schemas.microsoft.com/office/drawing/2010/main" w="9525">
+                <a:solidFill>
+                  <a:schemeClr val="tx1"/>
+                </a:solidFill>
+                <a:miter lim="800000"/>
+                <a:headEnd/>
+                <a:tailEnd/>
+              </a14:hiddenLine>
+            </a:ext>
+          </a:extLst>
+        </p:spPr>
+      </p:pic>
+      <p:pic>
+        <p:nvPicPr>
+          <p:cNvPr id="2052" name="Picture 4"/>
+          <p:cNvPicPr>
+            <a:picLocks noChangeAspect="1" noChangeArrowheads="1"/>
+          </p:cNvPicPr>
+          <p:nvPr/>
+        </p:nvPicPr>
+        <p:blipFill>
+          <a:blip r:embed="rId4">
+            <a:extLst>
+              <a:ext uri="{28A0092B-C50C-407E-A947-70E740481C1C}">
+                <a14:useLocalDpi xmlns:a14="http://schemas.microsoft.com/office/drawing/2010/main" val="0"/>
+              </a:ext>
+            </a:extLst>
+          </a:blip>
+          <a:srcRect/>
+          <a:stretch>
+            <a:fillRect/>
+          </a:stretch>
+        </p:blipFill>
+        <p:spPr bwMode="auto">
+          <a:xfrm>
+            <a:off x="3327420" y="3835464"/>
+            <a:ext cx="3252210" cy="2454498"/>
+          </a:xfrm>
+          <a:prstGeom prst="rect">
+            <a:avLst/>
+          </a:prstGeom>
+          <a:ln>
+            <a:noFill/>
+          </a:ln>
+          <a:effectLst>
+            <a:outerShdw blurRad="292100" dist="139700" dir="2700000" algn="tl" rotWithShape="0">
+              <a:srgbClr val="333333">
+                <a:alpha val="65000"/>
+              </a:srgbClr>
+            </a:outerShdw>
+          </a:effectLst>
+          <a:extLst>
+            <a:ext uri="{909E8E84-426E-40DD-AFC4-6F175D3DCCD1}">
+              <a14:hiddenFill xmlns:a14="http://schemas.microsoft.com/office/drawing/2010/main">
+                <a:solidFill>
+                  <a:schemeClr val="accent1"/>
+                </a:solidFill>
+              </a14:hiddenFill>
+            </a:ext>
+            <a:ext uri="{91240B29-F687-4F45-9708-019B960494DF}">
+              <a14:hiddenLine xmlns:a14="http://schemas.microsoft.com/office/drawing/2010/main" w="9525">
+                <a:solidFill>
+                  <a:schemeClr val="tx1"/>
+                </a:solidFill>
+                <a:miter lim="800000"/>
+                <a:headEnd/>
+                <a:tailEnd/>
+              </a14:hiddenLine>
+            </a:ext>
+          </a:extLst>
+        </p:spPr>
+      </p:pic>
+      <p:sp>
+        <p:nvSpPr>
+          <p:cNvPr id="5" name="TextBox 4"/>
+          <p:cNvSpPr txBox="1"/>
+          <p:nvPr/>
+        </p:nvSpPr>
+        <p:spPr>
+          <a:xfrm>
+            <a:off x="1142568" y="3265410"/>
+            <a:ext cx="3108627" cy="307777"/>
+          </a:xfrm>
+          <a:prstGeom prst="rect">
+            <a:avLst/>
+          </a:prstGeom>
+          <a:noFill/>
+        </p:spPr>
+        <p:txBody>
+          <a:bodyPr wrap="square" rtlCol="0">
+            <a:spAutoFit/>
+          </a:bodyPr>
+          <a:lstStyle/>
+          <a:p>
+            <a:r>
+              <a:rPr lang="ko-KR" altLang="en-US" sz="1400" b="1" dirty="0" smtClean="0">
+                <a:solidFill>
+                  <a:schemeClr val="tx1">
+                    <a:lumMod val="65000"/>
+                    <a:lumOff val="35000"/>
+                  </a:schemeClr>
+                </a:solidFill>
+              </a:rPr>
+              <a:t>핸드폰이 가져야 할 정보저장 클래스</a:t>
+            </a:r>
+            <a:endParaRPr lang="ko-KR" altLang="en-US" sz="1400" b="1" dirty="0">
+              <a:solidFill>
+                <a:schemeClr val="tx1">
+                  <a:lumMod val="65000"/>
+                  <a:lumOff val="35000"/>
+                </a:schemeClr>
+              </a:solidFill>
+            </a:endParaRPr>
+          </a:p>
+        </p:txBody>
+      </p:sp>
+      <p:sp>
+        <p:nvSpPr>
+          <p:cNvPr id="6" name="TextBox 5"/>
+          <p:cNvSpPr txBox="1"/>
+          <p:nvPr/>
+        </p:nvSpPr>
+        <p:spPr>
+          <a:xfrm>
+            <a:off x="5633766" y="3284240"/>
+            <a:ext cx="3108627" cy="307777"/>
+          </a:xfrm>
+          <a:prstGeom prst="rect">
+            <a:avLst/>
+          </a:prstGeom>
+          <a:noFill/>
+        </p:spPr>
+        <p:txBody>
+          <a:bodyPr wrap="square" rtlCol="0">
+            <a:spAutoFit/>
+          </a:bodyPr>
+          <a:lstStyle/>
+          <a:p>
+            <a:r>
+              <a:rPr lang="ko-KR" altLang="en-US" sz="1400" b="1" dirty="0" smtClean="0">
+                <a:solidFill>
+                  <a:schemeClr val="tx1">
+                    <a:lumMod val="65000"/>
+                    <a:lumOff val="35000"/>
+                  </a:schemeClr>
+                </a:solidFill>
+              </a:rPr>
+              <a:t>옷에서 보낸 정보를 받아올 클래스</a:t>
+            </a:r>
+            <a:endParaRPr lang="ko-KR" altLang="en-US" sz="1400" b="1" dirty="0">
+              <a:solidFill>
+                <a:schemeClr val="tx1">
+                  <a:lumMod val="65000"/>
+                  <a:lumOff val="35000"/>
+                </a:schemeClr>
+              </a:solidFill>
+            </a:endParaRPr>
+          </a:p>
+        </p:txBody>
+      </p:sp>
+      <p:sp>
+        <p:nvSpPr>
+          <p:cNvPr id="7" name="TextBox 6"/>
+          <p:cNvSpPr txBox="1"/>
+          <p:nvPr/>
+        </p:nvSpPr>
+        <p:spPr>
+          <a:xfrm>
+            <a:off x="3697494" y="6410747"/>
+            <a:ext cx="2512061" cy="307777"/>
+          </a:xfrm>
+          <a:prstGeom prst="rect">
+            <a:avLst/>
+          </a:prstGeom>
+          <a:noFill/>
+        </p:spPr>
+        <p:txBody>
+          <a:bodyPr wrap="square" rtlCol="0">
+            <a:spAutoFit/>
+          </a:bodyPr>
+          <a:lstStyle/>
+          <a:p>
+            <a:r>
+              <a:rPr lang="ko-KR" altLang="en-US" sz="1400" b="1" dirty="0" smtClean="0">
+                <a:solidFill>
+                  <a:schemeClr val="tx1">
+                    <a:lumMod val="65000"/>
+                    <a:lumOff val="35000"/>
+                  </a:schemeClr>
+                </a:solidFill>
+              </a:rPr>
+              <a:t>핸드폰에서 보낼 정보 클래스</a:t>
+            </a:r>
+            <a:endParaRPr lang="ko-KR" altLang="en-US" sz="1400" b="1" dirty="0">
+              <a:solidFill>
+                <a:schemeClr val="tx1">
+                  <a:lumMod val="65000"/>
+                  <a:lumOff val="35000"/>
+                </a:schemeClr>
+              </a:solidFill>
+            </a:endParaRPr>
+          </a:p>
+        </p:txBody>
+      </p:sp>
+      <p:sp>
+        <p:nvSpPr>
+          <p:cNvPr id="8" name="모서리가 둥근 직사각형 7"/>
           <p:cNvSpPr/>
           <p:nvPr/>
         </p:nvSpPr>
@@ -7090,26 +9019,24 @@
           </a:fontRef>
         </p:style>
         <p:txBody>
-          <a:bodyPr anchor="ctr"/>
+          <a:bodyPr rtlCol="0" anchor="ctr"/>
           <a:lstStyle/>
           <a:p>
-            <a:pPr algn="ctr">
-              <a:defRPr lang="ko-KR" altLang="en-US"/>
-            </a:pPr>
+            <a:pPr algn="ctr"/>
             <a:endParaRPr lang="ko-KR" altLang="en-US"/>
           </a:p>
         </p:txBody>
       </p:sp>
       <p:sp>
         <p:nvSpPr>
-          <p:cNvPr id="3" name="TextBox 24"/>
+          <p:cNvPr id="9" name="TextBox 8"/>
           <p:cNvSpPr txBox="1"/>
           <p:nvPr/>
         </p:nvSpPr>
         <p:spPr>
           <a:xfrm>
-            <a:off x="3628863" y="15990"/>
-            <a:ext cx="2791150" cy="584775"/>
+            <a:off x="4011189" y="15990"/>
+            <a:ext cx="1970412" cy="584775"/>
           </a:xfrm>
           <a:prstGeom prst="rect">
             <a:avLst/>
@@ -7117,14 +9044,12 @@
           <a:noFill/>
         </p:spPr>
         <p:txBody>
-          <a:bodyPr wrap="none">
+          <a:bodyPr wrap="none" rtlCol="0">
             <a:spAutoFit/>
           </a:bodyPr>
           <a:lstStyle/>
           <a:p>
-            <a:pPr algn="ctr">
-              <a:defRPr lang="ko-KR" altLang="en-US"/>
-            </a:pPr>
+            <a:pPr algn="ctr"/>
             <a:r>
               <a:rPr lang="ko-KR" altLang="en-US" sz="3200" b="1" dirty="0" smtClean="0">
                 <a:solidFill>
@@ -7135,19 +9060,7 @@
                 </a:solidFill>
                 <a:latin typeface="+mn-ea"/>
               </a:rPr>
-              <a:t>시스템 </a:t>
-            </a:r>
-            <a:r>
-              <a:rPr lang="ko-KR" altLang="en-US" sz="3200" b="1" dirty="0" err="1" smtClean="0">
-                <a:solidFill>
-                  <a:schemeClr val="tx1">
-                    <a:lumMod val="75000"/>
-                    <a:lumOff val="25000"/>
-                  </a:schemeClr>
-                </a:solidFill>
-                <a:latin typeface="+mn-ea"/>
-              </a:rPr>
-              <a:t>스터디</a:t>
+              <a:t>상세 설계</a:t>
             </a:r>
             <a:endParaRPr lang="ko-KR" altLang="en-US" sz="3200" b="1" dirty="0">
               <a:solidFill>
@@ -7161,427 +9074,16 @@
           </a:p>
         </p:txBody>
       </p:sp>
-      <p:sp>
-        <p:nvSpPr>
-          <p:cNvPr id="4" name="모서리가 둥근 직사각형 25"/>
-          <p:cNvSpPr/>
-          <p:nvPr/>
-        </p:nvSpPr>
-        <p:spPr>
-          <a:xfrm>
-            <a:off x="943310" y="1564908"/>
-            <a:ext cx="8200689" cy="4739637"/>
-          </a:xfrm>
-          <a:prstGeom prst="roundRect">
-            <a:avLst>
-              <a:gd name="adj" fmla="val 16667"/>
-            </a:avLst>
-          </a:prstGeom>
-          <a:solidFill>
-            <a:srgbClr val="F2F2F2">
-              <a:alpha val="36860"/>
-            </a:srgbClr>
-          </a:solidFill>
-          <a:ln w="38100">
-            <a:solidFill>
-              <a:schemeClr val="accent1">
-                <a:lumMod val="40000"/>
-                <a:lumOff val="60000"/>
-              </a:schemeClr>
-            </a:solidFill>
-          </a:ln>
-        </p:spPr>
-        <p:style>
-          <a:lnRef idx="2">
-            <a:schemeClr val="accent1">
-              <a:shade val="50000"/>
-            </a:schemeClr>
-          </a:lnRef>
-          <a:fillRef idx="1">
-            <a:schemeClr val="accent1"/>
-          </a:fillRef>
-          <a:effectRef idx="0">
-            <a:schemeClr val="accent1"/>
-          </a:effectRef>
-          <a:fontRef idx="minor">
-            <a:schemeClr val="lt1"/>
-          </a:fontRef>
-        </p:style>
-        <p:txBody>
-          <a:bodyPr anchor="ctr"/>
-          <a:lstStyle/>
-          <a:p>
-            <a:pPr algn="ctr">
-              <a:defRPr lang="ko-KR" altLang="en-US"/>
-            </a:pPr>
-            <a:endParaRPr lang="ko-KR" altLang="en-US"/>
-          </a:p>
-        </p:txBody>
-      </p:sp>
-      <p:sp>
-        <p:nvSpPr>
-          <p:cNvPr id="5" name="TextBox 21"/>
-          <p:cNvSpPr txBox="1"/>
-          <p:nvPr/>
-        </p:nvSpPr>
-        <p:spPr>
-          <a:xfrm>
-            <a:off x="1318812" y="1612701"/>
-            <a:ext cx="7666925" cy="6176844"/>
-          </a:xfrm>
-          <a:prstGeom prst="rect">
-            <a:avLst/>
-          </a:prstGeom>
-          <a:noFill/>
-        </p:spPr>
-        <p:txBody>
-          <a:bodyPr wrap="square">
-            <a:spAutoFit/>
-          </a:bodyPr>
-          <a:lstStyle/>
-          <a:p>
-            <a:pPr marL="285750" indent="-285750">
-              <a:lnSpc>
-                <a:spcPct val="150000"/>
-              </a:lnSpc>
-              <a:buFont typeface="Arial" panose="020B0604020202020204" pitchFamily="34" charset="0"/>
-              <a:buChar char="•"/>
-              <a:defRPr lang="ko-KR" altLang="en-US"/>
-            </a:pPr>
-            <a:r>
-              <a:rPr lang="ko-KR" altLang="en-US" b="1" dirty="0">
-                <a:solidFill>
-                  <a:schemeClr val="bg2">
-                    <a:lumMod val="50000"/>
-                  </a:schemeClr>
-                </a:solidFill>
-                <a:latin typeface="HY엽서M"/>
-                <a:ea typeface="HY엽서M"/>
-              </a:rPr>
-              <a:t>실험을 통하여 아이의 위치환경과 부모의 </a:t>
-            </a:r>
-            <a:r>
-              <a:rPr lang="ko-KR" altLang="en-US" b="1" dirty="0" err="1">
-                <a:solidFill>
-                  <a:schemeClr val="bg2">
-                    <a:lumMod val="50000"/>
-                  </a:schemeClr>
-                </a:solidFill>
-                <a:latin typeface="HY엽서M"/>
-                <a:ea typeface="HY엽서M"/>
-              </a:rPr>
-              <a:t>스마트폰</a:t>
-            </a:r>
-            <a:r>
-              <a:rPr lang="ko-KR" altLang="en-US" b="1" dirty="0">
-                <a:solidFill>
-                  <a:schemeClr val="bg2">
-                    <a:lumMod val="50000"/>
-                  </a:schemeClr>
-                </a:solidFill>
-                <a:latin typeface="HY엽서M"/>
-                <a:ea typeface="HY엽서M"/>
-              </a:rPr>
-              <a:t> 성능에 따른 위치정보의 정확도를 측정한다.</a:t>
-            </a:r>
-          </a:p>
-          <a:p>
-            <a:pPr marL="285750" indent="-285750">
-              <a:lnSpc>
-                <a:spcPct val="150000"/>
-              </a:lnSpc>
-              <a:buFont typeface="Arial" panose="020B0604020202020204" pitchFamily="34" charset="0"/>
-              <a:buChar char="•"/>
-              <a:defRPr lang="ko-KR" altLang="en-US"/>
-            </a:pPr>
-            <a:r>
-              <a:rPr lang="ko-KR" altLang="en-US" b="1" dirty="0" smtClean="0">
-                <a:solidFill>
-                  <a:schemeClr val="bg2">
-                    <a:lumMod val="50000"/>
-                  </a:schemeClr>
-                </a:solidFill>
-                <a:latin typeface="HY엽서M"/>
-                <a:ea typeface="HY엽서M"/>
-              </a:rPr>
-              <a:t>디바이스간의 양방향 통신이 원활하게 동작되는지 확인한다.</a:t>
-            </a:r>
-          </a:p>
-          <a:p>
-            <a:pPr marL="285750" indent="-285750">
-              <a:lnSpc>
-                <a:spcPct val="150000"/>
-              </a:lnSpc>
-              <a:buFont typeface="Arial" panose="020B0604020202020204" pitchFamily="34" charset="0"/>
-              <a:buChar char="•"/>
-              <a:defRPr lang="ko-KR" altLang="en-US"/>
-            </a:pPr>
-            <a:r>
-              <a:rPr lang="ko-KR" altLang="en-US" b="1" dirty="0" smtClean="0">
-                <a:solidFill>
-                  <a:schemeClr val="bg2">
-                    <a:lumMod val="50000"/>
-                  </a:schemeClr>
-                </a:solidFill>
-                <a:latin typeface="HY엽서M"/>
-                <a:ea typeface="HY엽서M"/>
-              </a:rPr>
-              <a:t>배터리의 </a:t>
-            </a:r>
-            <a:r>
-              <a:rPr lang="ko-KR" altLang="en-US" b="1" dirty="0" err="1">
-                <a:solidFill>
-                  <a:schemeClr val="bg2">
-                    <a:lumMod val="50000"/>
-                  </a:schemeClr>
-                </a:solidFill>
-                <a:latin typeface="HY엽서M"/>
-                <a:ea typeface="HY엽서M"/>
-              </a:rPr>
-              <a:t>충전량에</a:t>
-            </a:r>
-            <a:r>
-              <a:rPr lang="ko-KR" altLang="en-US" b="1" dirty="0">
-                <a:solidFill>
-                  <a:schemeClr val="bg2">
-                    <a:lumMod val="50000"/>
-                  </a:schemeClr>
-                </a:solidFill>
-                <a:latin typeface="HY엽서M"/>
-                <a:ea typeface="HY엽서M"/>
-              </a:rPr>
-              <a:t> 따른 디바이스 사용시간을 측정한다.</a:t>
-            </a:r>
-          </a:p>
-          <a:p>
-            <a:pPr marL="285750" indent="-285750">
-              <a:lnSpc>
-                <a:spcPct val="150000"/>
-              </a:lnSpc>
-              <a:buFont typeface="Arial" panose="020B0604020202020204" pitchFamily="34" charset="0"/>
-              <a:buChar char="•"/>
-              <a:defRPr lang="ko-KR" altLang="en-US"/>
-            </a:pPr>
-            <a:r>
-              <a:rPr lang="ko-KR" altLang="en-US" b="1" dirty="0">
-                <a:solidFill>
-                  <a:schemeClr val="bg2">
-                    <a:lumMod val="50000"/>
-                  </a:schemeClr>
-                </a:solidFill>
-                <a:latin typeface="HY엽서M"/>
-                <a:ea typeface="HY엽서M"/>
-              </a:rPr>
-              <a:t>주어진 알고리즘에 따라 위험상황 감지를 정확히 하는지 오작동은 하지 않는지 확인한다.</a:t>
-            </a:r>
-          </a:p>
-          <a:p>
-            <a:pPr marL="285750" indent="-285750">
-              <a:lnSpc>
-                <a:spcPct val="150000"/>
-              </a:lnSpc>
-              <a:buFont typeface="Arial" panose="020B0604020202020204" pitchFamily="34" charset="0"/>
-              <a:buChar char="•"/>
-              <a:defRPr lang="ko-KR" altLang="en-US"/>
-            </a:pPr>
-            <a:r>
-              <a:rPr lang="ko-KR" altLang="en-US" b="1" dirty="0">
-                <a:solidFill>
-                  <a:schemeClr val="bg2">
-                    <a:lumMod val="50000"/>
-                  </a:schemeClr>
-                </a:solidFill>
-                <a:latin typeface="HY엽서M"/>
-                <a:ea typeface="HY엽서M"/>
-              </a:rPr>
-              <a:t>디바이스가 버튼 </a:t>
-            </a:r>
-            <a:r>
-              <a:rPr lang="ko-KR" altLang="en-US" b="1" dirty="0" smtClean="0">
-                <a:solidFill>
-                  <a:schemeClr val="bg2">
-                    <a:lumMod val="50000"/>
-                  </a:schemeClr>
-                </a:solidFill>
-                <a:latin typeface="HY엽서M"/>
-                <a:ea typeface="HY엽서M"/>
-              </a:rPr>
-              <a:t>클릭 시</a:t>
-            </a:r>
-            <a:r>
-              <a:rPr lang="ko-KR" altLang="en-US" b="1" dirty="0">
-                <a:solidFill>
-                  <a:schemeClr val="bg2">
-                    <a:lumMod val="50000"/>
-                  </a:schemeClr>
-                </a:solidFill>
-                <a:latin typeface="HY엽서M"/>
-                <a:ea typeface="HY엽서M"/>
-              </a:rPr>
-              <a:t>, 위치 </a:t>
-            </a:r>
-            <a:r>
-              <a:rPr lang="ko-KR" altLang="en-US" b="1" dirty="0" smtClean="0">
-                <a:solidFill>
-                  <a:schemeClr val="bg2">
-                    <a:lumMod val="50000"/>
-                  </a:schemeClr>
-                </a:solidFill>
-                <a:latin typeface="HY엽서M"/>
-                <a:ea typeface="HY엽서M"/>
-              </a:rPr>
-              <a:t>이탈 시 </a:t>
-            </a:r>
-            <a:r>
-              <a:rPr lang="ko-KR" altLang="en-US" b="1" dirty="0">
-                <a:solidFill>
-                  <a:schemeClr val="bg2">
-                    <a:lumMod val="50000"/>
-                  </a:schemeClr>
-                </a:solidFill>
-                <a:latin typeface="HY엽서M"/>
-                <a:ea typeface="HY엽서M"/>
-              </a:rPr>
-              <a:t>정확히 감지하여 작동하는지 만약 오작동을 한다면 빈도수가 얼마나 되는지.</a:t>
-            </a:r>
-          </a:p>
-          <a:p>
-            <a:pPr marL="285750" indent="-285750">
-              <a:lnSpc>
-                <a:spcPct val="150000"/>
-              </a:lnSpc>
-              <a:buFont typeface="Arial" panose="020B0604020202020204" pitchFamily="34" charset="0"/>
-              <a:buChar char="•"/>
-              <a:defRPr lang="ko-KR" altLang="en-US"/>
-            </a:pPr>
-            <a:r>
-              <a:rPr lang="ko-KR" altLang="en-US" b="1" dirty="0">
-                <a:solidFill>
-                  <a:schemeClr val="bg2">
-                    <a:lumMod val="50000"/>
-                  </a:schemeClr>
-                </a:solidFill>
-                <a:latin typeface="HY엽서M"/>
-                <a:ea typeface="HY엽서M"/>
-              </a:rPr>
-              <a:t>주변사람에게 알림을 보내는데 얼마의 시간이 걸리는지. </a:t>
-            </a:r>
-          </a:p>
-          <a:p>
-            <a:pPr marL="285750" indent="-285750">
-              <a:lnSpc>
-                <a:spcPct val="150000"/>
-              </a:lnSpc>
-              <a:buFont typeface="Arial" panose="020B0604020202020204" pitchFamily="34" charset="0"/>
-              <a:buChar char="•"/>
-              <a:defRPr lang="ko-KR" altLang="en-US"/>
-            </a:pPr>
-            <a:r>
-              <a:rPr lang="ko-KR" altLang="en-US" b="1" dirty="0">
-                <a:solidFill>
-                  <a:schemeClr val="bg2">
-                    <a:lumMod val="50000"/>
-                  </a:schemeClr>
-                </a:solidFill>
-                <a:latin typeface="HY엽서M"/>
-                <a:ea typeface="HY엽서M"/>
-              </a:rPr>
-              <a:t>받아온 GPS 데이터를 정확하게 지도상에 출력해주고 정체시간을 제대로 보여주는지</a:t>
-            </a:r>
-            <a:endParaRPr lang="ko-KR" altLang="en-US" sz="1700" b="1" dirty="0">
-              <a:solidFill>
-                <a:schemeClr val="bg2">
-                  <a:lumMod val="50000"/>
-                </a:schemeClr>
-              </a:solidFill>
-              <a:latin typeface="HY엽서M"/>
-              <a:ea typeface="HY엽서M"/>
-            </a:endParaRPr>
-          </a:p>
-          <a:p>
-            <a:pPr marL="285750" indent="-285750">
-              <a:lnSpc>
-                <a:spcPct val="150000"/>
-              </a:lnSpc>
-              <a:buFont typeface="Arial" panose="020B0604020202020204" pitchFamily="34" charset="0"/>
-              <a:buChar char="•"/>
-              <a:defRPr lang="ko-KR" altLang="en-US"/>
-            </a:pPr>
-            <a:endParaRPr lang="ko-KR" altLang="en-US" sz="1700" b="1" dirty="0">
-              <a:solidFill>
-                <a:schemeClr val="bg2">
-                  <a:lumMod val="50000"/>
-                </a:schemeClr>
-              </a:solidFill>
-              <a:latin typeface="HY엽서M"/>
-              <a:ea typeface="HY엽서M"/>
-            </a:endParaRPr>
-          </a:p>
-          <a:p>
-            <a:pPr marL="285750" indent="-285750">
-              <a:lnSpc>
-                <a:spcPct val="150000"/>
-              </a:lnSpc>
-              <a:buFont typeface="Arial" panose="020B0604020202020204" pitchFamily="34" charset="0"/>
-              <a:buChar char="•"/>
-              <a:defRPr lang="ko-KR" altLang="en-US"/>
-            </a:pPr>
-            <a:endParaRPr lang="ko-KR" altLang="en-US" sz="1700" b="1" dirty="0">
-              <a:solidFill>
-                <a:schemeClr val="bg2">
-                  <a:lumMod val="50000"/>
-                </a:schemeClr>
-              </a:solidFill>
-              <a:latin typeface="HY엽서M"/>
-              <a:ea typeface="HY엽서M"/>
-            </a:endParaRPr>
-          </a:p>
-          <a:p>
-            <a:pPr marL="285750" indent="-285750">
-              <a:lnSpc>
-                <a:spcPct val="150000"/>
-              </a:lnSpc>
-              <a:buFont typeface="Arial" panose="020B0604020202020204" pitchFamily="34" charset="0"/>
-              <a:buChar char="•"/>
-              <a:defRPr lang="ko-KR" altLang="en-US"/>
-            </a:pPr>
-            <a:endParaRPr lang="ko-KR" altLang="en-US" sz="1700" b="1" dirty="0">
-              <a:solidFill>
-                <a:schemeClr val="bg2">
-                  <a:lumMod val="50000"/>
-                </a:schemeClr>
-              </a:solidFill>
-              <a:latin typeface="HY엽서M"/>
-              <a:ea typeface="HY엽서M"/>
-            </a:endParaRPr>
-          </a:p>
-          <a:p>
-            <a:pPr marL="285750" indent="-285750">
-              <a:lnSpc>
-                <a:spcPct val="150000"/>
-              </a:lnSpc>
-              <a:buFont typeface="Arial" panose="020B0604020202020204" pitchFamily="34" charset="0"/>
-              <a:buChar char="•"/>
-              <a:defRPr lang="ko-KR" altLang="en-US"/>
-            </a:pPr>
-            <a:endParaRPr lang="ko-KR" altLang="en-US" sz="1700" b="1" dirty="0">
-              <a:solidFill>
-                <a:schemeClr val="bg2">
-                  <a:lumMod val="50000"/>
-                </a:schemeClr>
-              </a:solidFill>
-              <a:latin typeface="HY엽서M"/>
-              <a:ea typeface="HY엽서M"/>
-            </a:endParaRPr>
-          </a:p>
-        </p:txBody>
-      </p:sp>
     </p:spTree>
+    <p:extLst>
+      <p:ext uri="{BB962C8B-B14F-4D97-AF65-F5344CB8AC3E}">
+        <p14:creationId xmlns:p14="http://schemas.microsoft.com/office/powerpoint/2010/main" val="4269920621"/>
+      </p:ext>
+    </p:extLst>
   </p:cSld>
   <p:clrMapOvr>
     <a:masterClrMapping/>
   </p:clrMapOvr>
-  <p:transition/>
 </p:sld>
 </file>
 
@@ -7602,73 +9104,640 @@
           <a:chExt cx="0" cy="0"/>
         </a:xfrm>
       </p:grpSpPr>
-      <p:pic>
-        <p:nvPicPr>
-          <p:cNvPr id="1026" name="Picture 2"/>
-          <p:cNvPicPr>
-            <a:picLocks noChangeAspect="1" noChangeArrowheads="1"/>
-          </p:cNvPicPr>
-          <p:nvPr/>
-        </p:nvPicPr>
-        <p:blipFill>
-          <a:blip r:embed="rId2">
-            <a:extLst>
-              <a:ext uri="{28A0092B-C50C-407E-A947-70E740481C1C}">
-                <a14:useLocalDpi xmlns:a14="http://schemas.microsoft.com/office/drawing/2010/main" val="0"/>
-              </a:ext>
-            </a:extLst>
-          </a:blip>
-          <a:srcRect/>
-          <a:stretch>
-            <a:fillRect/>
-          </a:stretch>
-        </p:blipFill>
-        <p:spPr bwMode="auto">
+      <p:sp>
+        <p:nvSpPr>
+          <p:cNvPr id="4" name="TextBox 21"/>
+          <p:cNvSpPr txBox="1"/>
+          <p:nvPr/>
+        </p:nvSpPr>
+        <p:spPr>
           <a:xfrm>
-            <a:off x="1751395" y="2505183"/>
-            <a:ext cx="2682148" cy="2686447"/>
-          </a:xfrm>
-          <a:prstGeom prst="ellipse">
+            <a:off x="1119536" y="1156039"/>
+            <a:ext cx="7666926" cy="1157660"/>
+          </a:xfrm>
+          <a:prstGeom prst="rect">
             <a:avLst/>
           </a:prstGeom>
           <a:noFill/>
-          <a:ln>
-            <a:noFill/>
+        </p:spPr>
+        <p:txBody>
+          <a:bodyPr wrap="square">
+            <a:spAutoFit/>
+          </a:bodyPr>
+          <a:lstStyle/>
+          <a:p>
+            <a:pPr marL="285750" indent="-285750">
+              <a:lnSpc>
+                <a:spcPts val="2800"/>
+              </a:lnSpc>
+              <a:buChar char="-"/>
+              <a:defRPr lang="ko-KR" altLang="en-US"/>
+            </a:pPr>
+            <a:r>
+              <a:rPr lang="ko-KR" altLang="en-US" sz="1900" b="1" dirty="0">
+                <a:solidFill>
+                  <a:schemeClr val="tx1"/>
+                </a:solidFill>
+                <a:latin typeface="HY엽서M"/>
+                <a:ea typeface="HY엽서M"/>
+              </a:rPr>
+              <a:t> </a:t>
+            </a:r>
+            <a:r>
+              <a:rPr lang="ko-KR" altLang="en-US" sz="1900" b="1" dirty="0">
+                <a:solidFill>
+                  <a:srgbClr val="FF0000"/>
+                </a:solidFill>
+                <a:latin typeface="HY엽서M"/>
+                <a:ea typeface="HY엽서M"/>
+              </a:rPr>
+              <a:t>사용자 </a:t>
+            </a:r>
+            <a:r>
+              <a:rPr lang="ko-KR" altLang="en-US" sz="1900" b="1" dirty="0" err="1">
+                <a:solidFill>
+                  <a:srgbClr val="FF0000"/>
+                </a:solidFill>
+                <a:latin typeface="HY엽서M"/>
+                <a:ea typeface="HY엽서M"/>
+              </a:rPr>
+              <a:t>스터디</a:t>
+            </a:r>
+            <a:r>
+              <a:rPr lang="ko-KR" altLang="en-US" sz="1900" b="1" dirty="0">
+                <a:solidFill>
+                  <a:schemeClr val="bg2">
+                    <a:lumMod val="50000"/>
+                  </a:schemeClr>
+                </a:solidFill>
+                <a:latin typeface="HY엽서M"/>
+                <a:ea typeface="HY엽서M"/>
+              </a:rPr>
+              <a:t>(</a:t>
+            </a:r>
+            <a:r>
+              <a:rPr lang="ko-KR" altLang="en-US" sz="1900" b="1" dirty="0" smtClean="0">
+                <a:solidFill>
+                  <a:schemeClr val="bg2">
+                    <a:lumMod val="50000"/>
+                  </a:schemeClr>
+                </a:solidFill>
+                <a:latin typeface="HY엽서M"/>
+                <a:ea typeface="HY엽서M"/>
+              </a:rPr>
+              <a:t>설문조사, </a:t>
+            </a:r>
+            <a:r>
+              <a:rPr lang="ko-KR" altLang="en-US" sz="1900" b="1" dirty="0">
+                <a:solidFill>
+                  <a:schemeClr val="bg2">
+                    <a:lumMod val="50000"/>
+                  </a:schemeClr>
+                </a:solidFill>
+                <a:latin typeface="HY엽서M"/>
+                <a:ea typeface="HY엽서M"/>
+              </a:rPr>
+              <a:t>사용자 인터뷰)와 </a:t>
+            </a:r>
+            <a:r>
+              <a:rPr lang="ko-KR" altLang="en-US" sz="1900" b="1" dirty="0">
+                <a:solidFill>
+                  <a:srgbClr val="FF0000"/>
+                </a:solidFill>
+                <a:latin typeface="HY엽서M"/>
+                <a:ea typeface="HY엽서M"/>
+              </a:rPr>
+              <a:t>시스템 </a:t>
+            </a:r>
+            <a:r>
+              <a:rPr lang="ko-KR" altLang="en-US" sz="1900" b="1" dirty="0" err="1">
+                <a:solidFill>
+                  <a:srgbClr val="FF0000"/>
+                </a:solidFill>
+                <a:latin typeface="HY엽서M"/>
+                <a:ea typeface="HY엽서M"/>
+              </a:rPr>
+              <a:t>스터디</a:t>
+            </a:r>
+            <a:r>
+              <a:rPr lang="ko-KR" altLang="en-US" sz="1900" b="1" dirty="0">
+                <a:solidFill>
+                  <a:schemeClr val="bg2">
+                    <a:lumMod val="50000"/>
+                  </a:schemeClr>
+                </a:solidFill>
+                <a:latin typeface="HY엽서M"/>
+                <a:ea typeface="HY엽서M"/>
+              </a:rPr>
+              <a:t>(제품을  실제 구현 하여 동작흐름 실험한다)</a:t>
+            </a:r>
+            <a:r>
+              <a:rPr lang="ko-KR" altLang="en-US" sz="1900" b="1" dirty="0" err="1">
+                <a:solidFill>
+                  <a:schemeClr val="bg2">
+                    <a:lumMod val="50000"/>
+                  </a:schemeClr>
+                </a:solidFill>
+                <a:latin typeface="HY엽서M"/>
+                <a:ea typeface="HY엽서M"/>
+              </a:rPr>
+              <a:t>를</a:t>
+            </a:r>
+            <a:r>
+              <a:rPr lang="ko-KR" altLang="en-US" sz="1900" b="1" dirty="0">
+                <a:solidFill>
+                  <a:schemeClr val="bg2">
+                    <a:lumMod val="50000"/>
+                  </a:schemeClr>
+                </a:solidFill>
+                <a:latin typeface="HY엽서M"/>
+                <a:ea typeface="HY엽서M"/>
+              </a:rPr>
+              <a:t> </a:t>
+            </a:r>
+            <a:r>
+              <a:rPr lang="ko-KR" altLang="en-US" sz="1900" b="1" dirty="0">
+                <a:solidFill>
+                  <a:srgbClr val="FF0000"/>
+                </a:solidFill>
+                <a:latin typeface="HY엽서M"/>
+                <a:ea typeface="HY엽서M"/>
+              </a:rPr>
+              <a:t>복합적으로 수행</a:t>
+            </a:r>
+            <a:r>
+              <a:rPr lang="ko-KR" altLang="en-US" sz="1900" b="1" dirty="0">
+                <a:solidFill>
+                  <a:schemeClr val="bg2">
+                    <a:lumMod val="50000"/>
+                  </a:schemeClr>
+                </a:solidFill>
+                <a:latin typeface="HY엽서M"/>
+                <a:ea typeface="HY엽서M"/>
+              </a:rPr>
+              <a:t>한다.</a:t>
+            </a:r>
+          </a:p>
+          <a:p>
+            <a:pPr marL="285750" indent="-285750">
+              <a:lnSpc>
+                <a:spcPts val="2800"/>
+              </a:lnSpc>
+              <a:buChar char="-"/>
+              <a:defRPr lang="ko-KR" altLang="en-US"/>
+            </a:pPr>
+            <a:endParaRPr lang="ko-KR" altLang="en-US" sz="1900" b="1" dirty="0">
+              <a:solidFill>
+                <a:schemeClr val="bg2">
+                  <a:lumMod val="50000"/>
+                </a:schemeClr>
+              </a:solidFill>
+              <a:latin typeface="HY엽서M"/>
+              <a:ea typeface="HY엽서M"/>
+            </a:endParaRPr>
+          </a:p>
+        </p:txBody>
+      </p:sp>
+      <p:sp>
+        <p:nvSpPr>
+          <p:cNvPr id="5" name="모서리가 둥근 직사각형 25"/>
+          <p:cNvSpPr/>
+          <p:nvPr/>
+        </p:nvSpPr>
+        <p:spPr>
+          <a:xfrm>
+            <a:off x="871705" y="2807469"/>
+            <a:ext cx="8200689" cy="1243060"/>
+          </a:xfrm>
+          <a:prstGeom prst="roundRect">
+            <a:avLst>
+              <a:gd name="adj" fmla="val 16667"/>
+            </a:avLst>
+          </a:prstGeom>
+          <a:solidFill>
+            <a:srgbClr val="F2F2F2">
+              <a:alpha val="36860"/>
+            </a:srgbClr>
+          </a:solidFill>
+          <a:ln w="38100">
+            <a:solidFill>
+              <a:schemeClr val="accent1">
+                <a:lumMod val="40000"/>
+                <a:lumOff val="60000"/>
+              </a:schemeClr>
+            </a:solidFill>
           </a:ln>
-          <a:effectLst/>
-          <a:extLst>
-            <a:ext uri="{909E8E84-426E-40DD-AFC4-6F175D3DCCD1}">
-              <a14:hiddenFill xmlns:a14="http://schemas.microsoft.com/office/drawing/2010/main">
-                <a:solidFill>
-                  <a:schemeClr val="accent1"/>
-                </a:solidFill>
-              </a14:hiddenFill>
-            </a:ext>
-            <a:ext uri="{91240B29-F687-4F45-9708-019B960494DF}">
-              <a14:hiddenLine xmlns:a14="http://schemas.microsoft.com/office/drawing/2010/main" w="9525">
-                <a:solidFill>
-                  <a:schemeClr val="tx1"/>
-                </a:solidFill>
-                <a:miter lim="800000"/>
-                <a:headEnd/>
-                <a:tailEnd/>
-              </a14:hiddenLine>
-            </a:ext>
-            <a:ext uri="{AF507438-7753-43E0-B8FC-AC1667EBCBE1}">
-              <a14:hiddenEffects xmlns:a14="http://schemas.microsoft.com/office/drawing/2010/main">
-                <a:effectLst>
-                  <a:outerShdw dist="35921" dir="2700000" algn="ctr" rotWithShape="0">
-                    <a:schemeClr val="bg2"/>
-                  </a:outerShdw>
-                </a:effectLst>
-              </a14:hiddenEffects>
-            </a:ext>
-          </a:extLst>
-        </p:spPr>
-      </p:pic>
-      <p:sp>
-        <p:nvSpPr>
-          <p:cNvPr id="2" name="모서리가 둥근 직사각형 31"/>
+        </p:spPr>
+        <p:style>
+          <a:lnRef idx="2">
+            <a:schemeClr val="accent1">
+              <a:shade val="50000"/>
+            </a:schemeClr>
+          </a:lnRef>
+          <a:fillRef idx="1">
+            <a:schemeClr val="accent1"/>
+          </a:fillRef>
+          <a:effectRef idx="0">
+            <a:schemeClr val="accent1"/>
+          </a:effectRef>
+          <a:fontRef idx="minor">
+            <a:schemeClr val="lt1"/>
+          </a:fontRef>
+        </p:style>
+        <p:txBody>
+          <a:bodyPr anchor="ctr"/>
+          <a:lstStyle/>
+          <a:p>
+            <a:pPr algn="ctr">
+              <a:defRPr lang="ko-KR" altLang="en-US"/>
+            </a:pPr>
+            <a:endParaRPr lang="ko-KR" altLang="en-US"/>
+          </a:p>
+        </p:txBody>
+      </p:sp>
+      <p:sp>
+        <p:nvSpPr>
+          <p:cNvPr id="6" name="TextBox 21"/>
+          <p:cNvSpPr txBox="1"/>
+          <p:nvPr/>
+        </p:nvSpPr>
+        <p:spPr>
+          <a:xfrm>
+            <a:off x="1171006" y="3078971"/>
+            <a:ext cx="7666926" cy="1510174"/>
+          </a:xfrm>
+          <a:prstGeom prst="rect">
+            <a:avLst/>
+          </a:prstGeom>
+          <a:noFill/>
+        </p:spPr>
+        <p:txBody>
+          <a:bodyPr wrap="square">
+            <a:spAutoFit/>
+          </a:bodyPr>
+          <a:lstStyle/>
+          <a:p>
+            <a:pPr marL="285750" indent="-285750">
+              <a:lnSpc>
+                <a:spcPts val="2800"/>
+              </a:lnSpc>
+              <a:buChar char="-"/>
+              <a:defRPr lang="ko-KR" altLang="en-US"/>
+            </a:pPr>
+            <a:r>
+              <a:rPr lang="ko-KR" altLang="en-US" sz="1700" dirty="0">
+                <a:solidFill>
+                  <a:schemeClr val="bg2">
+                    <a:lumMod val="50000"/>
+                  </a:schemeClr>
+                </a:solidFill>
+                <a:latin typeface="HY엽서M"/>
+                <a:ea typeface="HY엽서M"/>
+              </a:rPr>
+              <a:t>7세이하의 자녀와 그 아이를 키우고 있는 부모</a:t>
+            </a:r>
+          </a:p>
+          <a:p>
+            <a:pPr marL="285750" indent="-285750">
+              <a:lnSpc>
+                <a:spcPts val="2800"/>
+              </a:lnSpc>
+              <a:buChar char="-"/>
+              <a:defRPr lang="ko-KR" altLang="en-US"/>
+            </a:pPr>
+            <a:r>
+              <a:rPr lang="ko-KR" altLang="en-US" sz="1700" dirty="0">
+                <a:solidFill>
+                  <a:schemeClr val="bg2">
+                    <a:lumMod val="50000"/>
+                  </a:schemeClr>
+                </a:solidFill>
+                <a:latin typeface="HY엽서M"/>
+                <a:ea typeface="HY엽서M"/>
+              </a:rPr>
+              <a:t>주변의 도움이 필요한 지적 장애인, 노약자들과 그들의 보호자</a:t>
+            </a:r>
+          </a:p>
+          <a:p>
+            <a:pPr marL="285750" indent="-285750">
+              <a:lnSpc>
+                <a:spcPts val="2800"/>
+              </a:lnSpc>
+              <a:buChar char="-"/>
+              <a:defRPr lang="ko-KR" altLang="en-US"/>
+            </a:pPr>
+            <a:endParaRPr lang="ko-KR" altLang="en-US" sz="1700" dirty="0">
+              <a:solidFill>
+                <a:schemeClr val="bg2">
+                  <a:lumMod val="50000"/>
+                </a:schemeClr>
+              </a:solidFill>
+              <a:latin typeface="HY엽서M"/>
+              <a:ea typeface="HY엽서M"/>
+            </a:endParaRPr>
+          </a:p>
+          <a:p>
+            <a:pPr marL="285750" indent="-285750">
+              <a:lnSpc>
+                <a:spcPts val="2800"/>
+              </a:lnSpc>
+              <a:buChar char="-"/>
+              <a:defRPr lang="ko-KR" altLang="en-US"/>
+            </a:pPr>
+            <a:endParaRPr lang="ko-KR" altLang="en-US" sz="1700" dirty="0">
+              <a:solidFill>
+                <a:schemeClr val="bg2">
+                  <a:lumMod val="50000"/>
+                </a:schemeClr>
+              </a:solidFill>
+              <a:latin typeface="HY엽서M"/>
+              <a:ea typeface="HY엽서M"/>
+            </a:endParaRPr>
+          </a:p>
+        </p:txBody>
+      </p:sp>
+      <p:sp>
+        <p:nvSpPr>
+          <p:cNvPr id="7" name="TextBox 26"/>
+          <p:cNvSpPr txBox="1"/>
+          <p:nvPr/>
+        </p:nvSpPr>
+        <p:spPr>
+          <a:xfrm>
+            <a:off x="3203842" y="2556019"/>
+            <a:ext cx="3498315" cy="518651"/>
+          </a:xfrm>
+          <a:prstGeom prst="rect">
+            <a:avLst/>
+          </a:prstGeom>
+          <a:gradFill>
+            <a:gsLst>
+              <a:gs pos="0">
+                <a:srgbClr val="FFFFFF"/>
+              </a:gs>
+              <a:gs pos="100000">
+                <a:srgbClr val="FAFAFA"/>
+              </a:gs>
+            </a:gsLst>
+            <a:lin ang="5400000" scaled="1"/>
+          </a:gradFill>
+        </p:spPr>
+        <p:txBody>
+          <a:bodyPr wrap="none">
+            <a:spAutoFit/>
+          </a:bodyPr>
+          <a:lstStyle/>
+          <a:p>
+            <a:pPr lvl="0">
+              <a:defRPr lang="ko-KR" altLang="en-US"/>
+            </a:pPr>
+            <a:r>
+              <a:rPr lang="en-US" altLang="ko-KR" sz="2800" b="1">
+                <a:solidFill>
+                  <a:schemeClr val="tx1">
+                    <a:lumMod val="65000"/>
+                    <a:lumOff val="35000"/>
+                  </a:schemeClr>
+                </a:solidFill>
+              </a:rPr>
+              <a:t>[</a:t>
+            </a:r>
+            <a:r>
+              <a:rPr lang="ko-KR" altLang="en-US" sz="2800" b="1">
+                <a:solidFill>
+                  <a:schemeClr val="tx1">
+                    <a:lumMod val="65000"/>
+                    <a:lumOff val="35000"/>
+                  </a:schemeClr>
+                </a:solidFill>
+              </a:rPr>
+              <a:t>사용자 스터디  대상</a:t>
+            </a:r>
+            <a:r>
+              <a:rPr lang="en-US" altLang="ko-KR" sz="2800" b="1">
+                <a:solidFill>
+                  <a:schemeClr val="tx1">
+                    <a:lumMod val="65000"/>
+                    <a:lumOff val="35000"/>
+                  </a:schemeClr>
+                </a:solidFill>
+              </a:rPr>
+              <a:t>]</a:t>
+            </a:r>
+          </a:p>
+        </p:txBody>
+      </p:sp>
+      <p:sp>
+        <p:nvSpPr>
+          <p:cNvPr id="8" name="모서리가 둥근 직사각형 25"/>
+          <p:cNvSpPr/>
+          <p:nvPr/>
+        </p:nvSpPr>
+        <p:spPr>
+          <a:xfrm>
+            <a:off x="881230" y="4417194"/>
+            <a:ext cx="8200689" cy="1243060"/>
+          </a:xfrm>
+          <a:prstGeom prst="roundRect">
+            <a:avLst>
+              <a:gd name="adj" fmla="val 16667"/>
+            </a:avLst>
+          </a:prstGeom>
+          <a:solidFill>
+            <a:srgbClr val="F2F2F2">
+              <a:alpha val="36860"/>
+            </a:srgbClr>
+          </a:solidFill>
+          <a:ln w="38100">
+            <a:solidFill>
+              <a:schemeClr val="accent1">
+                <a:lumMod val="40000"/>
+                <a:lumOff val="60000"/>
+              </a:schemeClr>
+            </a:solidFill>
+          </a:ln>
+        </p:spPr>
+        <p:style>
+          <a:lnRef idx="2">
+            <a:schemeClr val="accent1">
+              <a:shade val="50000"/>
+            </a:schemeClr>
+          </a:lnRef>
+          <a:fillRef idx="1">
+            <a:schemeClr val="accent1"/>
+          </a:fillRef>
+          <a:effectRef idx="0">
+            <a:schemeClr val="accent1"/>
+          </a:effectRef>
+          <a:fontRef idx="minor">
+            <a:schemeClr val="lt1"/>
+          </a:fontRef>
+        </p:style>
+        <p:txBody>
+          <a:bodyPr anchor="ctr"/>
+          <a:lstStyle/>
+          <a:p>
+            <a:pPr algn="ctr">
+              <a:defRPr lang="ko-KR" altLang="en-US"/>
+            </a:pPr>
+            <a:endParaRPr lang="ko-KR" altLang="en-US"/>
+          </a:p>
+        </p:txBody>
+      </p:sp>
+      <p:sp>
+        <p:nvSpPr>
+          <p:cNvPr id="9" name="TextBox 21"/>
+          <p:cNvSpPr txBox="1"/>
+          <p:nvPr/>
+        </p:nvSpPr>
+        <p:spPr>
+          <a:xfrm>
+            <a:off x="1304356" y="4698221"/>
+            <a:ext cx="7666926" cy="1510174"/>
+          </a:xfrm>
+          <a:prstGeom prst="rect">
+            <a:avLst/>
+          </a:prstGeom>
+          <a:noFill/>
+        </p:spPr>
+        <p:txBody>
+          <a:bodyPr wrap="square">
+            <a:spAutoFit/>
+          </a:bodyPr>
+          <a:lstStyle/>
+          <a:p>
+            <a:pPr marL="285750" indent="-285750">
+              <a:lnSpc>
+                <a:spcPts val="2800"/>
+              </a:lnSpc>
+              <a:buChar char="-"/>
+              <a:defRPr lang="ko-KR" altLang="en-US"/>
+            </a:pPr>
+            <a:r>
+              <a:rPr lang="ko-KR" altLang="en-US" sz="1700">
+                <a:solidFill>
+                  <a:schemeClr val="bg2">
+                    <a:lumMod val="50000"/>
+                  </a:schemeClr>
+                </a:solidFill>
+                <a:latin typeface="HY엽서M"/>
+                <a:ea typeface="HY엽서M"/>
+              </a:rPr>
+              <a:t>제작된 테스트 제품을 위의 사용자들에게 배포하여 일정기간 사용을 하도록 요청 후 , 설문조사 인터뷰를 받습니다.</a:t>
+            </a:r>
+          </a:p>
+          <a:p>
+            <a:pPr marL="285750" indent="-285750">
+              <a:lnSpc>
+                <a:spcPts val="2800"/>
+              </a:lnSpc>
+              <a:buChar char="-"/>
+              <a:defRPr lang="ko-KR" altLang="en-US"/>
+            </a:pPr>
+            <a:endParaRPr lang="ko-KR" altLang="en-US" sz="1700">
+              <a:solidFill>
+                <a:schemeClr val="bg2">
+                  <a:lumMod val="50000"/>
+                </a:schemeClr>
+              </a:solidFill>
+              <a:latin typeface="HY엽서M"/>
+              <a:ea typeface="HY엽서M"/>
+            </a:endParaRPr>
+          </a:p>
+          <a:p>
+            <a:pPr marL="285750" indent="-285750">
+              <a:lnSpc>
+                <a:spcPts val="2800"/>
+              </a:lnSpc>
+              <a:buChar char="-"/>
+              <a:defRPr lang="ko-KR" altLang="en-US"/>
+            </a:pPr>
+            <a:endParaRPr lang="ko-KR" altLang="en-US" sz="1700">
+              <a:solidFill>
+                <a:schemeClr val="bg2">
+                  <a:lumMod val="50000"/>
+                </a:schemeClr>
+              </a:solidFill>
+              <a:latin typeface="HY엽서M"/>
+              <a:ea typeface="HY엽서M"/>
+            </a:endParaRPr>
+          </a:p>
+        </p:txBody>
+      </p:sp>
+      <p:sp>
+        <p:nvSpPr>
+          <p:cNvPr id="10" name="TextBox 26"/>
+          <p:cNvSpPr txBox="1"/>
+          <p:nvPr/>
+        </p:nvSpPr>
+        <p:spPr>
+          <a:xfrm>
+            <a:off x="3513405" y="4107680"/>
+            <a:ext cx="3074085" cy="519565"/>
+          </a:xfrm>
+          <a:prstGeom prst="rect">
+            <a:avLst/>
+          </a:prstGeom>
+          <a:gradFill>
+            <a:gsLst>
+              <a:gs pos="0">
+                <a:srgbClr val="FFFFFF"/>
+              </a:gs>
+              <a:gs pos="100000">
+                <a:srgbClr val="FAFAFA"/>
+              </a:gs>
+            </a:gsLst>
+            <a:lin ang="5400000" scaled="1"/>
+          </a:gradFill>
+        </p:spPr>
+        <p:txBody>
+          <a:bodyPr wrap="none">
+            <a:spAutoFit/>
+          </a:bodyPr>
+          <a:lstStyle/>
+          <a:p>
+            <a:pPr lvl="0">
+              <a:defRPr lang="ko-KR" altLang="en-US"/>
+            </a:pPr>
+            <a:r>
+              <a:rPr lang="en-US" altLang="ko-KR" sz="2800" b="1">
+                <a:solidFill>
+                  <a:schemeClr val="tx1">
+                    <a:lumMod val="65000"/>
+                    <a:lumOff val="35000"/>
+                  </a:schemeClr>
+                </a:solidFill>
+              </a:rPr>
+              <a:t>[</a:t>
+            </a:r>
+            <a:r>
+              <a:rPr lang="ko-KR" altLang="en-US" sz="2800" b="1">
+                <a:solidFill>
+                  <a:schemeClr val="tx1">
+                    <a:lumMod val="65000"/>
+                    <a:lumOff val="35000"/>
+                  </a:schemeClr>
+                </a:solidFill>
+              </a:rPr>
+              <a:t>실제 구현후 실험</a:t>
+            </a:r>
+            <a:r>
+              <a:rPr lang="en-US" altLang="ko-KR" sz="2800" b="1">
+                <a:solidFill>
+                  <a:schemeClr val="tx1">
+                    <a:lumMod val="65000"/>
+                    <a:lumOff val="35000"/>
+                  </a:schemeClr>
+                </a:solidFill>
+              </a:rPr>
+              <a:t>]</a:t>
+            </a:r>
+          </a:p>
+        </p:txBody>
+      </p:sp>
+      <p:sp>
+        <p:nvSpPr>
+          <p:cNvPr id="11" name="모서리가 둥근 직사각형 31"/>
           <p:cNvSpPr/>
           <p:nvPr/>
         </p:nvSpPr>
@@ -7764,14 +9833,14 @@
       </p:sp>
       <p:sp>
         <p:nvSpPr>
-          <p:cNvPr id="3" name="TextBox 24"/>
+          <p:cNvPr id="12" name="TextBox 24"/>
           <p:cNvSpPr txBox="1"/>
           <p:nvPr/>
         </p:nvSpPr>
         <p:spPr>
           <a:xfrm>
-            <a:off x="3666964" y="15990"/>
-            <a:ext cx="2791150" cy="584775"/>
+            <a:off x="3070860" y="15990"/>
+            <a:ext cx="4011930" cy="572655"/>
           </a:xfrm>
           <a:prstGeom prst="rect">
             <a:avLst/>
@@ -7788,7 +9857,7 @@
               <a:defRPr lang="ko-KR" altLang="en-US"/>
             </a:pPr>
             <a:r>
-              <a:rPr lang="ko-KR" altLang="en-US" sz="3200" b="1" dirty="0" smtClean="0">
+              <a:rPr lang="ko-KR" altLang="en-US" sz="3200" b="1">
                 <a:solidFill>
                   <a:schemeClr val="tx1">
                     <a:lumMod val="75000"/>
@@ -7797,141 +9866,17 @@
                 </a:solidFill>
                 <a:latin typeface="+mn-ea"/>
               </a:rPr>
-              <a:t>사용자 </a:t>
-            </a:r>
-            <a:r>
-              <a:rPr lang="ko-KR" altLang="en-US" sz="3200" b="1" dirty="0" err="1" smtClean="0">
-                <a:solidFill>
-                  <a:schemeClr val="tx1">
-                    <a:lumMod val="75000"/>
-                    <a:lumOff val="25000"/>
-                  </a:schemeClr>
-                </a:solidFill>
-                <a:latin typeface="+mn-ea"/>
-              </a:rPr>
-              <a:t>스터디</a:t>
-            </a:r>
-            <a:endParaRPr lang="ko-KR" altLang="en-US" sz="3200" b="1" dirty="0">
-              <a:solidFill>
-                <a:schemeClr val="tx1">
-                  <a:lumMod val="75000"/>
-                  <a:lumOff val="25000"/>
-                </a:schemeClr>
-              </a:solidFill>
-              <a:latin typeface="+mn-ea"/>
-            </a:endParaRPr>
-          </a:p>
-        </p:txBody>
-      </p:sp>
-      <p:sp>
-        <p:nvSpPr>
-          <p:cNvPr id="4" name="TextBox 4"/>
-          <p:cNvSpPr txBox="1"/>
-          <p:nvPr/>
-        </p:nvSpPr>
-        <p:spPr>
-          <a:xfrm>
-            <a:off x="1955763" y="761154"/>
-            <a:ext cx="5994474" cy="418983"/>
-          </a:xfrm>
-          <a:prstGeom prst="rect">
-            <a:avLst/>
-          </a:prstGeom>
-          <a:noFill/>
-        </p:spPr>
-        <p:txBody>
-          <a:bodyPr wrap="none">
-            <a:spAutoFit/>
-          </a:bodyPr>
-          <a:lstStyle/>
-          <a:p>
-            <a:pPr lvl="0">
-              <a:defRPr lang="ko-KR" altLang="en-US"/>
-            </a:pPr>
-            <a:r>
-              <a:rPr lang="en-US" altLang="ko-KR" sz="2200" b="1" dirty="0">
-                <a:solidFill>
-                  <a:schemeClr val="tx1">
-                    <a:lumMod val="65000"/>
-                    <a:lumOff val="35000"/>
-                  </a:schemeClr>
-                </a:solidFill>
-              </a:rPr>
-              <a:t>[</a:t>
-            </a:r>
-            <a:r>
-              <a:rPr lang="ko-KR" altLang="en-US" sz="2200" b="1" dirty="0" err="1">
-                <a:solidFill>
-                  <a:schemeClr val="tx1">
-                    <a:lumMod val="65000"/>
-                    <a:lumOff val="35000"/>
-                  </a:schemeClr>
-                </a:solidFill>
-              </a:rPr>
-              <a:t>설문조사및</a:t>
-            </a:r>
-            <a:r>
-              <a:rPr lang="ko-KR" altLang="en-US" sz="2200" b="1" dirty="0">
-                <a:solidFill>
-                  <a:schemeClr val="tx1">
-                    <a:lumMod val="65000"/>
-                    <a:lumOff val="35000"/>
-                  </a:schemeClr>
-                </a:solidFill>
-              </a:rPr>
-              <a:t> 인터뷰를 통해 사용자의 의견 수집</a:t>
-            </a:r>
-            <a:r>
-              <a:rPr lang="en-US" altLang="ko-KR" sz="2200" b="1" dirty="0">
-                <a:solidFill>
-                  <a:schemeClr val="tx1">
-                    <a:lumMod val="65000"/>
-                    <a:lumOff val="35000"/>
-                  </a:schemeClr>
-                </a:solidFill>
-              </a:rPr>
-              <a:t>]</a:t>
-            </a:r>
-          </a:p>
-        </p:txBody>
-      </p:sp>
-      <p:pic>
-        <p:nvPicPr>
-          <p:cNvPr id="10" name="그림 9"/>
-          <p:cNvPicPr>
-            <a:picLocks noChangeAspect="1"/>
-          </p:cNvPicPr>
-          <p:nvPr/>
-        </p:nvPicPr>
-        <p:blipFill rotWithShape="1">
-          <a:blip r:embed="rId3"/>
-          <a:stretch>
-            <a:fillRect/>
-          </a:stretch>
-        </p:blipFill>
-        <p:spPr>
-          <a:xfrm>
-            <a:off x="5385927" y="2505183"/>
-            <a:ext cx="2820342" cy="2814644"/>
-          </a:xfrm>
-          <a:prstGeom prst="ellipse">
-            <a:avLst/>
-          </a:prstGeom>
-        </p:spPr>
-      </p:pic>
+              <a:t>실험 의 대상 및 종류</a:t>
+            </a:r>
+          </a:p>
+        </p:txBody>
+      </p:sp>
     </p:spTree>
   </p:cSld>
   <p:clrMapOvr>
     <a:masterClrMapping/>
   </p:clrMapOvr>
   <p:transition/>
-  <p:timing>
-    <p:tnLst>
-      <p:par>
-        <p:cTn id="1" dur="indefinite" restart="never" nodeType="tmRoot"/>
-      </p:par>
-    </p:tnLst>
-  </p:timing>
 </p:sld>
 </file>
 
@@ -8056,6 +10001,954 @@
         </p:nvSpPr>
         <p:spPr>
           <a:xfrm>
+            <a:off x="3628863" y="15990"/>
+            <a:ext cx="2791150" cy="584775"/>
+          </a:xfrm>
+          <a:prstGeom prst="rect">
+            <a:avLst/>
+          </a:prstGeom>
+          <a:noFill/>
+        </p:spPr>
+        <p:txBody>
+          <a:bodyPr wrap="none">
+            <a:spAutoFit/>
+          </a:bodyPr>
+          <a:lstStyle/>
+          <a:p>
+            <a:pPr algn="ctr">
+              <a:defRPr lang="ko-KR" altLang="en-US"/>
+            </a:pPr>
+            <a:r>
+              <a:rPr lang="ko-KR" altLang="en-US" sz="3200" b="1" dirty="0" smtClean="0">
+                <a:solidFill>
+                  <a:schemeClr val="tx1">
+                    <a:lumMod val="75000"/>
+                    <a:lumOff val="25000"/>
+                  </a:schemeClr>
+                </a:solidFill>
+                <a:latin typeface="+mn-ea"/>
+              </a:rPr>
+              <a:t>시스템 </a:t>
+            </a:r>
+            <a:r>
+              <a:rPr lang="ko-KR" altLang="en-US" sz="3200" b="1" dirty="0" err="1" smtClean="0">
+                <a:solidFill>
+                  <a:schemeClr val="tx1">
+                    <a:lumMod val="75000"/>
+                    <a:lumOff val="25000"/>
+                  </a:schemeClr>
+                </a:solidFill>
+                <a:latin typeface="+mn-ea"/>
+              </a:rPr>
+              <a:t>스터디</a:t>
+            </a:r>
+            <a:endParaRPr lang="ko-KR" altLang="en-US" sz="3200" b="1" dirty="0">
+              <a:solidFill>
+                <a:schemeClr val="tx1">
+                  <a:lumMod val="75000"/>
+                  <a:lumOff val="25000"/>
+                </a:schemeClr>
+              </a:solidFill>
+              <a:latin typeface="+mn-ea"/>
+            </a:endParaRPr>
+          </a:p>
+        </p:txBody>
+      </p:sp>
+      <p:sp>
+        <p:nvSpPr>
+          <p:cNvPr id="4" name="모서리가 둥근 직사각형 25"/>
+          <p:cNvSpPr/>
+          <p:nvPr/>
+        </p:nvSpPr>
+        <p:spPr>
+          <a:xfrm>
+            <a:off x="943310" y="1564908"/>
+            <a:ext cx="8200689" cy="4739637"/>
+          </a:xfrm>
+          <a:prstGeom prst="roundRect">
+            <a:avLst>
+              <a:gd name="adj" fmla="val 16667"/>
+            </a:avLst>
+          </a:prstGeom>
+          <a:solidFill>
+            <a:srgbClr val="F2F2F2">
+              <a:alpha val="36860"/>
+            </a:srgbClr>
+          </a:solidFill>
+          <a:ln w="38100">
+            <a:solidFill>
+              <a:schemeClr val="accent1">
+                <a:lumMod val="40000"/>
+                <a:lumOff val="60000"/>
+              </a:schemeClr>
+            </a:solidFill>
+          </a:ln>
+        </p:spPr>
+        <p:style>
+          <a:lnRef idx="2">
+            <a:schemeClr val="accent1">
+              <a:shade val="50000"/>
+            </a:schemeClr>
+          </a:lnRef>
+          <a:fillRef idx="1">
+            <a:schemeClr val="accent1"/>
+          </a:fillRef>
+          <a:effectRef idx="0">
+            <a:schemeClr val="accent1"/>
+          </a:effectRef>
+          <a:fontRef idx="minor">
+            <a:schemeClr val="lt1"/>
+          </a:fontRef>
+        </p:style>
+        <p:txBody>
+          <a:bodyPr anchor="ctr"/>
+          <a:lstStyle/>
+          <a:p>
+            <a:pPr algn="ctr">
+              <a:defRPr lang="ko-KR" altLang="en-US"/>
+            </a:pPr>
+            <a:endParaRPr lang="ko-KR" altLang="en-US"/>
+          </a:p>
+        </p:txBody>
+      </p:sp>
+      <p:sp>
+        <p:nvSpPr>
+          <p:cNvPr id="5" name="TextBox 21"/>
+          <p:cNvSpPr txBox="1"/>
+          <p:nvPr/>
+        </p:nvSpPr>
+        <p:spPr>
+          <a:xfrm>
+            <a:off x="1318812" y="1612701"/>
+            <a:ext cx="7666925" cy="6176844"/>
+          </a:xfrm>
+          <a:prstGeom prst="rect">
+            <a:avLst/>
+          </a:prstGeom>
+          <a:noFill/>
+        </p:spPr>
+        <p:txBody>
+          <a:bodyPr wrap="square">
+            <a:spAutoFit/>
+          </a:bodyPr>
+          <a:lstStyle/>
+          <a:p>
+            <a:pPr marL="285750" indent="-285750">
+              <a:lnSpc>
+                <a:spcPct val="150000"/>
+              </a:lnSpc>
+              <a:buFont typeface="Arial" panose="020B0604020202020204" pitchFamily="34" charset="0"/>
+              <a:buChar char="•"/>
+              <a:defRPr lang="ko-KR" altLang="en-US"/>
+            </a:pPr>
+            <a:r>
+              <a:rPr lang="ko-KR" altLang="en-US" b="1" dirty="0">
+                <a:solidFill>
+                  <a:schemeClr val="bg2">
+                    <a:lumMod val="50000"/>
+                  </a:schemeClr>
+                </a:solidFill>
+                <a:latin typeface="HY엽서M"/>
+                <a:ea typeface="HY엽서M"/>
+              </a:rPr>
+              <a:t>실험을 통하여 아이의 위치환경과 부모의 </a:t>
+            </a:r>
+            <a:r>
+              <a:rPr lang="ko-KR" altLang="en-US" b="1" dirty="0" err="1">
+                <a:solidFill>
+                  <a:schemeClr val="bg2">
+                    <a:lumMod val="50000"/>
+                  </a:schemeClr>
+                </a:solidFill>
+                <a:latin typeface="HY엽서M"/>
+                <a:ea typeface="HY엽서M"/>
+              </a:rPr>
+              <a:t>스마트폰</a:t>
+            </a:r>
+            <a:r>
+              <a:rPr lang="ko-KR" altLang="en-US" b="1" dirty="0">
+                <a:solidFill>
+                  <a:schemeClr val="bg2">
+                    <a:lumMod val="50000"/>
+                  </a:schemeClr>
+                </a:solidFill>
+                <a:latin typeface="HY엽서M"/>
+                <a:ea typeface="HY엽서M"/>
+              </a:rPr>
+              <a:t> 성능에 따른 위치정보의 정확도를 측정한다.</a:t>
+            </a:r>
+          </a:p>
+          <a:p>
+            <a:pPr marL="285750" indent="-285750">
+              <a:lnSpc>
+                <a:spcPct val="150000"/>
+              </a:lnSpc>
+              <a:buFont typeface="Arial" panose="020B0604020202020204" pitchFamily="34" charset="0"/>
+              <a:buChar char="•"/>
+              <a:defRPr lang="ko-KR" altLang="en-US"/>
+            </a:pPr>
+            <a:r>
+              <a:rPr lang="ko-KR" altLang="en-US" b="1" dirty="0" smtClean="0">
+                <a:solidFill>
+                  <a:schemeClr val="bg2">
+                    <a:lumMod val="50000"/>
+                  </a:schemeClr>
+                </a:solidFill>
+                <a:latin typeface="HY엽서M"/>
+                <a:ea typeface="HY엽서M"/>
+              </a:rPr>
+              <a:t>디바이스간의 양방향 통신이 원활하게 동작되는지 확인한다.</a:t>
+            </a:r>
+          </a:p>
+          <a:p>
+            <a:pPr marL="285750" indent="-285750">
+              <a:lnSpc>
+                <a:spcPct val="150000"/>
+              </a:lnSpc>
+              <a:buFont typeface="Arial" panose="020B0604020202020204" pitchFamily="34" charset="0"/>
+              <a:buChar char="•"/>
+              <a:defRPr lang="ko-KR" altLang="en-US"/>
+            </a:pPr>
+            <a:r>
+              <a:rPr lang="ko-KR" altLang="en-US" b="1" dirty="0" smtClean="0">
+                <a:solidFill>
+                  <a:schemeClr val="bg2">
+                    <a:lumMod val="50000"/>
+                  </a:schemeClr>
+                </a:solidFill>
+                <a:latin typeface="HY엽서M"/>
+                <a:ea typeface="HY엽서M"/>
+              </a:rPr>
+              <a:t>배터리의 </a:t>
+            </a:r>
+            <a:r>
+              <a:rPr lang="ko-KR" altLang="en-US" b="1" dirty="0" err="1">
+                <a:solidFill>
+                  <a:schemeClr val="bg2">
+                    <a:lumMod val="50000"/>
+                  </a:schemeClr>
+                </a:solidFill>
+                <a:latin typeface="HY엽서M"/>
+                <a:ea typeface="HY엽서M"/>
+              </a:rPr>
+              <a:t>충전량에</a:t>
+            </a:r>
+            <a:r>
+              <a:rPr lang="ko-KR" altLang="en-US" b="1" dirty="0">
+                <a:solidFill>
+                  <a:schemeClr val="bg2">
+                    <a:lumMod val="50000"/>
+                  </a:schemeClr>
+                </a:solidFill>
+                <a:latin typeface="HY엽서M"/>
+                <a:ea typeface="HY엽서M"/>
+              </a:rPr>
+              <a:t> 따른 디바이스 사용시간을 측정한다.</a:t>
+            </a:r>
+          </a:p>
+          <a:p>
+            <a:pPr marL="285750" indent="-285750">
+              <a:lnSpc>
+                <a:spcPct val="150000"/>
+              </a:lnSpc>
+              <a:buFont typeface="Arial" panose="020B0604020202020204" pitchFamily="34" charset="0"/>
+              <a:buChar char="•"/>
+              <a:defRPr lang="ko-KR" altLang="en-US"/>
+            </a:pPr>
+            <a:r>
+              <a:rPr lang="ko-KR" altLang="en-US" b="1" dirty="0">
+                <a:solidFill>
+                  <a:schemeClr val="bg2">
+                    <a:lumMod val="50000"/>
+                  </a:schemeClr>
+                </a:solidFill>
+                <a:latin typeface="HY엽서M"/>
+                <a:ea typeface="HY엽서M"/>
+              </a:rPr>
+              <a:t>주어진 알고리즘에 따라 위험상황 감지를 정확히 하는지 오작동은 하지 않는지 확인한다.</a:t>
+            </a:r>
+          </a:p>
+          <a:p>
+            <a:pPr marL="285750" indent="-285750">
+              <a:lnSpc>
+                <a:spcPct val="150000"/>
+              </a:lnSpc>
+              <a:buFont typeface="Arial" panose="020B0604020202020204" pitchFamily="34" charset="0"/>
+              <a:buChar char="•"/>
+              <a:defRPr lang="ko-KR" altLang="en-US"/>
+            </a:pPr>
+            <a:r>
+              <a:rPr lang="ko-KR" altLang="en-US" b="1" dirty="0">
+                <a:solidFill>
+                  <a:schemeClr val="bg2">
+                    <a:lumMod val="50000"/>
+                  </a:schemeClr>
+                </a:solidFill>
+                <a:latin typeface="HY엽서M"/>
+                <a:ea typeface="HY엽서M"/>
+              </a:rPr>
+              <a:t>디바이스가 버튼 </a:t>
+            </a:r>
+            <a:r>
+              <a:rPr lang="ko-KR" altLang="en-US" b="1" dirty="0" smtClean="0">
+                <a:solidFill>
+                  <a:schemeClr val="bg2">
+                    <a:lumMod val="50000"/>
+                  </a:schemeClr>
+                </a:solidFill>
+                <a:latin typeface="HY엽서M"/>
+                <a:ea typeface="HY엽서M"/>
+              </a:rPr>
+              <a:t>클릭 시</a:t>
+            </a:r>
+            <a:r>
+              <a:rPr lang="ko-KR" altLang="en-US" b="1" dirty="0">
+                <a:solidFill>
+                  <a:schemeClr val="bg2">
+                    <a:lumMod val="50000"/>
+                  </a:schemeClr>
+                </a:solidFill>
+                <a:latin typeface="HY엽서M"/>
+                <a:ea typeface="HY엽서M"/>
+              </a:rPr>
+              <a:t>, 위치 </a:t>
+            </a:r>
+            <a:r>
+              <a:rPr lang="ko-KR" altLang="en-US" b="1" dirty="0" smtClean="0">
+                <a:solidFill>
+                  <a:schemeClr val="bg2">
+                    <a:lumMod val="50000"/>
+                  </a:schemeClr>
+                </a:solidFill>
+                <a:latin typeface="HY엽서M"/>
+                <a:ea typeface="HY엽서M"/>
+              </a:rPr>
+              <a:t>이탈 시 </a:t>
+            </a:r>
+            <a:r>
+              <a:rPr lang="ko-KR" altLang="en-US" b="1" dirty="0">
+                <a:solidFill>
+                  <a:schemeClr val="bg2">
+                    <a:lumMod val="50000"/>
+                  </a:schemeClr>
+                </a:solidFill>
+                <a:latin typeface="HY엽서M"/>
+                <a:ea typeface="HY엽서M"/>
+              </a:rPr>
+              <a:t>정확히 감지하여 작동하는지 만약 오작동을 한다면 빈도수가 얼마나 되는지.</a:t>
+            </a:r>
+          </a:p>
+          <a:p>
+            <a:pPr marL="285750" indent="-285750">
+              <a:lnSpc>
+                <a:spcPct val="150000"/>
+              </a:lnSpc>
+              <a:buFont typeface="Arial" panose="020B0604020202020204" pitchFamily="34" charset="0"/>
+              <a:buChar char="•"/>
+              <a:defRPr lang="ko-KR" altLang="en-US"/>
+            </a:pPr>
+            <a:r>
+              <a:rPr lang="ko-KR" altLang="en-US" b="1" dirty="0">
+                <a:solidFill>
+                  <a:schemeClr val="bg2">
+                    <a:lumMod val="50000"/>
+                  </a:schemeClr>
+                </a:solidFill>
+                <a:latin typeface="HY엽서M"/>
+                <a:ea typeface="HY엽서M"/>
+              </a:rPr>
+              <a:t>주변사람에게 알림을 보내는데 얼마의 시간이 걸리는지. </a:t>
+            </a:r>
+          </a:p>
+          <a:p>
+            <a:pPr marL="285750" indent="-285750">
+              <a:lnSpc>
+                <a:spcPct val="150000"/>
+              </a:lnSpc>
+              <a:buFont typeface="Arial" panose="020B0604020202020204" pitchFamily="34" charset="0"/>
+              <a:buChar char="•"/>
+              <a:defRPr lang="ko-KR" altLang="en-US"/>
+            </a:pPr>
+            <a:r>
+              <a:rPr lang="ko-KR" altLang="en-US" b="1" dirty="0">
+                <a:solidFill>
+                  <a:schemeClr val="bg2">
+                    <a:lumMod val="50000"/>
+                  </a:schemeClr>
+                </a:solidFill>
+                <a:latin typeface="HY엽서M"/>
+                <a:ea typeface="HY엽서M"/>
+              </a:rPr>
+              <a:t>받아온 GPS 데이터를 정확하게 지도상에 출력해주고 정체시간을 제대로 보여주는지</a:t>
+            </a:r>
+            <a:endParaRPr lang="ko-KR" altLang="en-US" sz="1700" b="1" dirty="0">
+              <a:solidFill>
+                <a:schemeClr val="bg2">
+                  <a:lumMod val="50000"/>
+                </a:schemeClr>
+              </a:solidFill>
+              <a:latin typeface="HY엽서M"/>
+              <a:ea typeface="HY엽서M"/>
+            </a:endParaRPr>
+          </a:p>
+          <a:p>
+            <a:pPr marL="285750" indent="-285750">
+              <a:lnSpc>
+                <a:spcPct val="150000"/>
+              </a:lnSpc>
+              <a:buFont typeface="Arial" panose="020B0604020202020204" pitchFamily="34" charset="0"/>
+              <a:buChar char="•"/>
+              <a:defRPr lang="ko-KR" altLang="en-US"/>
+            </a:pPr>
+            <a:endParaRPr lang="ko-KR" altLang="en-US" sz="1700" b="1" dirty="0">
+              <a:solidFill>
+                <a:schemeClr val="bg2">
+                  <a:lumMod val="50000"/>
+                </a:schemeClr>
+              </a:solidFill>
+              <a:latin typeface="HY엽서M"/>
+              <a:ea typeface="HY엽서M"/>
+            </a:endParaRPr>
+          </a:p>
+          <a:p>
+            <a:pPr marL="285750" indent="-285750">
+              <a:lnSpc>
+                <a:spcPct val="150000"/>
+              </a:lnSpc>
+              <a:buFont typeface="Arial" panose="020B0604020202020204" pitchFamily="34" charset="0"/>
+              <a:buChar char="•"/>
+              <a:defRPr lang="ko-KR" altLang="en-US"/>
+            </a:pPr>
+            <a:endParaRPr lang="ko-KR" altLang="en-US" sz="1700" b="1" dirty="0">
+              <a:solidFill>
+                <a:schemeClr val="bg2">
+                  <a:lumMod val="50000"/>
+                </a:schemeClr>
+              </a:solidFill>
+              <a:latin typeface="HY엽서M"/>
+              <a:ea typeface="HY엽서M"/>
+            </a:endParaRPr>
+          </a:p>
+          <a:p>
+            <a:pPr marL="285750" indent="-285750">
+              <a:lnSpc>
+                <a:spcPct val="150000"/>
+              </a:lnSpc>
+              <a:buFont typeface="Arial" panose="020B0604020202020204" pitchFamily="34" charset="0"/>
+              <a:buChar char="•"/>
+              <a:defRPr lang="ko-KR" altLang="en-US"/>
+            </a:pPr>
+            <a:endParaRPr lang="ko-KR" altLang="en-US" sz="1700" b="1" dirty="0">
+              <a:solidFill>
+                <a:schemeClr val="bg2">
+                  <a:lumMod val="50000"/>
+                </a:schemeClr>
+              </a:solidFill>
+              <a:latin typeface="HY엽서M"/>
+              <a:ea typeface="HY엽서M"/>
+            </a:endParaRPr>
+          </a:p>
+          <a:p>
+            <a:pPr marL="285750" indent="-285750">
+              <a:lnSpc>
+                <a:spcPct val="150000"/>
+              </a:lnSpc>
+              <a:buFont typeface="Arial" panose="020B0604020202020204" pitchFamily="34" charset="0"/>
+              <a:buChar char="•"/>
+              <a:defRPr lang="ko-KR" altLang="en-US"/>
+            </a:pPr>
+            <a:endParaRPr lang="ko-KR" altLang="en-US" sz="1700" b="1" dirty="0">
+              <a:solidFill>
+                <a:schemeClr val="bg2">
+                  <a:lumMod val="50000"/>
+                </a:schemeClr>
+              </a:solidFill>
+              <a:latin typeface="HY엽서M"/>
+              <a:ea typeface="HY엽서M"/>
+            </a:endParaRPr>
+          </a:p>
+        </p:txBody>
+      </p:sp>
+    </p:spTree>
+  </p:cSld>
+  <p:clrMapOvr>
+    <a:masterClrMapping/>
+  </p:clrMapOvr>
+  <p:transition/>
+</p:sld>
+</file>
+
+<file path=ppt/slides/slide16.xml><?xml version="1.0" encoding="utf-8"?>
+<p:sld xmlns:a="http://schemas.openxmlformats.org/drawingml/2006/main" xmlns:r="http://schemas.openxmlformats.org/officeDocument/2006/relationships" xmlns:p="http://schemas.openxmlformats.org/presentationml/2006/main">
+  <p:cSld>
+    <p:spTree>
+      <p:nvGrpSpPr>
+        <p:cNvPr id="1" name=""/>
+        <p:cNvGrpSpPr/>
+        <p:nvPr/>
+      </p:nvGrpSpPr>
+      <p:grpSpPr>
+        <a:xfrm>
+          <a:off x="0" y="0"/>
+          <a:ext cx="0" cy="0"/>
+          <a:chOff x="0" y="0"/>
+          <a:chExt cx="0" cy="0"/>
+        </a:xfrm>
+      </p:grpSpPr>
+      <p:pic>
+        <p:nvPicPr>
+          <p:cNvPr id="1026" name="Picture 2"/>
+          <p:cNvPicPr>
+            <a:picLocks noChangeAspect="1" noChangeArrowheads="1"/>
+          </p:cNvPicPr>
+          <p:nvPr/>
+        </p:nvPicPr>
+        <p:blipFill>
+          <a:blip r:embed="rId2">
+            <a:extLst>
+              <a:ext uri="{28A0092B-C50C-407E-A947-70E740481C1C}">
+                <a14:useLocalDpi xmlns:a14="http://schemas.microsoft.com/office/drawing/2010/main" val="0"/>
+              </a:ext>
+            </a:extLst>
+          </a:blip>
+          <a:srcRect/>
+          <a:stretch>
+            <a:fillRect/>
+          </a:stretch>
+        </p:blipFill>
+        <p:spPr bwMode="auto">
+          <a:xfrm>
+            <a:off x="1751395" y="2505183"/>
+            <a:ext cx="2682148" cy="2686447"/>
+          </a:xfrm>
+          <a:prstGeom prst="ellipse">
+            <a:avLst/>
+          </a:prstGeom>
+          <a:noFill/>
+          <a:ln>
+            <a:noFill/>
+          </a:ln>
+          <a:effectLst/>
+          <a:extLst>
+            <a:ext uri="{909E8E84-426E-40DD-AFC4-6F175D3DCCD1}">
+              <a14:hiddenFill xmlns:a14="http://schemas.microsoft.com/office/drawing/2010/main">
+                <a:solidFill>
+                  <a:schemeClr val="accent1"/>
+                </a:solidFill>
+              </a14:hiddenFill>
+            </a:ext>
+            <a:ext uri="{91240B29-F687-4F45-9708-019B960494DF}">
+              <a14:hiddenLine xmlns:a14="http://schemas.microsoft.com/office/drawing/2010/main" w="9525">
+                <a:solidFill>
+                  <a:schemeClr val="tx1"/>
+                </a:solidFill>
+                <a:miter lim="800000"/>
+                <a:headEnd/>
+                <a:tailEnd/>
+              </a14:hiddenLine>
+            </a:ext>
+            <a:ext uri="{AF507438-7753-43E0-B8FC-AC1667EBCBE1}">
+              <a14:hiddenEffects xmlns:a14="http://schemas.microsoft.com/office/drawing/2010/main">
+                <a:effectLst>
+                  <a:outerShdw dist="35921" dir="2700000" algn="ctr" rotWithShape="0">
+                    <a:schemeClr val="bg2"/>
+                  </a:outerShdw>
+                </a:effectLst>
+              </a14:hiddenEffects>
+            </a:ext>
+          </a:extLst>
+        </p:spPr>
+      </p:pic>
+      <p:sp>
+        <p:nvSpPr>
+          <p:cNvPr id="2" name="모서리가 둥근 직사각형 31"/>
+          <p:cNvSpPr/>
+          <p:nvPr/>
+        </p:nvSpPr>
+        <p:spPr>
+          <a:xfrm>
+            <a:off x="0" y="-11720"/>
+            <a:ext cx="9906000" cy="704850"/>
+          </a:xfrm>
+          <a:prstGeom prst="roundRect">
+            <a:avLst>
+              <a:gd name="adj" fmla="val 0"/>
+            </a:avLst>
+          </a:prstGeom>
+          <a:gradFill flip="none" rotWithShape="1">
+            <a:gsLst>
+              <a:gs pos="78000">
+                <a:srgbClr val="CEE1F3">
+                  <a:alpha val="78000"/>
+                </a:srgbClr>
+              </a:gs>
+              <a:gs pos="34000">
+                <a:schemeClr val="accent1">
+                  <a:lumMod val="40000"/>
+                  <a:lumOff val="60000"/>
+                  <a:alpha val="72000"/>
+                </a:schemeClr>
+              </a:gs>
+              <a:gs pos="60000">
+                <a:schemeClr val="accent1">
+                  <a:lumMod val="20000"/>
+                  <a:lumOff val="80000"/>
+                  <a:alpha val="85000"/>
+                </a:schemeClr>
+              </a:gs>
+              <a:gs pos="9000">
+                <a:schemeClr val="bg1">
+                  <a:alpha val="95000"/>
+                </a:schemeClr>
+              </a:gs>
+              <a:gs pos="22000">
+                <a:schemeClr val="accent1">
+                  <a:lumMod val="20000"/>
+                  <a:lumOff val="80000"/>
+                  <a:alpha val="79000"/>
+                </a:schemeClr>
+              </a:gs>
+              <a:gs pos="90000">
+                <a:schemeClr val="bg1"/>
+              </a:gs>
+            </a:gsLst>
+            <a:lin ang="10800000" scaled="1"/>
+            <a:tileRect/>
+          </a:gradFill>
+          <a:ln w="25400" cmpd="tri">
+            <a:noFill/>
+          </a:ln>
+          <a:effectLst>
+            <a:outerShdw blurRad="50800" dist="38100" dir="2700000" algn="tl" rotWithShape="0">
+              <a:schemeClr val="accent3">
+                <a:lumMod val="40000"/>
+                <a:lumOff val="60000"/>
+                <a:alpha val="40000"/>
+              </a:schemeClr>
+            </a:outerShdw>
+          </a:effectLst>
+        </p:spPr>
+        <p:style>
+          <a:lnRef idx="2">
+            <a:schemeClr val="accent1">
+              <a:shade val="50000"/>
+            </a:schemeClr>
+          </a:lnRef>
+          <a:fillRef idx="1">
+            <a:schemeClr val="accent1"/>
+          </a:fillRef>
+          <a:effectRef idx="0">
+            <a:schemeClr val="accent1"/>
+          </a:effectRef>
+          <a:fontRef idx="minor">
+            <a:schemeClr val="lt1"/>
+          </a:fontRef>
+        </p:style>
+        <p:txBody>
+          <a:bodyPr anchor="ctr"/>
+          <a:lstStyle/>
+          <a:p>
+            <a:pPr algn="ctr">
+              <a:defRPr lang="ko-KR" altLang="en-US"/>
+            </a:pPr>
+            <a:endParaRPr lang="ko-KR" altLang="en-US"/>
+          </a:p>
+        </p:txBody>
+      </p:sp>
+      <p:sp>
+        <p:nvSpPr>
+          <p:cNvPr id="3" name="TextBox 24"/>
+          <p:cNvSpPr txBox="1"/>
+          <p:nvPr/>
+        </p:nvSpPr>
+        <p:spPr>
+          <a:xfrm>
+            <a:off x="3666964" y="15990"/>
+            <a:ext cx="2791150" cy="584775"/>
+          </a:xfrm>
+          <a:prstGeom prst="rect">
+            <a:avLst/>
+          </a:prstGeom>
+          <a:noFill/>
+        </p:spPr>
+        <p:txBody>
+          <a:bodyPr wrap="none">
+            <a:spAutoFit/>
+          </a:bodyPr>
+          <a:lstStyle/>
+          <a:p>
+            <a:pPr algn="ctr">
+              <a:defRPr lang="ko-KR" altLang="en-US"/>
+            </a:pPr>
+            <a:r>
+              <a:rPr lang="ko-KR" altLang="en-US" sz="3200" b="1" dirty="0" smtClean="0">
+                <a:solidFill>
+                  <a:schemeClr val="tx1">
+                    <a:lumMod val="75000"/>
+                    <a:lumOff val="25000"/>
+                  </a:schemeClr>
+                </a:solidFill>
+                <a:latin typeface="+mn-ea"/>
+              </a:rPr>
+              <a:t>사용자 </a:t>
+            </a:r>
+            <a:r>
+              <a:rPr lang="ko-KR" altLang="en-US" sz="3200" b="1" dirty="0" err="1" smtClean="0">
+                <a:solidFill>
+                  <a:schemeClr val="tx1">
+                    <a:lumMod val="75000"/>
+                    <a:lumOff val="25000"/>
+                  </a:schemeClr>
+                </a:solidFill>
+                <a:latin typeface="+mn-ea"/>
+              </a:rPr>
+              <a:t>스터디</a:t>
+            </a:r>
+            <a:endParaRPr lang="ko-KR" altLang="en-US" sz="3200" b="1" dirty="0">
+              <a:solidFill>
+                <a:schemeClr val="tx1">
+                  <a:lumMod val="75000"/>
+                  <a:lumOff val="25000"/>
+                </a:schemeClr>
+              </a:solidFill>
+              <a:latin typeface="+mn-ea"/>
+            </a:endParaRPr>
+          </a:p>
+        </p:txBody>
+      </p:sp>
+      <p:sp>
+        <p:nvSpPr>
+          <p:cNvPr id="4" name="TextBox 4"/>
+          <p:cNvSpPr txBox="1"/>
+          <p:nvPr/>
+        </p:nvSpPr>
+        <p:spPr>
+          <a:xfrm>
+            <a:off x="1955763" y="761154"/>
+            <a:ext cx="5994474" cy="418983"/>
+          </a:xfrm>
+          <a:prstGeom prst="rect">
+            <a:avLst/>
+          </a:prstGeom>
+          <a:noFill/>
+        </p:spPr>
+        <p:txBody>
+          <a:bodyPr wrap="none">
+            <a:spAutoFit/>
+          </a:bodyPr>
+          <a:lstStyle/>
+          <a:p>
+            <a:pPr lvl="0">
+              <a:defRPr lang="ko-KR" altLang="en-US"/>
+            </a:pPr>
+            <a:r>
+              <a:rPr lang="en-US" altLang="ko-KR" sz="2200" b="1" dirty="0">
+                <a:solidFill>
+                  <a:schemeClr val="tx1">
+                    <a:lumMod val="65000"/>
+                    <a:lumOff val="35000"/>
+                  </a:schemeClr>
+                </a:solidFill>
+              </a:rPr>
+              <a:t>[</a:t>
+            </a:r>
+            <a:r>
+              <a:rPr lang="ko-KR" altLang="en-US" sz="2200" b="1" dirty="0" err="1">
+                <a:solidFill>
+                  <a:schemeClr val="tx1">
+                    <a:lumMod val="65000"/>
+                    <a:lumOff val="35000"/>
+                  </a:schemeClr>
+                </a:solidFill>
+              </a:rPr>
+              <a:t>설문조사및</a:t>
+            </a:r>
+            <a:r>
+              <a:rPr lang="ko-KR" altLang="en-US" sz="2200" b="1" dirty="0">
+                <a:solidFill>
+                  <a:schemeClr val="tx1">
+                    <a:lumMod val="65000"/>
+                    <a:lumOff val="35000"/>
+                  </a:schemeClr>
+                </a:solidFill>
+              </a:rPr>
+              <a:t> 인터뷰를 통해 사용자의 의견 수집</a:t>
+            </a:r>
+            <a:r>
+              <a:rPr lang="en-US" altLang="ko-KR" sz="2200" b="1" dirty="0">
+                <a:solidFill>
+                  <a:schemeClr val="tx1">
+                    <a:lumMod val="65000"/>
+                    <a:lumOff val="35000"/>
+                  </a:schemeClr>
+                </a:solidFill>
+              </a:rPr>
+              <a:t>]</a:t>
+            </a:r>
+          </a:p>
+        </p:txBody>
+      </p:sp>
+      <p:pic>
+        <p:nvPicPr>
+          <p:cNvPr id="10" name="그림 9"/>
+          <p:cNvPicPr>
+            <a:picLocks noChangeAspect="1"/>
+          </p:cNvPicPr>
+          <p:nvPr/>
+        </p:nvPicPr>
+        <p:blipFill rotWithShape="1">
+          <a:blip r:embed="rId3"/>
+          <a:stretch>
+            <a:fillRect/>
+          </a:stretch>
+        </p:blipFill>
+        <p:spPr>
+          <a:xfrm>
+            <a:off x="5385927" y="2505183"/>
+            <a:ext cx="2820342" cy="2814644"/>
+          </a:xfrm>
+          <a:prstGeom prst="ellipse">
+            <a:avLst/>
+          </a:prstGeom>
+        </p:spPr>
+      </p:pic>
+    </p:spTree>
+  </p:cSld>
+  <p:clrMapOvr>
+    <a:masterClrMapping/>
+  </p:clrMapOvr>
+  <p:transition/>
+  <p:timing>
+    <p:tnLst>
+      <p:par>
+        <p:cTn id="1" dur="indefinite" restart="never" nodeType="tmRoot"/>
+      </p:par>
+    </p:tnLst>
+  </p:timing>
+</p:sld>
+</file>
+
+<file path=ppt/slides/slide17.xml><?xml version="1.0" encoding="utf-8"?>
+<p:sld xmlns:a="http://schemas.openxmlformats.org/drawingml/2006/main" xmlns:r="http://schemas.openxmlformats.org/officeDocument/2006/relationships" xmlns:p="http://schemas.openxmlformats.org/presentationml/2006/main">
+  <p:cSld>
+    <p:spTree>
+      <p:nvGrpSpPr>
+        <p:cNvPr id="1" name=""/>
+        <p:cNvGrpSpPr/>
+        <p:nvPr/>
+      </p:nvGrpSpPr>
+      <p:grpSpPr>
+        <a:xfrm>
+          <a:off x="0" y="0"/>
+          <a:ext cx="0" cy="0"/>
+          <a:chOff x="0" y="0"/>
+          <a:chExt cx="0" cy="0"/>
+        </a:xfrm>
+      </p:grpSpPr>
+      <p:sp>
+        <p:nvSpPr>
+          <p:cNvPr id="2" name="모서리가 둥근 직사각형 31"/>
+          <p:cNvSpPr/>
+          <p:nvPr/>
+        </p:nvSpPr>
+        <p:spPr>
+          <a:xfrm>
+            <a:off x="0" y="-11720"/>
+            <a:ext cx="9906000" cy="704850"/>
+          </a:xfrm>
+          <a:prstGeom prst="roundRect">
+            <a:avLst>
+              <a:gd name="adj" fmla="val 0"/>
+            </a:avLst>
+          </a:prstGeom>
+          <a:gradFill flip="none" rotWithShape="1">
+            <a:gsLst>
+              <a:gs pos="78000">
+                <a:srgbClr val="CEE1F3">
+                  <a:alpha val="78000"/>
+                </a:srgbClr>
+              </a:gs>
+              <a:gs pos="34000">
+                <a:schemeClr val="accent1">
+                  <a:lumMod val="40000"/>
+                  <a:lumOff val="60000"/>
+                  <a:alpha val="72000"/>
+                </a:schemeClr>
+              </a:gs>
+              <a:gs pos="60000">
+                <a:schemeClr val="accent1">
+                  <a:lumMod val="20000"/>
+                  <a:lumOff val="80000"/>
+                  <a:alpha val="85000"/>
+                </a:schemeClr>
+              </a:gs>
+              <a:gs pos="9000">
+                <a:schemeClr val="bg1">
+                  <a:alpha val="95000"/>
+                </a:schemeClr>
+              </a:gs>
+              <a:gs pos="22000">
+                <a:schemeClr val="accent1">
+                  <a:lumMod val="20000"/>
+                  <a:lumOff val="80000"/>
+                  <a:alpha val="79000"/>
+                </a:schemeClr>
+              </a:gs>
+              <a:gs pos="90000">
+                <a:schemeClr val="bg1"/>
+              </a:gs>
+            </a:gsLst>
+            <a:lin ang="10800000" scaled="1"/>
+            <a:tileRect/>
+          </a:gradFill>
+          <a:ln w="25400" cmpd="tri">
+            <a:noFill/>
+          </a:ln>
+          <a:effectLst>
+            <a:outerShdw blurRad="50800" dist="38100" dir="2700000" algn="tl" rotWithShape="0">
+              <a:schemeClr val="accent3">
+                <a:lumMod val="40000"/>
+                <a:lumOff val="60000"/>
+                <a:alpha val="40000"/>
+              </a:schemeClr>
+            </a:outerShdw>
+          </a:effectLst>
+        </p:spPr>
+        <p:style>
+          <a:lnRef idx="2">
+            <a:schemeClr val="accent1">
+              <a:shade val="50000"/>
+            </a:schemeClr>
+          </a:lnRef>
+          <a:fillRef idx="1">
+            <a:schemeClr val="accent1"/>
+          </a:fillRef>
+          <a:effectRef idx="0">
+            <a:schemeClr val="accent1"/>
+          </a:effectRef>
+          <a:fontRef idx="minor">
+            <a:schemeClr val="lt1"/>
+          </a:fontRef>
+        </p:style>
+        <p:txBody>
+          <a:bodyPr anchor="ctr"/>
+          <a:lstStyle/>
+          <a:p>
+            <a:pPr algn="ctr">
+              <a:defRPr lang="ko-KR" altLang="en-US"/>
+            </a:pPr>
+            <a:endParaRPr lang="ko-KR" altLang="en-US"/>
+          </a:p>
+        </p:txBody>
+      </p:sp>
+      <p:sp>
+        <p:nvSpPr>
+          <p:cNvPr id="3" name="TextBox 24"/>
+          <p:cNvSpPr txBox="1"/>
+          <p:nvPr/>
+        </p:nvSpPr>
+        <p:spPr>
+          <a:xfrm>
             <a:off x="4109085" y="15990"/>
             <a:ext cx="1954530" cy="572655"/>
           </a:xfrm>
@@ -8448,7 +11341,7 @@
 </p:sld>
 </file>
 
-<file path=ppt/slides/slide16.xml><?xml version="1.0" encoding="utf-8"?>
+<file path=ppt/slides/slide18.xml><?xml version="1.0" encoding="utf-8"?>
 <p:sld xmlns:a="http://schemas.openxmlformats.org/drawingml/2006/main" xmlns:r="http://schemas.openxmlformats.org/officeDocument/2006/relationships" xmlns:p="http://schemas.openxmlformats.org/presentationml/2006/main">
   <p:cSld>
     <p:spTree>
